--- a/curso_ODA.pptx
+++ b/curso_ODA.pptx
@@ -6987,8 +6987,8 @@
         </p:nvSpPr>
         <p:spPr>
           <a:xfrm>
-            <a:off x="629992" y="1453020"/>
-            <a:ext cx="7884015" cy="2862322"/>
+            <a:off x="629992" y="1243699"/>
+            <a:ext cx="7884015" cy="3693319"/>
           </a:xfrm>
           <a:prstGeom prst="rect">
             <a:avLst/>
@@ -7093,7 +7093,7 @@
               <a:rPr lang="es-MX" b="0" i="0" dirty="0">
                 <a:effectLst/>
               </a:rPr>
-              <a:t>Practica </a:t>
+              <a:t>Primera práctica - </a:t>
             </a:r>
             <a:r>
               <a:rPr lang="es-MX" b="0" i="0" dirty="0" err="1">
@@ -7119,6 +7119,35 @@
               </a:rPr>
               <a:t> (1 hora)</a:t>
             </a:r>
+          </a:p>
+          <a:p>
+            <a:pPr marL="1200150" lvl="2" indent="-285750">
+              <a:buFont typeface="+mj-lt"/>
+              <a:buAutoNum type="arabicPeriod"/>
+            </a:pPr>
+            <a:r>
+              <a:rPr lang="es-MX" dirty="0"/>
+              <a:t>Segunda Práctica - </a:t>
+            </a:r>
+            <a:r>
+              <a:rPr lang="es-MX" dirty="0" err="1"/>
+              <a:t>Custom</a:t>
+            </a:r>
+            <a:r>
+              <a:rPr lang="es-MX" dirty="0"/>
+              <a:t> </a:t>
+            </a:r>
+            <a:r>
+              <a:rPr lang="es-MX" dirty="0" err="1"/>
+              <a:t>Entities</a:t>
+            </a:r>
+            <a:r>
+              <a:rPr lang="es-MX" dirty="0"/>
+              <a:t> (1.5 horas)</a:t>
+            </a:r>
+            <a:endParaRPr lang="es-MX" b="0" i="0" dirty="0">
+              <a:effectLst/>
+            </a:endParaRPr>
           </a:p>
           <a:p>
             <a:pPr marL="742950" lvl="1" indent="-285750" algn="l">
@@ -7164,6 +7193,44 @@
             <a:endParaRPr lang="es-MX" b="0" i="0" dirty="0">
               <a:effectLst/>
             </a:endParaRPr>
+          </a:p>
+          <a:p>
+            <a:pPr marL="1200150" lvl="2" indent="-285750">
+              <a:buFont typeface="+mj-lt"/>
+              <a:buAutoNum type="arabicPeriod"/>
+            </a:pPr>
+            <a:r>
+              <a:rPr lang="es-MX" dirty="0"/>
+              <a:t>Tercera práctica – </a:t>
+            </a:r>
+            <a:r>
+              <a:rPr lang="es-MX" dirty="0" err="1"/>
+              <a:t>Custom</a:t>
+            </a:r>
+            <a:r>
+              <a:rPr lang="es-MX" dirty="0"/>
+              <a:t> </a:t>
+            </a:r>
+            <a:r>
+              <a:rPr lang="es-MX" dirty="0" err="1"/>
+              <a:t>Components</a:t>
+            </a:r>
+            <a:r>
+              <a:rPr lang="es-MX" dirty="0"/>
+              <a:t> y Menús</a:t>
+            </a:r>
+          </a:p>
+          <a:p>
+            <a:pPr marL="1200150" lvl="2" indent="-285750">
+              <a:buFont typeface="+mj-lt"/>
+              <a:buAutoNum type="arabicPeriod"/>
+            </a:pPr>
+            <a:r>
+              <a:rPr lang="es-MX" b="0" i="0" dirty="0">
+                <a:effectLst/>
+              </a:rPr>
+              <a:t>Cuarta práctica - </a:t>
+            </a:r>
           </a:p>
           <a:p>
             <a:pPr marL="742950" lvl="1" indent="-285750" algn="l">
@@ -9406,21 +9473,6 @@
 </file>
 
 <file path=customXml/item1.xml><?xml version="1.0" encoding="utf-8"?>
-<p:properties xmlns:p="http://schemas.microsoft.com/office/2006/metadata/properties" xmlns:xsi="http://www.w3.org/2001/XMLSchema-instance" xmlns:pc="http://schemas.microsoft.com/office/infopath/2007/PartnerControls">
-  <documentManagement/>
-</p:properties>
-</file>
-
-<file path=customXml/item2.xml><?xml version="1.0" encoding="utf-8"?>
-<?mso-contentType ?>
-<FormTemplates xmlns="http://schemas.microsoft.com/sharepoint/v3/contenttype/forms">
-  <Display>DocumentLibraryForm</Display>
-  <Edit>DocumentLibraryForm</Edit>
-  <New>DocumentLibraryForm</New>
-</FormTemplates>
-</file>
-
-<file path=customXml/item3.xml><?xml version="1.0" encoding="utf-8"?>
 <ct:contentTypeSchema xmlns:ct="http://schemas.microsoft.com/office/2006/metadata/contentType" xmlns:ma="http://schemas.microsoft.com/office/2006/metadata/properties/metaAttributes" ct:_="" ma:_="" ma:contentTypeName="Document" ma:contentTypeID="0x01010043B60EB60B68B14D86879C03BD3D2468" ma:contentTypeVersion="10" ma:contentTypeDescription="Create a new document." ma:contentTypeScope="" ma:versionID="a5441c8bbde97980b5a503f81cc5605a">
   <xsd:schema xmlns:xsd="http://www.w3.org/2001/XMLSchema" xmlns:xs="http://www.w3.org/2001/XMLSchema" xmlns:p="http://schemas.microsoft.com/office/2006/metadata/properties" xmlns:ns2="99ef9bd0-becc-4d85-8b71-202ec0298fc4" xmlns:ns3="527f4047-e63f-4102-a1d8-59e7cb165f37" targetNamespace="http://schemas.microsoft.com/office/2006/metadata/properties" ma:root="true" ma:fieldsID="499b9ee9acd830dc79f0678f1f86dcb5" ns2:_="" ns3:_="">
     <xsd:import namespace="99ef9bd0-becc-4d85-8b71-202ec0298fc4"/>
@@ -9625,32 +9677,22 @@
 </ct:contentTypeSchema>
 </file>
 
-<file path=customXml/itemProps1.xml><?xml version="1.0" encoding="utf-8"?>
-<ds:datastoreItem xmlns:ds="http://schemas.openxmlformats.org/officeDocument/2006/customXml" ds:itemID="{7B6F2769-7194-4217-93D3-3AF3A4742282}">
-  <ds:schemaRefs>
-    <ds:schemaRef ds:uri="http://schemas.microsoft.com/office/infopath/2007/PartnerControls"/>
-    <ds:schemaRef ds:uri="http://schemas.microsoft.com/office/2006/documentManagement/types"/>
-    <ds:schemaRef ds:uri="http://purl.org/dc/terms/"/>
-    <ds:schemaRef ds:uri="99ef9bd0-becc-4d85-8b71-202ec0298fc4"/>
-    <ds:schemaRef ds:uri="http://schemas.microsoft.com/office/2006/metadata/properties"/>
-    <ds:schemaRef ds:uri="527f4047-e63f-4102-a1d8-59e7cb165f37"/>
-    <ds:schemaRef ds:uri="http://purl.org/dc/elements/1.1/"/>
-    <ds:schemaRef ds:uri="http://schemas.openxmlformats.org/package/2006/metadata/core-properties"/>
-    <ds:schemaRef ds:uri="http://www.w3.org/XML/1998/namespace"/>
-    <ds:schemaRef ds:uri="http://purl.org/dc/dcmitype/"/>
-  </ds:schemaRefs>
-</ds:datastoreItem>
+<file path=customXml/item2.xml><?xml version="1.0" encoding="utf-8"?>
+<?mso-contentType ?>
+<FormTemplates xmlns="http://schemas.microsoft.com/sharepoint/v3/contenttype/forms">
+  <Display>DocumentLibraryForm</Display>
+  <Edit>DocumentLibraryForm</Edit>
+  <New>DocumentLibraryForm</New>
+</FormTemplates>
 </file>
 
-<file path=customXml/itemProps2.xml><?xml version="1.0" encoding="utf-8"?>
-<ds:datastoreItem xmlns:ds="http://schemas.openxmlformats.org/officeDocument/2006/customXml" ds:itemID="{87D2A1B0-FF3E-4009-940D-AED0EB70AA20}">
-  <ds:schemaRefs>
-    <ds:schemaRef ds:uri="http://schemas.microsoft.com/sharepoint/v3/contenttype/forms"/>
-  </ds:schemaRefs>
-</ds:datastoreItem>
+<file path=customXml/item3.xml><?xml version="1.0" encoding="utf-8"?>
+<p:properties xmlns:p="http://schemas.microsoft.com/office/2006/metadata/properties" xmlns:xsi="http://www.w3.org/2001/XMLSchema-instance" xmlns:pc="http://schemas.microsoft.com/office/infopath/2007/PartnerControls">
+  <documentManagement/>
+</p:properties>
 </file>
 
-<file path=customXml/itemProps3.xml><?xml version="1.0" encoding="utf-8"?>
+<file path=customXml/itemProps1.xml><?xml version="1.0" encoding="utf-8"?>
 <ds:datastoreItem xmlns:ds="http://schemas.openxmlformats.org/officeDocument/2006/customXml" ds:itemID="{8758A038-8533-4605-9209-66E6BDBEBF6E}">
   <ds:schemaRefs>
     <ds:schemaRef ds:uri="http://schemas.microsoft.com/office/2006/metadata/contentType"/>
@@ -9667,4 +9709,29 @@
     <ds:schemaRef ds:uri="http://schemas.microsoft.com/internal/obd"/>
   </ds:schemaRefs>
 </ds:datastoreItem>
+</file>
+
+<file path=customXml/itemProps2.xml><?xml version="1.0" encoding="utf-8"?>
+<ds:datastoreItem xmlns:ds="http://schemas.openxmlformats.org/officeDocument/2006/customXml" ds:itemID="{87D2A1B0-FF3E-4009-940D-AED0EB70AA20}">
+  <ds:schemaRefs>
+    <ds:schemaRef ds:uri="http://schemas.microsoft.com/sharepoint/v3/contenttype/forms"/>
+  </ds:schemaRefs>
+</ds:datastoreItem>
+</file>
+
+<file path=customXml/itemProps3.xml><?xml version="1.0" encoding="utf-8"?>
+<ds:datastoreItem xmlns:ds="http://schemas.openxmlformats.org/officeDocument/2006/customXml" ds:itemID="{7B6F2769-7194-4217-93D3-3AF3A4742282}">
+  <ds:schemaRefs>
+    <ds:schemaRef ds:uri="http://schemas.microsoft.com/office/infopath/2007/PartnerControls"/>
+    <ds:schemaRef ds:uri="http://schemas.microsoft.com/office/2006/documentManagement/types"/>
+    <ds:schemaRef ds:uri="http://purl.org/dc/terms/"/>
+    <ds:schemaRef ds:uri="99ef9bd0-becc-4d85-8b71-202ec0298fc4"/>
+    <ds:schemaRef ds:uri="http://schemas.microsoft.com/office/2006/metadata/properties"/>
+    <ds:schemaRef ds:uri="527f4047-e63f-4102-a1d8-59e7cb165f37"/>
+    <ds:schemaRef ds:uri="http://purl.org/dc/elements/1.1/"/>
+    <ds:schemaRef ds:uri="http://schemas.openxmlformats.org/package/2006/metadata/core-properties"/>
+    <ds:schemaRef ds:uri="http://www.w3.org/XML/1998/namespace"/>
+    <ds:schemaRef ds:uri="http://purl.org/dc/dcmitype/"/>
+  </ds:schemaRefs>
+</ds:datastoreItem>
 </file>
--- a/curso_ODA.pptx
+++ b/curso_ODA.pptx
@@ -5,7 +5,7 @@
     <p:sldMasterId id="2147493479" r:id="rId4"/>
   </p:sldMasterIdLst>
   <p:notesMasterIdLst>
-    <p:notesMasterId r:id="rId23"/>
+    <p:notesMasterId r:id="rId27"/>
   </p:notesMasterIdLst>
   <p:sldIdLst>
     <p:sldId id="256" r:id="rId5"/>
@@ -25,7 +25,11 @@
     <p:sldId id="329" r:id="rId19"/>
     <p:sldId id="330" r:id="rId20"/>
     <p:sldId id="331" r:id="rId21"/>
-    <p:sldId id="315" r:id="rId22"/>
+    <p:sldId id="332" r:id="rId22"/>
+    <p:sldId id="333" r:id="rId23"/>
+    <p:sldId id="334" r:id="rId24"/>
+    <p:sldId id="335" r:id="rId25"/>
+    <p:sldId id="315" r:id="rId26"/>
   </p:sldIdLst>
   <p:sldSz cx="9144000" cy="5143500" type="screen16x9"/>
   <p:notesSz cx="6858000" cy="9144000"/>
@@ -6805,10 +6809,214 @@
           <a:chExt cx="0" cy="0"/>
         </a:xfrm>
       </p:grpSpPr>
+      <p:sp>
+        <p:nvSpPr>
+          <p:cNvPr id="4" name="TextBox 1">
+            <a:extLst>
+              <a:ext uri="{FF2B5EF4-FFF2-40B4-BE49-F238E27FC236}">
+                <a16:creationId xmlns:a16="http://schemas.microsoft.com/office/drawing/2014/main" id="{B0064C64-35ED-4A28-9E95-8BEA778DBE93}"/>
+              </a:ext>
+            </a:extLst>
+          </p:cNvPr>
+          <p:cNvSpPr txBox="1"/>
+          <p:nvPr/>
+        </p:nvSpPr>
+        <p:spPr>
+          <a:xfrm>
+            <a:off x="870385" y="2141211"/>
+            <a:ext cx="7403230" cy="584775"/>
+          </a:xfrm>
+          <a:prstGeom prst="rect">
+            <a:avLst/>
+          </a:prstGeom>
+          <a:noFill/>
+        </p:spPr>
+        <p:txBody>
+          <a:bodyPr wrap="square" rtlCol="0">
+            <a:spAutoFit/>
+          </a:bodyPr>
+          <a:lstStyle/>
+          <a:p>
+            <a:pPr algn="ctr"/>
+            <a:r>
+              <a:rPr lang="es-MX" sz="3200" dirty="0">
+                <a:solidFill>
+                  <a:schemeClr val="accent6"/>
+                </a:solidFill>
+                <a:latin typeface="+mj-lt"/>
+              </a:rPr>
+              <a:t>Tercera práctica – </a:t>
+            </a:r>
+            <a:r>
+              <a:rPr lang="es-MX" sz="3200" dirty="0" err="1">
+                <a:solidFill>
+                  <a:schemeClr val="accent6"/>
+                </a:solidFill>
+                <a:latin typeface="+mj-lt"/>
+              </a:rPr>
+              <a:t>Cards</a:t>
+            </a:r>
+            <a:r>
+              <a:rPr lang="es-MX" sz="3200" dirty="0">
+                <a:solidFill>
+                  <a:schemeClr val="accent6"/>
+                </a:solidFill>
+                <a:latin typeface="+mj-lt"/>
+              </a:rPr>
+              <a:t> y Menús</a:t>
+            </a:r>
+          </a:p>
+        </p:txBody>
+      </p:sp>
     </p:spTree>
     <p:extLst>
       <p:ext uri="{BB962C8B-B14F-4D97-AF65-F5344CB8AC3E}">
-        <p14:creationId xmlns:p14="http://schemas.microsoft.com/office/powerpoint/2010/main" val="3168270471"/>
+        <p14:creationId xmlns:p14="http://schemas.microsoft.com/office/powerpoint/2010/main" val="4032641168"/>
+      </p:ext>
+    </p:extLst>
+  </p:cSld>
+  <p:clrMapOvr>
+    <a:masterClrMapping/>
+  </p:clrMapOvr>
+</p:sld>
+</file>
+
+<file path=ppt/slides/slide19.xml><?xml version="1.0" encoding="utf-8"?>
+<p:sld xmlns:a="http://schemas.openxmlformats.org/drawingml/2006/main" xmlns:r="http://schemas.openxmlformats.org/officeDocument/2006/relationships" xmlns:p="http://schemas.openxmlformats.org/presentationml/2006/main">
+  <p:cSld>
+    <p:spTree>
+      <p:nvGrpSpPr>
+        <p:cNvPr id="1" name=""/>
+        <p:cNvGrpSpPr/>
+        <p:nvPr/>
+      </p:nvGrpSpPr>
+      <p:grpSpPr>
+        <a:xfrm>
+          <a:off x="0" y="0"/>
+          <a:ext cx="0" cy="0"/>
+          <a:chOff x="0" y="0"/>
+          <a:chExt cx="0" cy="0"/>
+        </a:xfrm>
+      </p:grpSpPr>
+      <p:sp>
+        <p:nvSpPr>
+          <p:cNvPr id="4" name="TextBox 1">
+            <a:extLst>
+              <a:ext uri="{FF2B5EF4-FFF2-40B4-BE49-F238E27FC236}">
+                <a16:creationId xmlns:a16="http://schemas.microsoft.com/office/drawing/2014/main" id="{B0064C64-35ED-4A28-9E95-8BEA778DBE93}"/>
+              </a:ext>
+            </a:extLst>
+          </p:cNvPr>
+          <p:cNvSpPr txBox="1"/>
+          <p:nvPr/>
+        </p:nvSpPr>
+        <p:spPr>
+          <a:xfrm>
+            <a:off x="578412" y="1986975"/>
+            <a:ext cx="7987176" cy="584775"/>
+          </a:xfrm>
+          <a:prstGeom prst="rect">
+            <a:avLst/>
+          </a:prstGeom>
+          <a:noFill/>
+        </p:spPr>
+        <p:txBody>
+          <a:bodyPr wrap="square" rtlCol="0">
+            <a:spAutoFit/>
+          </a:bodyPr>
+          <a:lstStyle/>
+          <a:p>
+            <a:pPr algn="ctr"/>
+            <a:r>
+              <a:rPr lang="es-MX" sz="3200" dirty="0">
+                <a:solidFill>
+                  <a:schemeClr val="accent6"/>
+                </a:solidFill>
+                <a:latin typeface="+mj-lt"/>
+              </a:rPr>
+              <a:t>Cuarta práctica – </a:t>
+            </a:r>
+            <a:r>
+              <a:rPr lang="es-MX" sz="3200" dirty="0" err="1">
+                <a:solidFill>
+                  <a:schemeClr val="accent6"/>
+                </a:solidFill>
+                <a:latin typeface="+mj-lt"/>
+              </a:rPr>
+              <a:t>Custom</a:t>
+            </a:r>
+            <a:r>
+              <a:rPr lang="es-MX" sz="3200" dirty="0">
+                <a:solidFill>
+                  <a:schemeClr val="accent6"/>
+                </a:solidFill>
+                <a:latin typeface="+mj-lt"/>
+              </a:rPr>
+              <a:t> </a:t>
+            </a:r>
+            <a:r>
+              <a:rPr lang="es-MX" sz="3200" dirty="0" err="1">
+                <a:solidFill>
+                  <a:schemeClr val="accent6"/>
+                </a:solidFill>
+                <a:latin typeface="+mj-lt"/>
+              </a:rPr>
+              <a:t>Components</a:t>
+            </a:r>
+            <a:endParaRPr lang="es-MX" sz="3200" dirty="0">
+              <a:solidFill>
+                <a:schemeClr val="accent6"/>
+              </a:solidFill>
+              <a:latin typeface="+mj-lt"/>
+            </a:endParaRPr>
+          </a:p>
+        </p:txBody>
+      </p:sp>
+      <p:sp>
+        <p:nvSpPr>
+          <p:cNvPr id="3" name="TextBox 1">
+            <a:extLst>
+              <a:ext uri="{FF2B5EF4-FFF2-40B4-BE49-F238E27FC236}">
+                <a16:creationId xmlns:a16="http://schemas.microsoft.com/office/drawing/2014/main" id="{D3D063AE-1546-40C3-B015-13A8C401F646}"/>
+              </a:ext>
+            </a:extLst>
+          </p:cNvPr>
+          <p:cNvSpPr txBox="1"/>
+          <p:nvPr/>
+        </p:nvSpPr>
+        <p:spPr>
+          <a:xfrm>
+            <a:off x="870385" y="2571750"/>
+            <a:ext cx="7403230" cy="369332"/>
+          </a:xfrm>
+          <a:prstGeom prst="rect">
+            <a:avLst/>
+          </a:prstGeom>
+          <a:noFill/>
+        </p:spPr>
+        <p:txBody>
+          <a:bodyPr wrap="square" rtlCol="0">
+            <a:spAutoFit/>
+          </a:bodyPr>
+          <a:lstStyle/>
+          <a:p>
+            <a:pPr algn="ctr"/>
+            <a:r>
+              <a:rPr lang="es-MX" dirty="0">
+                <a:solidFill>
+                  <a:schemeClr val="accent6"/>
+                </a:solidFill>
+                <a:latin typeface="+mj-lt"/>
+              </a:rPr>
+              <a:t>Teoría</a:t>
+            </a:r>
+          </a:p>
+        </p:txBody>
+      </p:sp>
+    </p:spTree>
+    <p:extLst>
+      <p:ext uri="{BB962C8B-B14F-4D97-AF65-F5344CB8AC3E}">
+        <p14:creationId xmlns:p14="http://schemas.microsoft.com/office/powerpoint/2010/main" val="3572368044"/>
       </p:ext>
     </p:extLst>
   </p:cSld>
@@ -6897,6 +7105,635 @@
     <p:extLst>
       <p:ext uri="{BB962C8B-B14F-4D97-AF65-F5344CB8AC3E}">
         <p14:creationId xmlns:p14="http://schemas.microsoft.com/office/powerpoint/2010/main" val="3970619532"/>
+      </p:ext>
+    </p:extLst>
+  </p:cSld>
+  <p:clrMapOvr>
+    <a:masterClrMapping/>
+  </p:clrMapOvr>
+</p:sld>
+</file>
+
+<file path=ppt/slides/slide20.xml><?xml version="1.0" encoding="utf-8"?>
+<p:sld xmlns:a="http://schemas.openxmlformats.org/drawingml/2006/main" xmlns:r="http://schemas.openxmlformats.org/officeDocument/2006/relationships" xmlns:p="http://schemas.openxmlformats.org/presentationml/2006/main">
+  <p:cSld>
+    <p:spTree>
+      <p:nvGrpSpPr>
+        <p:cNvPr id="1" name=""/>
+        <p:cNvGrpSpPr/>
+        <p:nvPr/>
+      </p:nvGrpSpPr>
+      <p:grpSpPr>
+        <a:xfrm>
+          <a:off x="0" y="0"/>
+          <a:ext cx="0" cy="0"/>
+          <a:chOff x="0" y="0"/>
+          <a:chExt cx="0" cy="0"/>
+        </a:xfrm>
+      </p:grpSpPr>
+      <p:sp>
+        <p:nvSpPr>
+          <p:cNvPr id="3" name="CuadroTexto 2">
+            <a:extLst>
+              <a:ext uri="{FF2B5EF4-FFF2-40B4-BE49-F238E27FC236}">
+                <a16:creationId xmlns:a16="http://schemas.microsoft.com/office/drawing/2014/main" id="{0790FAC6-38FD-4EA4-94C5-5B22324507F9}"/>
+              </a:ext>
+            </a:extLst>
+          </p:cNvPr>
+          <p:cNvSpPr txBox="1"/>
+          <p:nvPr/>
+        </p:nvSpPr>
+        <p:spPr>
+          <a:xfrm>
+            <a:off x="705079" y="2888797"/>
+            <a:ext cx="7733841" cy="1569660"/>
+          </a:xfrm>
+          <a:prstGeom prst="rect">
+            <a:avLst/>
+          </a:prstGeom>
+          <a:noFill/>
+        </p:spPr>
+        <p:txBody>
+          <a:bodyPr wrap="square">
+            <a:spAutoFit/>
+          </a:bodyPr>
+          <a:lstStyle/>
+          <a:p>
+            <a:r>
+              <a:rPr lang="es-MX" sz="1600" dirty="0" err="1"/>
+              <a:t>Custom</a:t>
+            </a:r>
+            <a:r>
+              <a:rPr lang="es-MX" sz="1600" dirty="0"/>
+              <a:t> </a:t>
+            </a:r>
+            <a:r>
+              <a:rPr lang="es-MX" sz="1600" dirty="0" err="1"/>
+              <a:t>Component</a:t>
+            </a:r>
+            <a:r>
+              <a:rPr lang="es-MX" sz="1600" dirty="0"/>
+              <a:t>: </a:t>
+            </a:r>
+            <a:r>
+              <a:rPr lang="es-MX" sz="1600" dirty="0">
+                <a:hlinkClick r:id="rId2"/>
+              </a:rPr>
+              <a:t>https://docs.oracle.com/en/cloud/paas/digital-assistant/tutorial-cc-dev/index.html#step_one</a:t>
+            </a:r>
+            <a:endParaRPr lang="es-MX" sz="1600" dirty="0"/>
+          </a:p>
+          <a:p>
+            <a:r>
+              <a:rPr lang="es-MX" sz="1600" dirty="0"/>
+              <a:t>SDK: </a:t>
+            </a:r>
+            <a:r>
+              <a:rPr lang="es-MX" sz="1600" dirty="0">
+                <a:hlinkClick r:id="rId3"/>
+              </a:rPr>
+              <a:t>https://oracle.github.io/bots-node-sdk/lib_component_sdk.js.html</a:t>
+            </a:r>
+            <a:endParaRPr lang="es-MX" sz="1600" dirty="0"/>
+          </a:p>
+          <a:p>
+            <a:r>
+              <a:rPr lang="es-MX" sz="1600" dirty="0"/>
+              <a:t>Diagrama: </a:t>
+            </a:r>
+            <a:r>
+              <a:rPr lang="es-MX" sz="1600" dirty="0">
+                <a:hlinkClick r:id="rId4"/>
+              </a:rPr>
+              <a:t>https://drive.google.com/file/d/186dYG6ystbEryVnbc5FMJ2QaJBRSCJAE/view?usp=sharing</a:t>
+            </a:r>
+            <a:r>
+              <a:rPr lang="es-MX" sz="1600" dirty="0"/>
+              <a:t> </a:t>
+            </a:r>
+          </a:p>
+        </p:txBody>
+      </p:sp>
+      <p:sp>
+        <p:nvSpPr>
+          <p:cNvPr id="4" name="TextBox 2">
+            <a:extLst>
+              <a:ext uri="{FF2B5EF4-FFF2-40B4-BE49-F238E27FC236}">
+                <a16:creationId xmlns:a16="http://schemas.microsoft.com/office/drawing/2014/main" id="{698BB7EC-3F3E-4ABB-A6D0-FB6859C1B1DC}"/>
+              </a:ext>
+            </a:extLst>
+          </p:cNvPr>
+          <p:cNvSpPr txBox="1"/>
+          <p:nvPr/>
+        </p:nvSpPr>
+        <p:spPr>
+          <a:xfrm>
+            <a:off x="542607" y="1162977"/>
+            <a:ext cx="2302523" cy="1569660"/>
+          </a:xfrm>
+          <a:prstGeom prst="rect">
+            <a:avLst/>
+          </a:prstGeom>
+          <a:noFill/>
+        </p:spPr>
+        <p:txBody>
+          <a:bodyPr wrap="square" lIns="91440" tIns="45720" rIns="91440" bIns="45720" rtlCol="0" anchor="t">
+            <a:spAutoFit/>
+          </a:bodyPr>
+          <a:lstStyle/>
+          <a:p>
+            <a:pPr marL="285750" indent="-285750" algn="l">
+              <a:buFont typeface="Wingdings" panose="05000000000000000000" pitchFamily="2" charset="2"/>
+              <a:buChar char="ü"/>
+            </a:pPr>
+            <a:r>
+              <a:rPr lang="es-MX" sz="1600" dirty="0" err="1"/>
+              <a:t>NodeJS</a:t>
+            </a:r>
+            <a:endParaRPr lang="es-MX" sz="1600" dirty="0"/>
+          </a:p>
+          <a:p>
+            <a:pPr marL="285750" indent="-285750" algn="l">
+              <a:buFont typeface="Wingdings" panose="05000000000000000000" pitchFamily="2" charset="2"/>
+              <a:buChar char="ü"/>
+            </a:pPr>
+            <a:r>
+              <a:rPr lang="es-MX" sz="1600" dirty="0"/>
+              <a:t>NMP</a:t>
+            </a:r>
+          </a:p>
+          <a:p>
+            <a:pPr marL="285750" indent="-285750" algn="l">
+              <a:buFont typeface="Wingdings" panose="05000000000000000000" pitchFamily="2" charset="2"/>
+              <a:buChar char="ü"/>
+            </a:pPr>
+            <a:r>
+              <a:rPr lang="es-MX" sz="1600" dirty="0"/>
+              <a:t>Editor de Código</a:t>
+            </a:r>
+          </a:p>
+          <a:p>
+            <a:pPr marL="285750" indent="-285750" algn="l">
+              <a:buFont typeface="Wingdings" panose="05000000000000000000" pitchFamily="2" charset="2"/>
+              <a:buChar char="ü"/>
+            </a:pPr>
+            <a:r>
+              <a:rPr lang="es-MX" sz="1600" dirty="0" err="1"/>
+              <a:t>Ngrok</a:t>
+            </a:r>
+            <a:endParaRPr lang="es-MX" sz="1600" dirty="0"/>
+          </a:p>
+          <a:p>
+            <a:pPr marL="285750" indent="-285750" algn="l">
+              <a:buFont typeface="Wingdings" panose="05000000000000000000" pitchFamily="2" charset="2"/>
+              <a:buChar char="ü"/>
+            </a:pPr>
+            <a:endParaRPr lang="es-MX" sz="1600" dirty="0"/>
+          </a:p>
+          <a:p>
+            <a:pPr marL="285750" indent="-285750" algn="l">
+              <a:buFont typeface="Wingdings" panose="05000000000000000000" pitchFamily="2" charset="2"/>
+              <a:buChar char="ü"/>
+            </a:pPr>
+            <a:endParaRPr lang="es-MX" sz="1600" b="0" i="0" dirty="0">
+              <a:effectLst/>
+            </a:endParaRPr>
+          </a:p>
+        </p:txBody>
+      </p:sp>
+      <p:sp>
+        <p:nvSpPr>
+          <p:cNvPr id="5" name="TextBox 1">
+            <a:extLst>
+              <a:ext uri="{FF2B5EF4-FFF2-40B4-BE49-F238E27FC236}">
+                <a16:creationId xmlns:a16="http://schemas.microsoft.com/office/drawing/2014/main" id="{7E07509A-CEF5-45B7-9069-253F3D25B7AD}"/>
+              </a:ext>
+            </a:extLst>
+          </p:cNvPr>
+          <p:cNvSpPr txBox="1"/>
+          <p:nvPr/>
+        </p:nvSpPr>
+        <p:spPr>
+          <a:xfrm>
+            <a:off x="341523" y="528407"/>
+            <a:ext cx="1586376" cy="369332"/>
+          </a:xfrm>
+          <a:prstGeom prst="rect">
+            <a:avLst/>
+          </a:prstGeom>
+          <a:noFill/>
+        </p:spPr>
+        <p:txBody>
+          <a:bodyPr wrap="square" rtlCol="0">
+            <a:spAutoFit/>
+          </a:bodyPr>
+          <a:lstStyle/>
+          <a:p>
+            <a:pPr algn="ctr"/>
+            <a:r>
+              <a:rPr lang="es-MX" dirty="0">
+                <a:solidFill>
+                  <a:schemeClr val="accent6"/>
+                </a:solidFill>
+                <a:latin typeface="+mj-lt"/>
+              </a:rPr>
+              <a:t>Requisitos</a:t>
+            </a:r>
+          </a:p>
+        </p:txBody>
+      </p:sp>
+      <p:sp>
+        <p:nvSpPr>
+          <p:cNvPr id="6" name="TextBox 1">
+            <a:extLst>
+              <a:ext uri="{FF2B5EF4-FFF2-40B4-BE49-F238E27FC236}">
+                <a16:creationId xmlns:a16="http://schemas.microsoft.com/office/drawing/2014/main" id="{C4C88DB9-35B6-4AEF-B879-CA18AAE14D44}"/>
+              </a:ext>
+            </a:extLst>
+          </p:cNvPr>
+          <p:cNvSpPr txBox="1"/>
+          <p:nvPr/>
+        </p:nvSpPr>
+        <p:spPr>
+          <a:xfrm>
+            <a:off x="3415255" y="525384"/>
+            <a:ext cx="1586376" cy="369332"/>
+          </a:xfrm>
+          <a:prstGeom prst="rect">
+            <a:avLst/>
+          </a:prstGeom>
+          <a:noFill/>
+        </p:spPr>
+        <p:txBody>
+          <a:bodyPr wrap="square" rtlCol="0">
+            <a:spAutoFit/>
+          </a:bodyPr>
+          <a:lstStyle/>
+          <a:p>
+            <a:pPr algn="ctr"/>
+            <a:r>
+              <a:rPr lang="es-MX" dirty="0">
+                <a:solidFill>
+                  <a:schemeClr val="accent6"/>
+                </a:solidFill>
+                <a:latin typeface="+mj-lt"/>
+              </a:rPr>
+              <a:t>Proceso</a:t>
+            </a:r>
+          </a:p>
+        </p:txBody>
+      </p:sp>
+      <p:sp>
+        <p:nvSpPr>
+          <p:cNvPr id="7" name="TextBox 2">
+            <a:extLst>
+              <a:ext uri="{FF2B5EF4-FFF2-40B4-BE49-F238E27FC236}">
+                <a16:creationId xmlns:a16="http://schemas.microsoft.com/office/drawing/2014/main" id="{8639F7EA-EA80-4877-8D56-712CC82D4812}"/>
+              </a:ext>
+            </a:extLst>
+          </p:cNvPr>
+          <p:cNvSpPr txBox="1"/>
+          <p:nvPr/>
+        </p:nvSpPr>
+        <p:spPr>
+          <a:xfrm>
+            <a:off x="3603460" y="1159954"/>
+            <a:ext cx="5276135" cy="1323439"/>
+          </a:xfrm>
+          <a:prstGeom prst="rect">
+            <a:avLst/>
+          </a:prstGeom>
+          <a:noFill/>
+        </p:spPr>
+        <p:txBody>
+          <a:bodyPr wrap="square" lIns="91440" tIns="45720" rIns="91440" bIns="45720" rtlCol="0" anchor="t">
+            <a:spAutoFit/>
+          </a:bodyPr>
+          <a:lstStyle/>
+          <a:p>
+            <a:pPr marL="342900" indent="-342900" algn="l">
+              <a:buFont typeface="+mj-lt"/>
+              <a:buAutoNum type="arabicPeriod"/>
+            </a:pPr>
+            <a:r>
+              <a:rPr lang="es-MX" sz="1600" dirty="0"/>
+              <a:t>Nuevo proyecto</a:t>
+            </a:r>
+          </a:p>
+          <a:p>
+            <a:pPr marL="342900" indent="-342900" algn="l">
+              <a:buFont typeface="+mj-lt"/>
+              <a:buAutoNum type="arabicPeriod"/>
+            </a:pPr>
+            <a:r>
+              <a:rPr lang="es-MX" sz="1600" dirty="0" err="1"/>
+              <a:t>npm</a:t>
+            </a:r>
+            <a:r>
+              <a:rPr lang="es-MX" sz="1600" dirty="0"/>
+              <a:t> </a:t>
+            </a:r>
+            <a:r>
+              <a:rPr lang="es-MX" sz="1600" dirty="0" err="1"/>
+              <a:t>install</a:t>
+            </a:r>
+            <a:r>
+              <a:rPr lang="es-MX" sz="1600" dirty="0"/>
+              <a:t> -g @oracle/bots-node-sdk</a:t>
+            </a:r>
+          </a:p>
+          <a:p>
+            <a:pPr marL="342900" indent="-342900" algn="l">
+              <a:buFont typeface="+mj-lt"/>
+              <a:buAutoNum type="arabicPeriod"/>
+            </a:pPr>
+            <a:r>
+              <a:rPr lang="es-MX" sz="1600" dirty="0" err="1"/>
+              <a:t>bots-node-sdk</a:t>
+            </a:r>
+            <a:r>
+              <a:rPr lang="es-MX" sz="1600" dirty="0"/>
+              <a:t> </a:t>
+            </a:r>
+            <a:r>
+              <a:rPr lang="es-MX" sz="1600" dirty="0" err="1"/>
+              <a:t>init</a:t>
+            </a:r>
+            <a:r>
+              <a:rPr lang="es-MX" sz="1600" dirty="0"/>
+              <a:t> </a:t>
+            </a:r>
+            <a:r>
+              <a:rPr lang="es-MX" sz="1600" dirty="0" err="1"/>
+              <a:t>converterccs</a:t>
+            </a:r>
+            <a:r>
+              <a:rPr lang="es-MX" sz="1600" dirty="0"/>
+              <a:t> --</a:t>
+            </a:r>
+            <a:r>
+              <a:rPr lang="es-MX" sz="1600" dirty="0" err="1"/>
+              <a:t>name</a:t>
+            </a:r>
+            <a:r>
+              <a:rPr lang="es-MX" sz="1600" dirty="0"/>
+              <a:t> </a:t>
+            </a:r>
+            <a:r>
+              <a:rPr lang="es-MX" sz="1600" dirty="0" err="1"/>
+              <a:t>converterccs</a:t>
+            </a:r>
+            <a:r>
+              <a:rPr lang="es-MX" sz="1600" dirty="0"/>
+              <a:t> --</a:t>
+            </a:r>
+            <a:r>
+              <a:rPr lang="es-MX" sz="1600" dirty="0" err="1"/>
+              <a:t>component-name</a:t>
+            </a:r>
+            <a:r>
+              <a:rPr lang="es-MX" sz="1600" dirty="0"/>
+              <a:t> </a:t>
+            </a:r>
+            <a:r>
+              <a:rPr lang="es-MX" sz="1600" dirty="0" err="1"/>
+              <a:t>becabot</a:t>
+            </a:r>
+            <a:endParaRPr lang="es-MX" sz="1600" dirty="0"/>
+          </a:p>
+          <a:p>
+            <a:pPr marL="342900" indent="-342900" algn="l">
+              <a:buFont typeface="+mj-lt"/>
+              <a:buAutoNum type="arabicPeriod"/>
+            </a:pPr>
+            <a:endParaRPr lang="es-MX" sz="1600" b="0" i="0" dirty="0">
+              <a:effectLst/>
+            </a:endParaRPr>
+          </a:p>
+        </p:txBody>
+      </p:sp>
+      <p:cxnSp>
+        <p:nvCxnSpPr>
+          <p:cNvPr id="8" name="Conector recto 7">
+            <a:extLst>
+              <a:ext uri="{FF2B5EF4-FFF2-40B4-BE49-F238E27FC236}">
+                <a16:creationId xmlns:a16="http://schemas.microsoft.com/office/drawing/2014/main" id="{3DDEA843-E917-4FB1-A175-7A2751413B9F}"/>
+              </a:ext>
+            </a:extLst>
+          </p:cNvPr>
+          <p:cNvCxnSpPr>
+            <a:cxnSpLocks/>
+          </p:cNvCxnSpPr>
+          <p:nvPr/>
+        </p:nvCxnSpPr>
+        <p:spPr>
+          <a:xfrm>
+            <a:off x="3007607" y="525384"/>
+            <a:ext cx="0" cy="1895315"/>
+          </a:xfrm>
+          <a:prstGeom prst="line">
+            <a:avLst/>
+          </a:prstGeom>
+          <a:ln w="19050">
+            <a:solidFill>
+              <a:srgbClr val="1269B2"/>
+            </a:solidFill>
+          </a:ln>
+        </p:spPr>
+        <p:style>
+          <a:lnRef idx="1">
+            <a:schemeClr val="accent1"/>
+          </a:lnRef>
+          <a:fillRef idx="0">
+            <a:schemeClr val="accent1"/>
+          </a:fillRef>
+          <a:effectRef idx="0">
+            <a:schemeClr val="accent1"/>
+          </a:effectRef>
+          <a:fontRef idx="minor">
+            <a:schemeClr val="tx1"/>
+          </a:fontRef>
+        </p:style>
+      </p:cxnSp>
+    </p:spTree>
+    <p:extLst>
+      <p:ext uri="{BB962C8B-B14F-4D97-AF65-F5344CB8AC3E}">
+        <p14:creationId xmlns:p14="http://schemas.microsoft.com/office/powerpoint/2010/main" val="2736879762"/>
+      </p:ext>
+    </p:extLst>
+  </p:cSld>
+  <p:clrMapOvr>
+    <a:masterClrMapping/>
+  </p:clrMapOvr>
+</p:sld>
+</file>
+
+<file path=ppt/slides/slide21.xml><?xml version="1.0" encoding="utf-8"?>
+<p:sld xmlns:a="http://schemas.openxmlformats.org/drawingml/2006/main" xmlns:r="http://schemas.openxmlformats.org/officeDocument/2006/relationships" xmlns:p="http://schemas.openxmlformats.org/presentationml/2006/main">
+  <p:cSld>
+    <p:spTree>
+      <p:nvGrpSpPr>
+        <p:cNvPr id="1" name=""/>
+        <p:cNvGrpSpPr/>
+        <p:nvPr/>
+      </p:nvGrpSpPr>
+      <p:grpSpPr>
+        <a:xfrm>
+          <a:off x="0" y="0"/>
+          <a:ext cx="0" cy="0"/>
+          <a:chOff x="0" y="0"/>
+          <a:chExt cx="0" cy="0"/>
+        </a:xfrm>
+      </p:grpSpPr>
+      <p:sp>
+        <p:nvSpPr>
+          <p:cNvPr id="4" name="TextBox 1">
+            <a:extLst>
+              <a:ext uri="{FF2B5EF4-FFF2-40B4-BE49-F238E27FC236}">
+                <a16:creationId xmlns:a16="http://schemas.microsoft.com/office/drawing/2014/main" id="{B0064C64-35ED-4A28-9E95-8BEA778DBE93}"/>
+              </a:ext>
+            </a:extLst>
+          </p:cNvPr>
+          <p:cNvSpPr txBox="1"/>
+          <p:nvPr/>
+        </p:nvSpPr>
+        <p:spPr>
+          <a:xfrm>
+            <a:off x="578412" y="1986975"/>
+            <a:ext cx="7987176" cy="584775"/>
+          </a:xfrm>
+          <a:prstGeom prst="rect">
+            <a:avLst/>
+          </a:prstGeom>
+          <a:noFill/>
+        </p:spPr>
+        <p:txBody>
+          <a:bodyPr wrap="square" rtlCol="0">
+            <a:spAutoFit/>
+          </a:bodyPr>
+          <a:lstStyle/>
+          <a:p>
+            <a:pPr algn="ctr"/>
+            <a:r>
+              <a:rPr lang="es-MX" sz="3200" dirty="0">
+                <a:solidFill>
+                  <a:schemeClr val="accent6"/>
+                </a:solidFill>
+                <a:latin typeface="+mj-lt"/>
+              </a:rPr>
+              <a:t>Quinta práctica – </a:t>
+            </a:r>
+            <a:r>
+              <a:rPr lang="es-MX" sz="3200" dirty="0" err="1">
+                <a:solidFill>
+                  <a:schemeClr val="accent6"/>
+                </a:solidFill>
+                <a:latin typeface="+mj-lt"/>
+              </a:rPr>
+              <a:t>Handlers</a:t>
+            </a:r>
+            <a:r>
+              <a:rPr lang="es-MX" sz="3200" dirty="0">
+                <a:solidFill>
+                  <a:schemeClr val="accent6"/>
+                </a:solidFill>
+                <a:latin typeface="+mj-lt"/>
+              </a:rPr>
+              <a:t> </a:t>
+            </a:r>
+            <a:r>
+              <a:rPr lang="es-MX" sz="3200" dirty="0" err="1">
+                <a:solidFill>
+                  <a:schemeClr val="accent6"/>
+                </a:solidFill>
+                <a:latin typeface="+mj-lt"/>
+              </a:rPr>
+              <a:t>Events</a:t>
+            </a:r>
+            <a:endParaRPr lang="es-MX" sz="3200" dirty="0">
+              <a:solidFill>
+                <a:schemeClr val="accent6"/>
+              </a:solidFill>
+              <a:latin typeface="+mj-lt"/>
+            </a:endParaRPr>
+          </a:p>
+        </p:txBody>
+      </p:sp>
+      <p:sp>
+        <p:nvSpPr>
+          <p:cNvPr id="3" name="TextBox 1">
+            <a:extLst>
+              <a:ext uri="{FF2B5EF4-FFF2-40B4-BE49-F238E27FC236}">
+                <a16:creationId xmlns:a16="http://schemas.microsoft.com/office/drawing/2014/main" id="{D3D063AE-1546-40C3-B015-13A8C401F646}"/>
+              </a:ext>
+            </a:extLst>
+          </p:cNvPr>
+          <p:cNvSpPr txBox="1"/>
+          <p:nvPr/>
+        </p:nvSpPr>
+        <p:spPr>
+          <a:xfrm>
+            <a:off x="870385" y="2571750"/>
+            <a:ext cx="7403230" cy="369332"/>
+          </a:xfrm>
+          <a:prstGeom prst="rect">
+            <a:avLst/>
+          </a:prstGeom>
+          <a:noFill/>
+        </p:spPr>
+        <p:txBody>
+          <a:bodyPr wrap="square" rtlCol="0">
+            <a:spAutoFit/>
+          </a:bodyPr>
+          <a:lstStyle/>
+          <a:p>
+            <a:pPr algn="ctr"/>
+            <a:r>
+              <a:rPr lang="es-MX" dirty="0">
+                <a:solidFill>
+                  <a:schemeClr val="accent6"/>
+                </a:solidFill>
+                <a:latin typeface="+mj-lt"/>
+              </a:rPr>
+              <a:t>Teoría</a:t>
+            </a:r>
+          </a:p>
+        </p:txBody>
+      </p:sp>
+    </p:spTree>
+    <p:extLst>
+      <p:ext uri="{BB962C8B-B14F-4D97-AF65-F5344CB8AC3E}">
+        <p14:creationId xmlns:p14="http://schemas.microsoft.com/office/powerpoint/2010/main" val="1887807184"/>
+      </p:ext>
+    </p:extLst>
+  </p:cSld>
+  <p:clrMapOvr>
+    <a:masterClrMapping/>
+  </p:clrMapOvr>
+</p:sld>
+</file>
+
+<file path=ppt/slides/slide22.xml><?xml version="1.0" encoding="utf-8"?>
+<p:sld xmlns:a="http://schemas.openxmlformats.org/drawingml/2006/main" xmlns:r="http://schemas.openxmlformats.org/officeDocument/2006/relationships" xmlns:p="http://schemas.openxmlformats.org/presentationml/2006/main">
+  <p:cSld>
+    <p:spTree>
+      <p:nvGrpSpPr>
+        <p:cNvPr id="1" name=""/>
+        <p:cNvGrpSpPr/>
+        <p:nvPr/>
+      </p:nvGrpSpPr>
+      <p:grpSpPr>
+        <a:xfrm>
+          <a:off x="0" y="0"/>
+          <a:ext cx="0" cy="0"/>
+          <a:chOff x="0" y="0"/>
+          <a:chExt cx="0" cy="0"/>
+        </a:xfrm>
+      </p:grpSpPr>
+    </p:spTree>
+    <p:extLst>
+      <p:ext uri="{BB962C8B-B14F-4D97-AF65-F5344CB8AC3E}">
+        <p14:creationId xmlns:p14="http://schemas.microsoft.com/office/powerpoint/2010/main" val="3168270471"/>
       </p:ext>
     </p:extLst>
   </p:cSld>
@@ -6934,10 +7771,10 @@
       </p:grpSpPr>
       <p:sp>
         <p:nvSpPr>
-          <p:cNvPr id="2" name="TextBox 1">
-            <a:extLst>
-              <a:ext uri="{FF2B5EF4-FFF2-40B4-BE49-F238E27FC236}">
-                <a16:creationId xmlns:a16="http://schemas.microsoft.com/office/drawing/2014/main" id="{52C55876-7F30-45E9-BE94-D639AB124387}"/>
+          <p:cNvPr id="3" name="TextBox 2">
+            <a:extLst>
+              <a:ext uri="{FF2B5EF4-FFF2-40B4-BE49-F238E27FC236}">
+                <a16:creationId xmlns:a16="http://schemas.microsoft.com/office/drawing/2014/main" id="{B10FE57E-6A09-494C-9816-62E100A7F156}"/>
               </a:ext>
             </a:extLst>
           </p:cNvPr>
@@ -6946,49 +7783,8 @@
         </p:nvSpPr>
         <p:spPr>
           <a:xfrm>
-            <a:off x="661117" y="352023"/>
-            <a:ext cx="7832500" cy="769441"/>
-          </a:xfrm>
-          <a:prstGeom prst="rect">
-            <a:avLst/>
-          </a:prstGeom>
-          <a:noFill/>
-        </p:spPr>
-        <p:txBody>
-          <a:bodyPr wrap="square" rtlCol="0">
-            <a:spAutoFit/>
-          </a:bodyPr>
-          <a:lstStyle/>
-          <a:p>
-            <a:pPr algn="ctr"/>
-            <a:r>
-              <a:rPr lang="es-MX" sz="4400" dirty="0">
-                <a:solidFill>
-                  <a:schemeClr val="accent6"/>
-                </a:solidFill>
-                <a:latin typeface="+mj-lt"/>
-              </a:rPr>
-              <a:t>Agenda</a:t>
-            </a:r>
-          </a:p>
-        </p:txBody>
-      </p:sp>
-      <p:sp>
-        <p:nvSpPr>
-          <p:cNvPr id="3" name="TextBox 2">
-            <a:extLst>
-              <a:ext uri="{FF2B5EF4-FFF2-40B4-BE49-F238E27FC236}">
-                <a16:creationId xmlns:a16="http://schemas.microsoft.com/office/drawing/2014/main" id="{B10FE57E-6A09-494C-9816-62E100A7F156}"/>
-              </a:ext>
-            </a:extLst>
-          </p:cNvPr>
-          <p:cNvSpPr txBox="1"/>
-          <p:nvPr/>
-        </p:nvSpPr>
-        <p:spPr>
-          <a:xfrm>
-            <a:off x="629992" y="1243699"/>
-            <a:ext cx="7884015" cy="3693319"/>
+            <a:off x="629992" y="586591"/>
+            <a:ext cx="7884015" cy="3970318"/>
           </a:xfrm>
           <a:prstGeom prst="rect">
             <a:avLst/>
@@ -7145,6 +7941,34 @@
               <a:rPr lang="es-MX" dirty="0"/>
               <a:t> (1.5 horas)</a:t>
             </a:r>
+          </a:p>
+          <a:p>
+            <a:pPr marL="1200150" lvl="2" indent="-285750">
+              <a:buFont typeface="+mj-lt"/>
+              <a:buAutoNum type="arabicPeriod"/>
+            </a:pPr>
+            <a:r>
+              <a:rPr lang="es-MX" b="0" i="0" dirty="0">
+                <a:effectLst/>
+              </a:rPr>
+              <a:t>Tercera práctica – </a:t>
+            </a:r>
+            <a:r>
+              <a:rPr lang="es-MX" b="0" i="0" dirty="0" err="1">
+                <a:effectLst/>
+              </a:rPr>
+              <a:t>Cards</a:t>
+            </a:r>
+            <a:r>
+              <a:rPr lang="es-MX" b="0" i="0" dirty="0">
+                <a:effectLst/>
+              </a:rPr>
+              <a:t> y menús</a:t>
+            </a:r>
+            <a:r>
+              <a:rPr lang="es-MX" dirty="0"/>
+              <a:t> (40 minutos)</a:t>
+            </a:r>
             <a:endParaRPr lang="es-MX" b="0" i="0" dirty="0">
               <a:effectLst/>
             </a:endParaRPr>
@@ -7201,7 +8025,7 @@
             </a:pPr>
             <a:r>
               <a:rPr lang="es-MX" dirty="0"/>
-              <a:t>Tercera práctica – </a:t>
+              <a:t>Cuarta práctica – </a:t>
             </a:r>
             <a:r>
               <a:rPr lang="es-MX" dirty="0" err="1"/>
@@ -7217,7 +8041,7 @@
             </a:r>
             <a:r>
               <a:rPr lang="es-MX" dirty="0"/>
-              <a:t> y Menús</a:t>
+              <a:t> (50 minutos)</a:t>
             </a:r>
           </a:p>
           <a:p>
@@ -7229,8 +8053,29 @@
               <a:rPr lang="es-MX" b="0" i="0" dirty="0">
                 <a:effectLst/>
               </a:rPr>
-              <a:t>Cuarta práctica - </a:t>
-            </a:r>
+              <a:t>Quinta práctica – </a:t>
+            </a:r>
+            <a:r>
+              <a:rPr lang="es-MX" b="0" i="0" dirty="0" err="1">
+                <a:effectLst/>
+              </a:rPr>
+              <a:t>Handler</a:t>
+            </a:r>
+            <a:r>
+              <a:rPr lang="es-MX" b="0" i="0" dirty="0">
+                <a:effectLst/>
+              </a:rPr>
+              <a:t> </a:t>
+            </a:r>
+            <a:r>
+              <a:rPr lang="es-MX" b="0" i="0" dirty="0" err="1">
+                <a:effectLst/>
+              </a:rPr>
+              <a:t>Events</a:t>
+            </a:r>
+            <a:endParaRPr lang="es-MX" b="0" i="0" dirty="0">
+              <a:effectLst/>
+            </a:endParaRPr>
           </a:p>
           <a:p>
             <a:pPr marL="742950" lvl="1" indent="-285750" algn="l">
@@ -9473,6 +10318,21 @@
 </file>
 
 <file path=customXml/item1.xml><?xml version="1.0" encoding="utf-8"?>
+<p:properties xmlns:p="http://schemas.microsoft.com/office/2006/metadata/properties" xmlns:xsi="http://www.w3.org/2001/XMLSchema-instance" xmlns:pc="http://schemas.microsoft.com/office/infopath/2007/PartnerControls">
+  <documentManagement/>
+</p:properties>
+</file>
+
+<file path=customXml/item2.xml><?xml version="1.0" encoding="utf-8"?>
+<?mso-contentType ?>
+<FormTemplates xmlns="http://schemas.microsoft.com/sharepoint/v3/contenttype/forms">
+  <Display>DocumentLibraryForm</Display>
+  <Edit>DocumentLibraryForm</Edit>
+  <New>DocumentLibraryForm</New>
+</FormTemplates>
+</file>
+
+<file path=customXml/item3.xml><?xml version="1.0" encoding="utf-8"?>
 <ct:contentTypeSchema xmlns:ct="http://schemas.microsoft.com/office/2006/metadata/contentType" xmlns:ma="http://schemas.microsoft.com/office/2006/metadata/properties/metaAttributes" ct:_="" ma:_="" ma:contentTypeName="Document" ma:contentTypeID="0x01010043B60EB60B68B14D86879C03BD3D2468" ma:contentTypeVersion="10" ma:contentTypeDescription="Create a new document." ma:contentTypeScope="" ma:versionID="a5441c8bbde97980b5a503f81cc5605a">
   <xsd:schema xmlns:xsd="http://www.w3.org/2001/XMLSchema" xmlns:xs="http://www.w3.org/2001/XMLSchema" xmlns:p="http://schemas.microsoft.com/office/2006/metadata/properties" xmlns:ns2="99ef9bd0-becc-4d85-8b71-202ec0298fc4" xmlns:ns3="527f4047-e63f-4102-a1d8-59e7cb165f37" targetNamespace="http://schemas.microsoft.com/office/2006/metadata/properties" ma:root="true" ma:fieldsID="499b9ee9acd830dc79f0678f1f86dcb5" ns2:_="" ns3:_="">
     <xsd:import namespace="99ef9bd0-becc-4d85-8b71-202ec0298fc4"/>
@@ -9677,22 +10537,32 @@
 </ct:contentTypeSchema>
 </file>
 
-<file path=customXml/item2.xml><?xml version="1.0" encoding="utf-8"?>
-<?mso-contentType ?>
-<FormTemplates xmlns="http://schemas.microsoft.com/sharepoint/v3/contenttype/forms">
-  <Display>DocumentLibraryForm</Display>
-  <Edit>DocumentLibraryForm</Edit>
-  <New>DocumentLibraryForm</New>
-</FormTemplates>
+<file path=customXml/itemProps1.xml><?xml version="1.0" encoding="utf-8"?>
+<ds:datastoreItem xmlns:ds="http://schemas.openxmlformats.org/officeDocument/2006/customXml" ds:itemID="{7B6F2769-7194-4217-93D3-3AF3A4742282}">
+  <ds:schemaRefs>
+    <ds:schemaRef ds:uri="http://schemas.microsoft.com/office/infopath/2007/PartnerControls"/>
+    <ds:schemaRef ds:uri="http://schemas.microsoft.com/office/2006/documentManagement/types"/>
+    <ds:schemaRef ds:uri="http://purl.org/dc/terms/"/>
+    <ds:schemaRef ds:uri="99ef9bd0-becc-4d85-8b71-202ec0298fc4"/>
+    <ds:schemaRef ds:uri="http://schemas.microsoft.com/office/2006/metadata/properties"/>
+    <ds:schemaRef ds:uri="527f4047-e63f-4102-a1d8-59e7cb165f37"/>
+    <ds:schemaRef ds:uri="http://purl.org/dc/elements/1.1/"/>
+    <ds:schemaRef ds:uri="http://schemas.openxmlformats.org/package/2006/metadata/core-properties"/>
+    <ds:schemaRef ds:uri="http://www.w3.org/XML/1998/namespace"/>
+    <ds:schemaRef ds:uri="http://purl.org/dc/dcmitype/"/>
+  </ds:schemaRefs>
+</ds:datastoreItem>
 </file>
 
-<file path=customXml/item3.xml><?xml version="1.0" encoding="utf-8"?>
-<p:properties xmlns:p="http://schemas.microsoft.com/office/2006/metadata/properties" xmlns:xsi="http://www.w3.org/2001/XMLSchema-instance" xmlns:pc="http://schemas.microsoft.com/office/infopath/2007/PartnerControls">
-  <documentManagement/>
-</p:properties>
+<file path=customXml/itemProps2.xml><?xml version="1.0" encoding="utf-8"?>
+<ds:datastoreItem xmlns:ds="http://schemas.openxmlformats.org/officeDocument/2006/customXml" ds:itemID="{87D2A1B0-FF3E-4009-940D-AED0EB70AA20}">
+  <ds:schemaRefs>
+    <ds:schemaRef ds:uri="http://schemas.microsoft.com/sharepoint/v3/contenttype/forms"/>
+  </ds:schemaRefs>
+</ds:datastoreItem>
 </file>
 
-<file path=customXml/itemProps1.xml><?xml version="1.0" encoding="utf-8"?>
+<file path=customXml/itemProps3.xml><?xml version="1.0" encoding="utf-8"?>
 <ds:datastoreItem xmlns:ds="http://schemas.openxmlformats.org/officeDocument/2006/customXml" ds:itemID="{8758A038-8533-4605-9209-66E6BDBEBF6E}">
   <ds:schemaRefs>
     <ds:schemaRef ds:uri="http://schemas.microsoft.com/office/2006/metadata/contentType"/>
@@ -9709,29 +10579,4 @@
     <ds:schemaRef ds:uri="http://schemas.microsoft.com/internal/obd"/>
   </ds:schemaRefs>
 </ds:datastoreItem>
-</file>
-
-<file path=customXml/itemProps2.xml><?xml version="1.0" encoding="utf-8"?>
-<ds:datastoreItem xmlns:ds="http://schemas.openxmlformats.org/officeDocument/2006/customXml" ds:itemID="{87D2A1B0-FF3E-4009-940D-AED0EB70AA20}">
-  <ds:schemaRefs>
-    <ds:schemaRef ds:uri="http://schemas.microsoft.com/sharepoint/v3/contenttype/forms"/>
-  </ds:schemaRefs>
-</ds:datastoreItem>
-</file>
-
-<file path=customXml/itemProps3.xml><?xml version="1.0" encoding="utf-8"?>
-<ds:datastoreItem xmlns:ds="http://schemas.openxmlformats.org/officeDocument/2006/customXml" ds:itemID="{7B6F2769-7194-4217-93D3-3AF3A4742282}">
-  <ds:schemaRefs>
-    <ds:schemaRef ds:uri="http://schemas.microsoft.com/office/infopath/2007/PartnerControls"/>
-    <ds:schemaRef ds:uri="http://schemas.microsoft.com/office/2006/documentManagement/types"/>
-    <ds:schemaRef ds:uri="http://purl.org/dc/terms/"/>
-    <ds:schemaRef ds:uri="99ef9bd0-becc-4d85-8b71-202ec0298fc4"/>
-    <ds:schemaRef ds:uri="http://schemas.microsoft.com/office/2006/metadata/properties"/>
-    <ds:schemaRef ds:uri="527f4047-e63f-4102-a1d8-59e7cb165f37"/>
-    <ds:schemaRef ds:uri="http://purl.org/dc/elements/1.1/"/>
-    <ds:schemaRef ds:uri="http://schemas.openxmlformats.org/package/2006/metadata/core-properties"/>
-    <ds:schemaRef ds:uri="http://www.w3.org/XML/1998/namespace"/>
-    <ds:schemaRef ds:uri="http://purl.org/dc/dcmitype/"/>
-  </ds:schemaRefs>
-</ds:datastoreItem>
 </file>
--- a/curso_ODA.pptx
+++ b/curso_ODA.pptx
@@ -8041,8 +8041,13 @@
             </a:r>
             <a:r>
               <a:rPr lang="es-MX" dirty="0"/>
-              <a:t> (50 minutos)</a:t>
-            </a:r>
+              <a:t> </a:t>
+            </a:r>
+            <a:r>
+              <a:rPr lang="es-MX"/>
+              <a:t>(1.5 horas)</a:t>
+            </a:r>
+            <a:endParaRPr lang="es-MX" dirty="0"/>
           </a:p>
           <a:p>
             <a:pPr marL="1200150" lvl="2" indent="-285750">
@@ -10318,21 +10323,6 @@
 </file>
 
 <file path=customXml/item1.xml><?xml version="1.0" encoding="utf-8"?>
-<p:properties xmlns:p="http://schemas.microsoft.com/office/2006/metadata/properties" xmlns:xsi="http://www.w3.org/2001/XMLSchema-instance" xmlns:pc="http://schemas.microsoft.com/office/infopath/2007/PartnerControls">
-  <documentManagement/>
-</p:properties>
-</file>
-
-<file path=customXml/item2.xml><?xml version="1.0" encoding="utf-8"?>
-<?mso-contentType ?>
-<FormTemplates xmlns="http://schemas.microsoft.com/sharepoint/v3/contenttype/forms">
-  <Display>DocumentLibraryForm</Display>
-  <Edit>DocumentLibraryForm</Edit>
-  <New>DocumentLibraryForm</New>
-</FormTemplates>
-</file>
-
-<file path=customXml/item3.xml><?xml version="1.0" encoding="utf-8"?>
 <ct:contentTypeSchema xmlns:ct="http://schemas.microsoft.com/office/2006/metadata/contentType" xmlns:ma="http://schemas.microsoft.com/office/2006/metadata/properties/metaAttributes" ct:_="" ma:_="" ma:contentTypeName="Document" ma:contentTypeID="0x01010043B60EB60B68B14D86879C03BD3D2468" ma:contentTypeVersion="10" ma:contentTypeDescription="Create a new document." ma:contentTypeScope="" ma:versionID="a5441c8bbde97980b5a503f81cc5605a">
   <xsd:schema xmlns:xsd="http://www.w3.org/2001/XMLSchema" xmlns:xs="http://www.w3.org/2001/XMLSchema" xmlns:p="http://schemas.microsoft.com/office/2006/metadata/properties" xmlns:ns2="99ef9bd0-becc-4d85-8b71-202ec0298fc4" xmlns:ns3="527f4047-e63f-4102-a1d8-59e7cb165f37" targetNamespace="http://schemas.microsoft.com/office/2006/metadata/properties" ma:root="true" ma:fieldsID="499b9ee9acd830dc79f0678f1f86dcb5" ns2:_="" ns3:_="">
     <xsd:import namespace="99ef9bd0-becc-4d85-8b71-202ec0298fc4"/>
@@ -10537,32 +10527,22 @@
 </ct:contentTypeSchema>
 </file>
 
-<file path=customXml/itemProps1.xml><?xml version="1.0" encoding="utf-8"?>
-<ds:datastoreItem xmlns:ds="http://schemas.openxmlformats.org/officeDocument/2006/customXml" ds:itemID="{7B6F2769-7194-4217-93D3-3AF3A4742282}">
-  <ds:schemaRefs>
-    <ds:schemaRef ds:uri="http://schemas.microsoft.com/office/infopath/2007/PartnerControls"/>
-    <ds:schemaRef ds:uri="http://schemas.microsoft.com/office/2006/documentManagement/types"/>
-    <ds:schemaRef ds:uri="http://purl.org/dc/terms/"/>
-    <ds:schemaRef ds:uri="99ef9bd0-becc-4d85-8b71-202ec0298fc4"/>
-    <ds:schemaRef ds:uri="http://schemas.microsoft.com/office/2006/metadata/properties"/>
-    <ds:schemaRef ds:uri="527f4047-e63f-4102-a1d8-59e7cb165f37"/>
-    <ds:schemaRef ds:uri="http://purl.org/dc/elements/1.1/"/>
-    <ds:schemaRef ds:uri="http://schemas.openxmlformats.org/package/2006/metadata/core-properties"/>
-    <ds:schemaRef ds:uri="http://www.w3.org/XML/1998/namespace"/>
-    <ds:schemaRef ds:uri="http://purl.org/dc/dcmitype/"/>
-  </ds:schemaRefs>
-</ds:datastoreItem>
+<file path=customXml/item2.xml><?xml version="1.0" encoding="utf-8"?>
+<?mso-contentType ?>
+<FormTemplates xmlns="http://schemas.microsoft.com/sharepoint/v3/contenttype/forms">
+  <Display>DocumentLibraryForm</Display>
+  <Edit>DocumentLibraryForm</Edit>
+  <New>DocumentLibraryForm</New>
+</FormTemplates>
 </file>
 
-<file path=customXml/itemProps2.xml><?xml version="1.0" encoding="utf-8"?>
-<ds:datastoreItem xmlns:ds="http://schemas.openxmlformats.org/officeDocument/2006/customXml" ds:itemID="{87D2A1B0-FF3E-4009-940D-AED0EB70AA20}">
-  <ds:schemaRefs>
-    <ds:schemaRef ds:uri="http://schemas.microsoft.com/sharepoint/v3/contenttype/forms"/>
-  </ds:schemaRefs>
-</ds:datastoreItem>
+<file path=customXml/item3.xml><?xml version="1.0" encoding="utf-8"?>
+<p:properties xmlns:p="http://schemas.microsoft.com/office/2006/metadata/properties" xmlns:xsi="http://www.w3.org/2001/XMLSchema-instance" xmlns:pc="http://schemas.microsoft.com/office/infopath/2007/PartnerControls">
+  <documentManagement/>
+</p:properties>
 </file>
 
-<file path=customXml/itemProps3.xml><?xml version="1.0" encoding="utf-8"?>
+<file path=customXml/itemProps1.xml><?xml version="1.0" encoding="utf-8"?>
 <ds:datastoreItem xmlns:ds="http://schemas.openxmlformats.org/officeDocument/2006/customXml" ds:itemID="{8758A038-8533-4605-9209-66E6BDBEBF6E}">
   <ds:schemaRefs>
     <ds:schemaRef ds:uri="http://schemas.microsoft.com/office/2006/metadata/contentType"/>
@@ -10579,4 +10559,29 @@
     <ds:schemaRef ds:uri="http://schemas.microsoft.com/internal/obd"/>
   </ds:schemaRefs>
 </ds:datastoreItem>
+</file>
+
+<file path=customXml/itemProps2.xml><?xml version="1.0" encoding="utf-8"?>
+<ds:datastoreItem xmlns:ds="http://schemas.openxmlformats.org/officeDocument/2006/customXml" ds:itemID="{87D2A1B0-FF3E-4009-940D-AED0EB70AA20}">
+  <ds:schemaRefs>
+    <ds:schemaRef ds:uri="http://schemas.microsoft.com/sharepoint/v3/contenttype/forms"/>
+  </ds:schemaRefs>
+</ds:datastoreItem>
+</file>
+
+<file path=customXml/itemProps3.xml><?xml version="1.0" encoding="utf-8"?>
+<ds:datastoreItem xmlns:ds="http://schemas.openxmlformats.org/officeDocument/2006/customXml" ds:itemID="{7B6F2769-7194-4217-93D3-3AF3A4742282}">
+  <ds:schemaRefs>
+    <ds:schemaRef ds:uri="http://schemas.microsoft.com/office/infopath/2007/PartnerControls"/>
+    <ds:schemaRef ds:uri="http://schemas.microsoft.com/office/2006/documentManagement/types"/>
+    <ds:schemaRef ds:uri="http://purl.org/dc/terms/"/>
+    <ds:schemaRef ds:uri="99ef9bd0-becc-4d85-8b71-202ec0298fc4"/>
+    <ds:schemaRef ds:uri="http://schemas.microsoft.com/office/2006/metadata/properties"/>
+    <ds:schemaRef ds:uri="527f4047-e63f-4102-a1d8-59e7cb165f37"/>
+    <ds:schemaRef ds:uri="http://purl.org/dc/elements/1.1/"/>
+    <ds:schemaRef ds:uri="http://schemas.openxmlformats.org/package/2006/metadata/core-properties"/>
+    <ds:schemaRef ds:uri="http://www.w3.org/XML/1998/namespace"/>
+    <ds:schemaRef ds:uri="http://purl.org/dc/dcmitype/"/>
+  </ds:schemaRefs>
+</ds:datastoreItem>
 </file>
--- a/curso_ODA.pptx
+++ b/curso_ODA.pptx
@@ -13608,18 +13608,18 @@
 </file>
 
 <file path=customXml/item1.xml><?xml version="1.0" encoding="utf-8"?>
-<p:properties xmlns:p="http://schemas.microsoft.com/office/2006/metadata/properties" xmlns:xsi="http://www.w3.org/2001/XMLSchema-instance" xmlns:pc="http://schemas.microsoft.com/office/infopath/2007/PartnerControls">
-  <documentManagement/>
-</p:properties>
-</file>
-
-<file path=customXml/item2.xml><?xml version="1.0" encoding="utf-8"?>
 <?mso-contentType ?>
 <FormTemplates xmlns="http://schemas.microsoft.com/sharepoint/v3/contenttype/forms">
   <Display>DocumentLibraryForm</Display>
   <Edit>DocumentLibraryForm</Edit>
   <New>DocumentLibraryForm</New>
 </FormTemplates>
+</file>
+
+<file path=customXml/item2.xml><?xml version="1.0" encoding="utf-8"?>
+<p:properties xmlns:p="http://schemas.microsoft.com/office/2006/metadata/properties" xmlns:xsi="http://www.w3.org/2001/XMLSchema-instance" xmlns:pc="http://schemas.microsoft.com/office/infopath/2007/PartnerControls">
+  <documentManagement/>
+</p:properties>
 </file>
 
 <file path=customXml/item3.xml><?xml version="1.0" encoding="utf-8"?>
@@ -13828,6 +13828,14 @@
 </file>
 
 <file path=customXml/itemProps1.xml><?xml version="1.0" encoding="utf-8"?>
+<ds:datastoreItem xmlns:ds="http://schemas.openxmlformats.org/officeDocument/2006/customXml" ds:itemID="{87D2A1B0-FF3E-4009-940D-AED0EB70AA20}">
+  <ds:schemaRefs>
+    <ds:schemaRef ds:uri="http://schemas.microsoft.com/sharepoint/v3/contenttype/forms"/>
+  </ds:schemaRefs>
+</ds:datastoreItem>
+</file>
+
+<file path=customXml/itemProps2.xml><?xml version="1.0" encoding="utf-8"?>
 <ds:datastoreItem xmlns:ds="http://schemas.openxmlformats.org/officeDocument/2006/customXml" ds:itemID="{7B6F2769-7194-4217-93D3-3AF3A4742282}">
   <ds:schemaRefs>
     <ds:schemaRef ds:uri="http://schemas.microsoft.com/office/infopath/2007/PartnerControls"/>
@@ -13840,14 +13848,6 @@
     <ds:schemaRef ds:uri="http://schemas.openxmlformats.org/package/2006/metadata/core-properties"/>
     <ds:schemaRef ds:uri="http://www.w3.org/XML/1998/namespace"/>
     <ds:schemaRef ds:uri="http://purl.org/dc/dcmitype/"/>
-  </ds:schemaRefs>
-</ds:datastoreItem>
-</file>
-
-<file path=customXml/itemProps2.xml><?xml version="1.0" encoding="utf-8"?>
-<ds:datastoreItem xmlns:ds="http://schemas.openxmlformats.org/officeDocument/2006/customXml" ds:itemID="{87D2A1B0-FF3E-4009-940D-AED0EB70AA20}">
-  <ds:schemaRefs>
-    <ds:schemaRef ds:uri="http://schemas.microsoft.com/sharepoint/v3/contenttype/forms"/>
   </ds:schemaRefs>
 </ds:datastoreItem>
 </file>

--- a/curso_ODA.pptx
+++ b/curso_ODA.pptx
@@ -18,9 +18,9 @@
     <p:sldId id="320" r:id="rId12"/>
     <p:sldId id="317" r:id="rId13"/>
     <p:sldId id="322" r:id="rId14"/>
-    <p:sldId id="324" r:id="rId15"/>
-    <p:sldId id="323" r:id="rId16"/>
-    <p:sldId id="327" r:id="rId17"/>
+    <p:sldId id="327" r:id="rId15"/>
+    <p:sldId id="324" r:id="rId16"/>
+    <p:sldId id="323" r:id="rId17"/>
     <p:sldId id="325" r:id="rId18"/>
     <p:sldId id="328" r:id="rId19"/>
     <p:sldId id="329" r:id="rId20"/>
@@ -255,7 +255,7 @@
           <a:p>
             <a:fld id="{D0233D1E-CA5A-436C-A2E7-6EEF9561F233}" type="datetimeFigureOut">
               <a:rPr lang="es-MX" smtClean="0"/>
-              <a:t>20/08/2021</a:t>
+              <a:t>22/09/2021</a:t>
             </a:fld>
             <a:endParaRPr lang="es-MX"/>
           </a:p>
@@ -983,7 +983,7 @@
           <a:p>
             <a:fld id="{68C2560D-EC28-3B41-86E8-18F1CE0113B4}" type="datetimeFigureOut">
               <a:rPr lang="en-US" smtClean="0"/>
-              <a:t>8/20/2021</a:t>
+              <a:t>9/22/2021</a:t>
             </a:fld>
             <a:endParaRPr lang="en-US"/>
           </a:p>
@@ -1132,7 +1132,7 @@
           <a:p>
             <a:fld id="{68C2560D-EC28-3B41-86E8-18F1CE0113B4}" type="datetimeFigureOut">
               <a:rPr lang="en-US" smtClean="0"/>
-              <a:t>8/20/2021</a:t>
+              <a:t>9/22/2021</a:t>
             </a:fld>
             <a:endParaRPr lang="en-US"/>
           </a:p>
@@ -1281,7 +1281,7 @@
           <a:p>
             <a:fld id="{68C2560D-EC28-3B41-86E8-18F1CE0113B4}" type="datetimeFigureOut">
               <a:rPr lang="en-US" smtClean="0"/>
-              <a:t>8/20/2021</a:t>
+              <a:t>9/22/2021</a:t>
             </a:fld>
             <a:endParaRPr lang="en-US"/>
           </a:p>
@@ -1430,7 +1430,7 @@
           <a:p>
             <a:fld id="{68C2560D-EC28-3B41-86E8-18F1CE0113B4}" type="datetimeFigureOut">
               <a:rPr lang="en-US" smtClean="0"/>
-              <a:t>8/20/2021</a:t>
+              <a:t>9/22/2021</a:t>
             </a:fld>
             <a:endParaRPr lang="en-US"/>
           </a:p>
@@ -1709,7 +1709,7 @@
           <a:p>
             <a:fld id="{68C2560D-EC28-3B41-86E8-18F1CE0113B4}" type="datetimeFigureOut">
               <a:rPr lang="en-US" smtClean="0"/>
-              <a:t>8/20/2021</a:t>
+              <a:t>9/22/2021</a:t>
             </a:fld>
             <a:endParaRPr lang="en-US"/>
           </a:p>
@@ -2352,10 +2352,240 @@
       </p:grpSpPr>
       <p:sp>
         <p:nvSpPr>
-          <p:cNvPr id="44" name="Rectángulo: esquinas redondeadas 43">
-            <a:extLst>
-              <a:ext uri="{FF2B5EF4-FFF2-40B4-BE49-F238E27FC236}">
-                <a16:creationId xmlns:a16="http://schemas.microsoft.com/office/drawing/2014/main" id="{BE2EAC5D-6325-4DCE-BDAA-41E8832D0420}"/>
+          <p:cNvPr id="4" name="TextBox 1">
+            <a:extLst>
+              <a:ext uri="{FF2B5EF4-FFF2-40B4-BE49-F238E27FC236}">
+                <a16:creationId xmlns:a16="http://schemas.microsoft.com/office/drawing/2014/main" id="{B0064C64-35ED-4A28-9E95-8BEA778DBE93}"/>
+              </a:ext>
+            </a:extLst>
+          </p:cNvPr>
+          <p:cNvSpPr txBox="1"/>
+          <p:nvPr/>
+        </p:nvSpPr>
+        <p:spPr>
+          <a:xfrm>
+            <a:off x="101601" y="384196"/>
+            <a:ext cx="4054209" cy="584775"/>
+          </a:xfrm>
+          <a:prstGeom prst="rect">
+            <a:avLst/>
+          </a:prstGeom>
+          <a:noFill/>
+        </p:spPr>
+        <p:txBody>
+          <a:bodyPr wrap="square" rtlCol="0">
+            <a:spAutoFit/>
+          </a:bodyPr>
+          <a:lstStyle/>
+          <a:p>
+            <a:pPr lvl="1"/>
+            <a:r>
+              <a:rPr lang="es-MX" sz="3200" dirty="0" err="1">
+                <a:solidFill>
+                  <a:schemeClr val="accent6"/>
+                </a:solidFill>
+                <a:latin typeface="+mj-lt"/>
+              </a:rPr>
+              <a:t>Intents</a:t>
+            </a:r>
+            <a:r>
+              <a:rPr lang="es-MX" sz="3200" dirty="0">
+                <a:solidFill>
+                  <a:schemeClr val="accent6"/>
+                </a:solidFill>
+                <a:latin typeface="+mj-lt"/>
+              </a:rPr>
+              <a:t> y </a:t>
+            </a:r>
+            <a:r>
+              <a:rPr lang="es-MX" sz="3200" dirty="0" err="1">
+                <a:solidFill>
+                  <a:schemeClr val="accent6"/>
+                </a:solidFill>
+                <a:latin typeface="+mj-lt"/>
+              </a:rPr>
+              <a:t>entities</a:t>
+            </a:r>
+            <a:endParaRPr lang="es-MX" sz="3200" dirty="0">
+              <a:solidFill>
+                <a:schemeClr val="accent6"/>
+              </a:solidFill>
+              <a:latin typeface="+mj-lt"/>
+            </a:endParaRPr>
+          </a:p>
+        </p:txBody>
+      </p:sp>
+      <p:sp>
+        <p:nvSpPr>
+          <p:cNvPr id="25" name="TextBox 2">
+            <a:extLst>
+              <a:ext uri="{FF2B5EF4-FFF2-40B4-BE49-F238E27FC236}">
+                <a16:creationId xmlns:a16="http://schemas.microsoft.com/office/drawing/2014/main" id="{F01CCB26-1A1D-42AD-ADB1-8359C5D0CDF5}"/>
+              </a:ext>
+            </a:extLst>
+          </p:cNvPr>
+          <p:cNvSpPr txBox="1"/>
+          <p:nvPr/>
+        </p:nvSpPr>
+        <p:spPr>
+          <a:xfrm>
+            <a:off x="599811" y="2783080"/>
+            <a:ext cx="3481330" cy="1323439"/>
+          </a:xfrm>
+          <a:prstGeom prst="rect">
+            <a:avLst/>
+          </a:prstGeom>
+          <a:noFill/>
+        </p:spPr>
+        <p:txBody>
+          <a:bodyPr wrap="square" lIns="91440" tIns="45720" rIns="91440" bIns="45720" rtlCol="0" anchor="t">
+            <a:spAutoFit/>
+          </a:bodyPr>
+          <a:lstStyle/>
+          <a:p>
+            <a:r>
+              <a:rPr lang="es-MX" sz="1600" dirty="0" err="1">
+                <a:solidFill>
+                  <a:schemeClr val="accent5"/>
+                </a:solidFill>
+              </a:rPr>
+              <a:t>Entities</a:t>
+            </a:r>
+            <a:r>
+              <a:rPr lang="es-MX" sz="1600" b="0" i="0" dirty="0">
+                <a:effectLst/>
+              </a:rPr>
+              <a:t>: Mientras que las intenciones asignan palabras y frases a una acción específica, las </a:t>
+            </a:r>
+            <a:r>
+              <a:rPr lang="es-MX" sz="1600" b="0" i="0" dirty="0" err="1">
+                <a:effectLst/>
+              </a:rPr>
+              <a:t>entities</a:t>
+            </a:r>
+            <a:r>
+              <a:rPr lang="es-MX" sz="1600" b="0" i="0" dirty="0">
+                <a:effectLst/>
+              </a:rPr>
+              <a:t> agregan </a:t>
+            </a:r>
+            <a:r>
+              <a:rPr lang="es-MX" sz="1600" b="0" i="0" dirty="0">
+                <a:solidFill>
+                  <a:schemeClr val="tx2"/>
+                </a:solidFill>
+                <a:effectLst/>
+              </a:rPr>
+              <a:t>contexto</a:t>
+            </a:r>
+            <a:r>
+              <a:rPr lang="es-MX" sz="1600" b="0" i="0" dirty="0">
+                <a:effectLst/>
+              </a:rPr>
+              <a:t> al </a:t>
+            </a:r>
+            <a:r>
+              <a:rPr lang="es-MX" sz="1600" b="0" i="0" dirty="0" err="1">
+                <a:effectLst/>
+              </a:rPr>
+              <a:t>intent</a:t>
+            </a:r>
+            <a:r>
+              <a:rPr lang="es-MX" sz="1600" b="0" i="0" dirty="0">
+                <a:effectLst/>
+              </a:rPr>
+              <a:t> en sí.</a:t>
+            </a:r>
+          </a:p>
+        </p:txBody>
+      </p:sp>
+      <p:sp>
+        <p:nvSpPr>
+          <p:cNvPr id="26" name="TextBox 2">
+            <a:extLst>
+              <a:ext uri="{FF2B5EF4-FFF2-40B4-BE49-F238E27FC236}">
+                <a16:creationId xmlns:a16="http://schemas.microsoft.com/office/drawing/2014/main" id="{13434476-88E5-4141-8E59-B2FABF3E8137}"/>
+              </a:ext>
+            </a:extLst>
+          </p:cNvPr>
+          <p:cNvSpPr txBox="1"/>
+          <p:nvPr/>
+        </p:nvSpPr>
+        <p:spPr>
+          <a:xfrm>
+            <a:off x="599811" y="1491600"/>
+            <a:ext cx="3394006" cy="830997"/>
+          </a:xfrm>
+          <a:prstGeom prst="rect">
+            <a:avLst/>
+          </a:prstGeom>
+          <a:noFill/>
+        </p:spPr>
+        <p:txBody>
+          <a:bodyPr wrap="square" lIns="91440" tIns="45720" rIns="91440" bIns="45720" rtlCol="0" anchor="t">
+            <a:spAutoFit/>
+          </a:bodyPr>
+          <a:lstStyle/>
+          <a:p>
+            <a:r>
+              <a:rPr lang="es-MX" sz="1600" b="0" i="0" dirty="0" err="1">
+                <a:solidFill>
+                  <a:schemeClr val="accent5"/>
+                </a:solidFill>
+                <a:effectLst/>
+              </a:rPr>
+              <a:t>Intens</a:t>
+            </a:r>
+            <a:r>
+              <a:rPr lang="es-MX" sz="1600" b="0" i="0" dirty="0">
+                <a:effectLst/>
+              </a:rPr>
+              <a:t>: </a:t>
+            </a:r>
+            <a:r>
+              <a:rPr lang="es-MX" sz="1600" b="0" dirty="0"/>
+              <a:t>S</a:t>
+            </a:r>
+            <a:r>
+              <a:rPr lang="es-MX" sz="1600" dirty="0"/>
+              <a:t>on l</a:t>
+            </a:r>
+            <a:r>
+              <a:rPr lang="es-MX" sz="1600" i="0" dirty="0">
+                <a:effectLst/>
+              </a:rPr>
+              <a:t>as intenciones que permiten a la </a:t>
+            </a:r>
+            <a:r>
+              <a:rPr lang="es-MX" sz="1600" dirty="0" err="1">
+                <a:solidFill>
+                  <a:schemeClr val="tx2"/>
+                </a:solidFill>
+              </a:rPr>
+              <a:t>Skill</a:t>
+            </a:r>
+            <a:r>
+              <a:rPr lang="es-MX" sz="1600" dirty="0"/>
+              <a:t> comprender</a:t>
+            </a:r>
+            <a:r>
+              <a:rPr lang="es-MX" sz="1600" i="0" dirty="0">
+                <a:effectLst/>
+              </a:rPr>
+              <a:t> lo que el usuario quiere hacer.</a:t>
+            </a:r>
+            <a:endParaRPr lang="es-MX" sz="1600" b="0" i="0" dirty="0">
+              <a:effectLst/>
+            </a:endParaRPr>
+          </a:p>
+        </p:txBody>
+      </p:sp>
+      <p:sp>
+        <p:nvSpPr>
+          <p:cNvPr id="11" name="Bocadillo: rectángulo con esquinas redondeadas 10">
+            <a:extLst>
+              <a:ext uri="{FF2B5EF4-FFF2-40B4-BE49-F238E27FC236}">
+                <a16:creationId xmlns:a16="http://schemas.microsoft.com/office/drawing/2014/main" id="{18F76BDC-32EC-4277-BCE1-1EA337B93E43}"/>
               </a:ext>
             </a:extLst>
           </p:cNvPr>
@@ -2364,23 +2594,21 @@
         </p:nvSpPr>
         <p:spPr>
           <a:xfrm>
-            <a:off x="3441185" y="495760"/>
-            <a:ext cx="2307784" cy="4043187"/>
-          </a:xfrm>
-          <a:prstGeom prst="roundRect">
+            <a:off x="4461831" y="2353720"/>
+            <a:ext cx="2511644" cy="429360"/>
+          </a:xfrm>
+          <a:prstGeom prst="wedgeRoundRectCallout">
             <a:avLst>
-              <a:gd name="adj" fmla="val 3228"/>
+              <a:gd name="adj1" fmla="val -28048"/>
+              <a:gd name="adj2" fmla="val 96947"/>
+              <a:gd name="adj3" fmla="val 16667"/>
             </a:avLst>
           </a:prstGeom>
           <a:solidFill>
-            <a:srgbClr val="DCEBF7"/>
+            <a:srgbClr val="1269B2"/>
           </a:solidFill>
           <a:ln>
-            <a:solidFill>
-              <a:schemeClr val="bg2">
-                <a:lumMod val="75000"/>
-              </a:schemeClr>
-            </a:solidFill>
+            <a:noFill/>
           </a:ln>
         </p:spPr>
         <p:style>
@@ -2400,193 +2628,47 @@
           </a:fontRef>
         </p:style>
         <p:txBody>
-          <a:bodyPr rtlCol="0" anchor="t" anchorCtr="0"/>
-          <a:lstStyle/>
-          <a:p>
-            <a:r>
-              <a:rPr lang="es-MX" sz="1600" dirty="0" err="1">
+          <a:bodyPr rtlCol="0" anchor="ctr"/>
+          <a:lstStyle/>
+          <a:p>
+            <a:pPr algn="ctr"/>
+            <a:r>
+              <a:rPr lang="es-MX" sz="1200" dirty="0"/>
+              <a:t>¿Cómo va a estar el clima </a:t>
+            </a:r>
+            <a:r>
+              <a:rPr lang="es-MX" sz="1200" dirty="0">
                 <a:solidFill>
-                  <a:schemeClr val="tx1"/>
+                  <a:schemeClr val="accent4"/>
                 </a:solidFill>
               </a:rPr>
-              <a:t>Skill</a:t>
-            </a:r>
-            <a:endParaRPr lang="es-MX" sz="1600" dirty="0">
-              <a:solidFill>
-                <a:schemeClr val="tx1"/>
-              </a:solidFill>
-            </a:endParaRPr>
-          </a:p>
-        </p:txBody>
-      </p:sp>
-      <p:sp>
-        <p:nvSpPr>
-          <p:cNvPr id="4" name="TextBox 1">
-            <a:extLst>
-              <a:ext uri="{FF2B5EF4-FFF2-40B4-BE49-F238E27FC236}">
-                <a16:creationId xmlns:a16="http://schemas.microsoft.com/office/drawing/2014/main" id="{B0064C64-35ED-4A28-9E95-8BEA778DBE93}"/>
-              </a:ext>
-            </a:extLst>
-          </p:cNvPr>
-          <p:cNvSpPr txBox="1"/>
-          <p:nvPr/>
-        </p:nvSpPr>
-        <p:spPr>
-          <a:xfrm>
-            <a:off x="638257" y="189687"/>
-            <a:ext cx="1675285" cy="584775"/>
-          </a:xfrm>
-          <a:prstGeom prst="rect">
-            <a:avLst/>
-          </a:prstGeom>
-          <a:noFill/>
-        </p:spPr>
-        <p:txBody>
-          <a:bodyPr wrap="square" rtlCol="0">
-            <a:spAutoFit/>
-          </a:bodyPr>
-          <a:lstStyle/>
-          <a:p>
-            <a:r>
-              <a:rPr lang="es-MX" sz="3200" dirty="0" err="1">
+              <a:t>mañana</a:t>
+            </a:r>
+            <a:r>
+              <a:rPr lang="es-MX" sz="1200" dirty="0"/>
+              <a:t> en </a:t>
+            </a:r>
+            <a:r>
+              <a:rPr lang="es-MX" sz="1200" dirty="0">
                 <a:solidFill>
-                  <a:schemeClr val="accent6"/>
+                  <a:schemeClr val="accent4"/>
                 </a:solidFill>
-                <a:latin typeface="+mj-lt"/>
-              </a:rPr>
-              <a:t>Intents</a:t>
-            </a:r>
-            <a:endParaRPr lang="es-MX" sz="3200" dirty="0">
-              <a:solidFill>
-                <a:schemeClr val="accent6"/>
-              </a:solidFill>
-              <a:latin typeface="+mj-lt"/>
-            </a:endParaRPr>
-          </a:p>
-        </p:txBody>
-      </p:sp>
-      <p:sp>
-        <p:nvSpPr>
-          <p:cNvPr id="13" name="Rectángulo: esquinas redondeadas 12">
-            <a:extLst>
-              <a:ext uri="{FF2B5EF4-FFF2-40B4-BE49-F238E27FC236}">
-                <a16:creationId xmlns:a16="http://schemas.microsoft.com/office/drawing/2014/main" id="{91099E18-BED3-420E-B0D8-856CF43B982D}"/>
-              </a:ext>
-            </a:extLst>
-          </p:cNvPr>
-          <p:cNvSpPr/>
-          <p:nvPr/>
-        </p:nvSpPr>
-        <p:spPr>
-          <a:xfrm>
-            <a:off x="3536516" y="1073375"/>
-            <a:ext cx="2070967" cy="372202"/>
-          </a:xfrm>
-          <a:prstGeom prst="roundRect">
-            <a:avLst/>
-          </a:prstGeom>
-          <a:solidFill>
-            <a:srgbClr val="1269B2"/>
-          </a:solidFill>
-          <a:ln>
-            <a:solidFill>
-              <a:schemeClr val="bg1"/>
-            </a:solidFill>
-          </a:ln>
-        </p:spPr>
-        <p:style>
-          <a:lnRef idx="2">
-            <a:schemeClr val="accent1">
-              <a:shade val="50000"/>
-            </a:schemeClr>
-          </a:lnRef>
-          <a:fillRef idx="1">
-            <a:schemeClr val="accent1"/>
-          </a:fillRef>
-          <a:effectRef idx="0">
-            <a:schemeClr val="accent1"/>
-          </a:effectRef>
-          <a:fontRef idx="minor">
-            <a:schemeClr val="lt1"/>
-          </a:fontRef>
-        </p:style>
-        <p:txBody>
-          <a:bodyPr vert="horz" rtlCol="0" anchor="ctr"/>
-          <a:lstStyle/>
-          <a:p>
-            <a:pPr algn="ctr"/>
-            <a:r>
-              <a:rPr lang="es-MX" dirty="0"/>
-              <a:t>BIENVENIDA</a:t>
-            </a:r>
-          </a:p>
-        </p:txBody>
-      </p:sp>
-      <p:sp>
-        <p:nvSpPr>
-          <p:cNvPr id="26" name="Bocadillo: rectángulo con esquinas redondeadas 25">
-            <a:extLst>
-              <a:ext uri="{FF2B5EF4-FFF2-40B4-BE49-F238E27FC236}">
-                <a16:creationId xmlns:a16="http://schemas.microsoft.com/office/drawing/2014/main" id="{D78DDC43-119E-45BD-BE1F-07B534659471}"/>
-              </a:ext>
-            </a:extLst>
-          </p:cNvPr>
-          <p:cNvSpPr/>
-          <p:nvPr/>
-        </p:nvSpPr>
-        <p:spPr>
-          <a:xfrm>
-            <a:off x="6269678" y="1068934"/>
-            <a:ext cx="2539616" cy="372202"/>
-          </a:xfrm>
-          <a:prstGeom prst="wedgeRoundRectCallout">
-            <a:avLst>
-              <a:gd name="adj1" fmla="val 24919"/>
-              <a:gd name="adj2" fmla="val 108785"/>
-              <a:gd name="adj3" fmla="val 16667"/>
-            </a:avLst>
-          </a:prstGeom>
-          <a:solidFill>
-            <a:srgbClr val="1269B2"/>
-          </a:solidFill>
-          <a:ln>
-            <a:noFill/>
-          </a:ln>
-        </p:spPr>
-        <p:style>
-          <a:lnRef idx="2">
-            <a:schemeClr val="accent1">
-              <a:shade val="50000"/>
-            </a:schemeClr>
-          </a:lnRef>
-          <a:fillRef idx="1">
-            <a:schemeClr val="accent1"/>
-          </a:fillRef>
-          <a:effectRef idx="0">
-            <a:schemeClr val="accent1"/>
-          </a:effectRef>
-          <a:fontRef idx="minor">
-            <a:schemeClr val="lt1"/>
-          </a:fontRef>
-        </p:style>
-        <p:txBody>
-          <a:bodyPr rtlCol="0" anchor="ctr"/>
-          <a:lstStyle/>
-          <a:p>
-            <a:pPr algn="ctr"/>
+              </a:rPr>
+              <a:t>London</a:t>
+            </a:r>
             <a:r>
               <a:rPr lang="es-MX" sz="1200" dirty="0"/>
-              <a:t>Hola, ¿Cómo podemos ayudarte?</a:t>
+              <a:t>?</a:t>
             </a:r>
           </a:p>
         </p:txBody>
       </p:sp>
       <p:pic>
         <p:nvPicPr>
-          <p:cNvPr id="28" name="Imagen 27" descr="Icono&#10;&#10;Descripción generada automáticamente">
-            <a:extLst>
-              <a:ext uri="{FF2B5EF4-FFF2-40B4-BE49-F238E27FC236}">
-                <a16:creationId xmlns:a16="http://schemas.microsoft.com/office/drawing/2014/main" id="{73CE978A-8564-4ED2-860C-E26670AC2234}"/>
+          <p:cNvPr id="12" name="Imagen 11" descr="Icono&#10;&#10;Descripción generada automáticamente">
+            <a:extLst>
+              <a:ext uri="{FF2B5EF4-FFF2-40B4-BE49-F238E27FC236}">
+                <a16:creationId xmlns:a16="http://schemas.microsoft.com/office/drawing/2014/main" id="{D3856CD1-2B6D-4627-A595-732FA2F6900F}"/>
               </a:ext>
             </a:extLst>
           </p:cNvPr>
@@ -2603,8 +2685,8 @@
         </p:blipFill>
         <p:spPr>
           <a:xfrm>
-            <a:off x="8316864" y="1467814"/>
-            <a:ext cx="372202" cy="372202"/>
+            <a:off x="4594034" y="2920835"/>
+            <a:ext cx="363355" cy="363355"/>
           </a:xfrm>
           <a:prstGeom prst="rect">
             <a:avLst/>
@@ -2613,10 +2695,10 @@
       </p:pic>
       <p:sp>
         <p:nvSpPr>
-          <p:cNvPr id="15" name="Bocadillo: rectángulo con esquinas redondeadas 14">
-            <a:extLst>
-              <a:ext uri="{FF2B5EF4-FFF2-40B4-BE49-F238E27FC236}">
-                <a16:creationId xmlns:a16="http://schemas.microsoft.com/office/drawing/2014/main" id="{08C6AAC7-E54A-4EFF-B99C-CAA459BC4C12}"/>
+          <p:cNvPr id="2" name="Abrir llave 1">
+            <a:extLst>
+              <a:ext uri="{FF2B5EF4-FFF2-40B4-BE49-F238E27FC236}">
+                <a16:creationId xmlns:a16="http://schemas.microsoft.com/office/drawing/2014/main" id="{E38FD4F6-8472-48C9-B314-C6B1B54B21AF}"/>
               </a:ext>
             </a:extLst>
           </p:cNvPr>
@@ -2625,725 +2707,158 @@
         </p:nvSpPr>
         <p:spPr>
           <a:xfrm>
-            <a:off x="837485" y="1866262"/>
-            <a:ext cx="2070968" cy="372202"/>
-          </a:xfrm>
-          <a:prstGeom prst="wedgeRoundRectCallout">
+            <a:off x="7050390" y="2050498"/>
+            <a:ext cx="363355" cy="970051"/>
+          </a:xfrm>
+          <a:prstGeom prst="leftBrace">
             <a:avLst>
-              <a:gd name="adj1" fmla="val -25388"/>
-              <a:gd name="adj2" fmla="val 91027"/>
-              <a:gd name="adj3" fmla="val 16667"/>
+              <a:gd name="adj1" fmla="val 44717"/>
+              <a:gd name="adj2" fmla="val 50000"/>
             </a:avLst>
-          </a:prstGeom>
-          <a:solidFill>
-            <a:srgbClr val="1269B2"/>
-          </a:solidFill>
-          <a:ln>
-            <a:noFill/>
-          </a:ln>
-        </p:spPr>
-        <p:style>
-          <a:lnRef idx="2">
-            <a:schemeClr val="accent1">
-              <a:shade val="50000"/>
-            </a:schemeClr>
-          </a:lnRef>
-          <a:fillRef idx="1">
-            <a:schemeClr val="accent1"/>
-          </a:fillRef>
-          <a:effectRef idx="0">
-            <a:schemeClr val="accent1"/>
-          </a:effectRef>
-          <a:fontRef idx="minor">
-            <a:schemeClr val="lt1"/>
-          </a:fontRef>
-        </p:style>
-        <p:txBody>
-          <a:bodyPr rtlCol="0" anchor="ctr"/>
-          <a:lstStyle/>
-          <a:p>
-            <a:pPr algn="ctr"/>
-            <a:r>
-              <a:rPr lang="es-MX" sz="1200" dirty="0"/>
-              <a:t>Quiero agendar una cita</a:t>
-            </a:r>
-          </a:p>
-        </p:txBody>
-      </p:sp>
-      <p:pic>
-        <p:nvPicPr>
-          <p:cNvPr id="16" name="Imagen 15" descr="Icono&#10;&#10;Descripción generada automáticamente">
-            <a:extLst>
-              <a:ext uri="{FF2B5EF4-FFF2-40B4-BE49-F238E27FC236}">
-                <a16:creationId xmlns:a16="http://schemas.microsoft.com/office/drawing/2014/main" id="{F0E5AD67-FB87-4402-BA5A-A79A62BF3EAE}"/>
-              </a:ext>
-            </a:extLst>
-          </p:cNvPr>
-          <p:cNvPicPr>
-            <a:picLocks noChangeAspect="1"/>
-          </p:cNvPicPr>
-          <p:nvPr/>
-        </p:nvPicPr>
-        <p:blipFill>
-          <a:blip r:embed="rId3"/>
-          <a:stretch>
-            <a:fillRect/>
-          </a:stretch>
-        </p:blipFill>
-        <p:spPr>
-          <a:xfrm>
-            <a:off x="999085" y="2356918"/>
-            <a:ext cx="256693" cy="256693"/>
-          </a:xfrm>
-          <a:prstGeom prst="rect">
-            <a:avLst/>
-          </a:prstGeom>
-        </p:spPr>
-      </p:pic>
-      <p:sp>
-        <p:nvSpPr>
-          <p:cNvPr id="21" name="Bocadillo: rectángulo con esquinas redondeadas 20">
-            <a:extLst>
-              <a:ext uri="{FF2B5EF4-FFF2-40B4-BE49-F238E27FC236}">
-                <a16:creationId xmlns:a16="http://schemas.microsoft.com/office/drawing/2014/main" id="{9D8E6195-7DE3-4266-8B92-80BA9B747335}"/>
-              </a:ext>
-            </a:extLst>
-          </p:cNvPr>
-          <p:cNvSpPr/>
-          <p:nvPr/>
-        </p:nvSpPr>
-        <p:spPr>
-          <a:xfrm>
-            <a:off x="837482" y="2732065"/>
-            <a:ext cx="2070967" cy="372202"/>
-          </a:xfrm>
-          <a:prstGeom prst="wedgeRoundRectCallout">
-            <a:avLst>
-              <a:gd name="adj1" fmla="val -28048"/>
-              <a:gd name="adj2" fmla="val 96947"/>
-              <a:gd name="adj3" fmla="val 16667"/>
-            </a:avLst>
-          </a:prstGeom>
-          <a:solidFill>
-            <a:srgbClr val="1269B2"/>
-          </a:solidFill>
-          <a:ln>
-            <a:noFill/>
-          </a:ln>
-        </p:spPr>
-        <p:style>
-          <a:lnRef idx="2">
-            <a:schemeClr val="accent1">
-              <a:shade val="50000"/>
-            </a:schemeClr>
-          </a:lnRef>
-          <a:fillRef idx="1">
-            <a:schemeClr val="accent1"/>
-          </a:fillRef>
-          <a:effectRef idx="0">
-            <a:schemeClr val="accent1"/>
-          </a:effectRef>
-          <a:fontRef idx="minor">
-            <a:schemeClr val="lt1"/>
-          </a:fontRef>
-        </p:style>
-        <p:txBody>
-          <a:bodyPr rtlCol="0" anchor="ctr"/>
-          <a:lstStyle/>
-          <a:p>
-            <a:pPr algn="ctr"/>
-            <a:r>
-              <a:rPr lang="es-MX" sz="1200" dirty="0"/>
-              <a:t>Me gustaría ordenar . . .</a:t>
-            </a:r>
-          </a:p>
-        </p:txBody>
-      </p:sp>
-      <p:pic>
-        <p:nvPicPr>
-          <p:cNvPr id="22" name="Imagen 21" descr="Icono&#10;&#10;Descripción generada automáticamente">
-            <a:extLst>
-              <a:ext uri="{FF2B5EF4-FFF2-40B4-BE49-F238E27FC236}">
-                <a16:creationId xmlns:a16="http://schemas.microsoft.com/office/drawing/2014/main" id="{529FA60A-B936-476C-8AE7-0DA9DC72867B}"/>
-              </a:ext>
-            </a:extLst>
-          </p:cNvPr>
-          <p:cNvPicPr>
-            <a:picLocks noChangeAspect="1"/>
-          </p:cNvPicPr>
-          <p:nvPr/>
-        </p:nvPicPr>
-        <p:blipFill>
-          <a:blip r:embed="rId3"/>
-          <a:stretch>
-            <a:fillRect/>
-          </a:stretch>
-        </p:blipFill>
-        <p:spPr>
-          <a:xfrm>
-            <a:off x="999083" y="3250479"/>
-            <a:ext cx="256693" cy="256693"/>
-          </a:xfrm>
-          <a:prstGeom prst="rect">
-            <a:avLst/>
-          </a:prstGeom>
-        </p:spPr>
-      </p:pic>
-      <p:sp>
-        <p:nvSpPr>
-          <p:cNvPr id="23" name="Bocadillo: rectángulo con esquinas redondeadas 22">
-            <a:extLst>
-              <a:ext uri="{FF2B5EF4-FFF2-40B4-BE49-F238E27FC236}">
-                <a16:creationId xmlns:a16="http://schemas.microsoft.com/office/drawing/2014/main" id="{C75BAC2A-3382-4A76-A7BA-93B709FD50C1}"/>
-              </a:ext>
-            </a:extLst>
-          </p:cNvPr>
-          <p:cNvSpPr/>
-          <p:nvPr/>
-        </p:nvSpPr>
-        <p:spPr>
-          <a:xfrm>
-            <a:off x="837482" y="3597868"/>
-            <a:ext cx="2070968" cy="372202"/>
-          </a:xfrm>
-          <a:prstGeom prst="wedgeRoundRectCallout">
-            <a:avLst>
-              <a:gd name="adj1" fmla="val -25388"/>
-              <a:gd name="adj2" fmla="val 91027"/>
-              <a:gd name="adj3" fmla="val 16667"/>
-            </a:avLst>
-          </a:prstGeom>
-          <a:solidFill>
-            <a:srgbClr val="1269B2"/>
-          </a:solidFill>
-          <a:ln>
-            <a:noFill/>
-          </a:ln>
-        </p:spPr>
-        <p:style>
-          <a:lnRef idx="2">
-            <a:schemeClr val="accent1">
-              <a:shade val="50000"/>
-            </a:schemeClr>
-          </a:lnRef>
-          <a:fillRef idx="1">
-            <a:schemeClr val="accent1"/>
-          </a:fillRef>
-          <a:effectRef idx="0">
-            <a:schemeClr val="accent1"/>
-          </a:effectRef>
-          <a:fontRef idx="minor">
-            <a:schemeClr val="lt1"/>
-          </a:fontRef>
-        </p:style>
-        <p:txBody>
-          <a:bodyPr rtlCol="0" anchor="ctr"/>
-          <a:lstStyle/>
-          <a:p>
-            <a:pPr algn="ctr"/>
-            <a:r>
-              <a:rPr lang="es-MX" sz="1200" dirty="0"/>
-              <a:t>¿cuáles son sus horarios?</a:t>
-            </a:r>
-          </a:p>
-        </p:txBody>
-      </p:sp>
-      <p:pic>
-        <p:nvPicPr>
-          <p:cNvPr id="24" name="Imagen 23" descr="Icono&#10;&#10;Descripción generada automáticamente">
-            <a:extLst>
-              <a:ext uri="{FF2B5EF4-FFF2-40B4-BE49-F238E27FC236}">
-                <a16:creationId xmlns:a16="http://schemas.microsoft.com/office/drawing/2014/main" id="{46DB56FD-154B-480A-912A-0645A7D9C7E7}"/>
-              </a:ext>
-            </a:extLst>
-          </p:cNvPr>
-          <p:cNvPicPr>
-            <a:picLocks noChangeAspect="1"/>
-          </p:cNvPicPr>
-          <p:nvPr/>
-        </p:nvPicPr>
-        <p:blipFill>
-          <a:blip r:embed="rId3"/>
-          <a:stretch>
-            <a:fillRect/>
-          </a:stretch>
-        </p:blipFill>
-        <p:spPr>
-          <a:xfrm>
-            <a:off x="999083" y="4074566"/>
-            <a:ext cx="256693" cy="256693"/>
-          </a:xfrm>
-          <a:prstGeom prst="rect">
-            <a:avLst/>
-          </a:prstGeom>
-        </p:spPr>
-      </p:pic>
-      <p:sp>
-        <p:nvSpPr>
-          <p:cNvPr id="27" name="Rectángulo: esquinas redondeadas 26">
-            <a:extLst>
-              <a:ext uri="{FF2B5EF4-FFF2-40B4-BE49-F238E27FC236}">
-                <a16:creationId xmlns:a16="http://schemas.microsoft.com/office/drawing/2014/main" id="{701741D0-E89D-4196-B3CA-8CAD05DA7860}"/>
-              </a:ext>
-            </a:extLst>
-          </p:cNvPr>
-          <p:cNvSpPr/>
-          <p:nvPr/>
-        </p:nvSpPr>
-        <p:spPr>
-          <a:xfrm>
-            <a:off x="3536517" y="1846625"/>
-            <a:ext cx="2070967" cy="372202"/>
-          </a:xfrm>
-          <a:prstGeom prst="roundRect">
-            <a:avLst/>
-          </a:prstGeom>
-          <a:solidFill>
-            <a:srgbClr val="1269B2"/>
-          </a:solidFill>
-          <a:ln>
-            <a:solidFill>
-              <a:schemeClr val="bg1"/>
-            </a:solidFill>
-          </a:ln>
-        </p:spPr>
-        <p:style>
-          <a:lnRef idx="2">
-            <a:schemeClr val="accent1">
-              <a:shade val="50000"/>
-            </a:schemeClr>
-          </a:lnRef>
-          <a:fillRef idx="1">
-            <a:schemeClr val="accent1"/>
-          </a:fillRef>
-          <a:effectRef idx="0">
-            <a:schemeClr val="accent1"/>
-          </a:effectRef>
-          <a:fontRef idx="minor">
-            <a:schemeClr val="lt1"/>
-          </a:fontRef>
-        </p:style>
-        <p:txBody>
-          <a:bodyPr vert="horz" rtlCol="0" anchor="ctr"/>
-          <a:lstStyle/>
-          <a:p>
-            <a:pPr algn="ctr"/>
-            <a:r>
-              <a:rPr lang="es-MX" dirty="0"/>
-              <a:t>CITAS</a:t>
-            </a:r>
-          </a:p>
-        </p:txBody>
-      </p:sp>
-      <p:sp>
-        <p:nvSpPr>
-          <p:cNvPr id="29" name="Rectángulo: esquinas redondeadas 28">
-            <a:extLst>
-              <a:ext uri="{FF2B5EF4-FFF2-40B4-BE49-F238E27FC236}">
-                <a16:creationId xmlns:a16="http://schemas.microsoft.com/office/drawing/2014/main" id="{0A187BAD-8DA7-4726-9236-BBB46CA66B74}"/>
-              </a:ext>
-            </a:extLst>
-          </p:cNvPr>
-          <p:cNvSpPr/>
-          <p:nvPr/>
-        </p:nvSpPr>
-        <p:spPr>
-          <a:xfrm>
-            <a:off x="3536516" y="2719890"/>
-            <a:ext cx="2070967" cy="372202"/>
-          </a:xfrm>
-          <a:prstGeom prst="roundRect">
-            <a:avLst/>
-          </a:prstGeom>
-          <a:solidFill>
-            <a:srgbClr val="1269B2"/>
-          </a:solidFill>
-          <a:ln>
-            <a:solidFill>
-              <a:schemeClr val="bg1"/>
-            </a:solidFill>
-          </a:ln>
-        </p:spPr>
-        <p:style>
-          <a:lnRef idx="2">
-            <a:schemeClr val="accent1">
-              <a:shade val="50000"/>
-            </a:schemeClr>
-          </a:lnRef>
-          <a:fillRef idx="1">
-            <a:schemeClr val="accent1"/>
-          </a:fillRef>
-          <a:effectRef idx="0">
-            <a:schemeClr val="accent1"/>
-          </a:effectRef>
-          <a:fontRef idx="minor">
-            <a:schemeClr val="lt1"/>
-          </a:fontRef>
-        </p:style>
-        <p:txBody>
-          <a:bodyPr vert="horz" rtlCol="0" anchor="ctr"/>
-          <a:lstStyle/>
-          <a:p>
-            <a:pPr algn="ctr"/>
-            <a:r>
-              <a:rPr lang="es-MX" dirty="0"/>
-              <a:t>ORDEN</a:t>
-            </a:r>
-          </a:p>
-        </p:txBody>
-      </p:sp>
-      <p:sp>
-        <p:nvSpPr>
-          <p:cNvPr id="30" name="Rectángulo: esquinas redondeadas 29">
-            <a:extLst>
-              <a:ext uri="{FF2B5EF4-FFF2-40B4-BE49-F238E27FC236}">
-                <a16:creationId xmlns:a16="http://schemas.microsoft.com/office/drawing/2014/main" id="{8C7AAB3B-819D-4286-9A70-8054AEC96BB8}"/>
-              </a:ext>
-            </a:extLst>
-          </p:cNvPr>
-          <p:cNvSpPr/>
-          <p:nvPr/>
-        </p:nvSpPr>
-        <p:spPr>
-          <a:xfrm>
-            <a:off x="3536518" y="3593155"/>
-            <a:ext cx="2070967" cy="372202"/>
-          </a:xfrm>
-          <a:prstGeom prst="roundRect">
-            <a:avLst/>
-          </a:prstGeom>
-          <a:solidFill>
-            <a:srgbClr val="1269B2"/>
-          </a:solidFill>
-          <a:ln>
-            <a:solidFill>
-              <a:schemeClr val="bg1"/>
-            </a:solidFill>
-          </a:ln>
-        </p:spPr>
-        <p:style>
-          <a:lnRef idx="2">
-            <a:schemeClr val="accent1">
-              <a:shade val="50000"/>
-            </a:schemeClr>
-          </a:lnRef>
-          <a:fillRef idx="1">
-            <a:schemeClr val="accent1"/>
-          </a:fillRef>
-          <a:effectRef idx="0">
-            <a:schemeClr val="accent1"/>
-          </a:effectRef>
-          <a:fontRef idx="minor">
-            <a:schemeClr val="lt1"/>
-          </a:fontRef>
-        </p:style>
-        <p:txBody>
-          <a:bodyPr vert="horz" rtlCol="0" anchor="ctr"/>
-          <a:lstStyle/>
-          <a:p>
-            <a:pPr algn="ctr"/>
-            <a:r>
-              <a:rPr lang="es-MX" dirty="0"/>
-              <a:t>HORARIOS</a:t>
-            </a:r>
-          </a:p>
-        </p:txBody>
-      </p:sp>
-      <p:sp>
-        <p:nvSpPr>
-          <p:cNvPr id="31" name="Bocadillo: rectángulo con esquinas redondeadas 30">
-            <a:extLst>
-              <a:ext uri="{FF2B5EF4-FFF2-40B4-BE49-F238E27FC236}">
-                <a16:creationId xmlns:a16="http://schemas.microsoft.com/office/drawing/2014/main" id="{316DC84A-C9C4-410B-AA07-FA72CBB34128}"/>
-              </a:ext>
-            </a:extLst>
-          </p:cNvPr>
-          <p:cNvSpPr/>
-          <p:nvPr/>
-        </p:nvSpPr>
-        <p:spPr>
-          <a:xfrm>
-            <a:off x="6235547" y="1866695"/>
-            <a:ext cx="2539616" cy="372202"/>
-          </a:xfrm>
-          <a:prstGeom prst="wedgeRoundRectCallout">
-            <a:avLst>
-              <a:gd name="adj1" fmla="val 24919"/>
-              <a:gd name="adj2" fmla="val 108785"/>
-              <a:gd name="adj3" fmla="val 16667"/>
-            </a:avLst>
-          </a:prstGeom>
-          <a:solidFill>
-            <a:srgbClr val="1269B2"/>
-          </a:solidFill>
-          <a:ln>
-            <a:noFill/>
-          </a:ln>
-        </p:spPr>
-        <p:style>
-          <a:lnRef idx="2">
-            <a:schemeClr val="accent1">
-              <a:shade val="50000"/>
-            </a:schemeClr>
-          </a:lnRef>
-          <a:fillRef idx="1">
-            <a:schemeClr val="accent1"/>
-          </a:fillRef>
-          <a:effectRef idx="0">
-            <a:schemeClr val="accent1"/>
-          </a:effectRef>
-          <a:fontRef idx="minor">
-            <a:schemeClr val="lt1"/>
-          </a:fontRef>
-        </p:style>
-        <p:txBody>
-          <a:bodyPr rtlCol="0" anchor="ctr"/>
-          <a:lstStyle/>
-          <a:p>
-            <a:pPr algn="ctr"/>
-            <a:r>
-              <a:rPr lang="es-MX" sz="1200" dirty="0"/>
-              <a:t>Claro, para agendar . . .</a:t>
-            </a:r>
-          </a:p>
-        </p:txBody>
-      </p:sp>
-      <p:pic>
-        <p:nvPicPr>
-          <p:cNvPr id="32" name="Imagen 31" descr="Icono&#10;&#10;Descripción generada automáticamente">
-            <a:extLst>
-              <a:ext uri="{FF2B5EF4-FFF2-40B4-BE49-F238E27FC236}">
-                <a16:creationId xmlns:a16="http://schemas.microsoft.com/office/drawing/2014/main" id="{581DDFBA-AC82-411E-9D11-E8AAC37521A9}"/>
-              </a:ext>
-            </a:extLst>
-          </p:cNvPr>
-          <p:cNvPicPr>
-            <a:picLocks noChangeAspect="1"/>
-          </p:cNvPicPr>
-          <p:nvPr/>
-        </p:nvPicPr>
-        <p:blipFill>
-          <a:blip r:embed="rId2"/>
-          <a:stretch>
-            <a:fillRect/>
-          </a:stretch>
-        </p:blipFill>
-        <p:spPr>
-          <a:xfrm>
-            <a:off x="8316864" y="2284607"/>
-            <a:ext cx="372202" cy="372202"/>
-          </a:xfrm>
-          <a:prstGeom prst="rect">
-            <a:avLst/>
-          </a:prstGeom>
-        </p:spPr>
-      </p:pic>
-      <p:sp>
-        <p:nvSpPr>
-          <p:cNvPr id="33" name="Bocadillo: rectángulo con esquinas redondeadas 32">
-            <a:extLst>
-              <a:ext uri="{FF2B5EF4-FFF2-40B4-BE49-F238E27FC236}">
-                <a16:creationId xmlns:a16="http://schemas.microsoft.com/office/drawing/2014/main" id="{C4A03EBD-4814-4F39-8F39-38C734994F86}"/>
-              </a:ext>
-            </a:extLst>
-          </p:cNvPr>
-          <p:cNvSpPr/>
-          <p:nvPr/>
-        </p:nvSpPr>
-        <p:spPr>
-          <a:xfrm>
-            <a:off x="6267781" y="2702520"/>
-            <a:ext cx="2539616" cy="372202"/>
-          </a:xfrm>
-          <a:prstGeom prst="wedgeRoundRectCallout">
-            <a:avLst>
-              <a:gd name="adj1" fmla="val 24919"/>
-              <a:gd name="adj2" fmla="val 108785"/>
-              <a:gd name="adj3" fmla="val 16667"/>
-            </a:avLst>
-          </a:prstGeom>
-          <a:solidFill>
-            <a:srgbClr val="1269B2"/>
-          </a:solidFill>
-          <a:ln>
-            <a:noFill/>
-          </a:ln>
-        </p:spPr>
-        <p:style>
-          <a:lnRef idx="2">
-            <a:schemeClr val="accent1">
-              <a:shade val="50000"/>
-            </a:schemeClr>
-          </a:lnRef>
-          <a:fillRef idx="1">
-            <a:schemeClr val="accent1"/>
-          </a:fillRef>
-          <a:effectRef idx="0">
-            <a:schemeClr val="accent1"/>
-          </a:effectRef>
-          <a:fontRef idx="minor">
-            <a:schemeClr val="lt1"/>
-          </a:fontRef>
-        </p:style>
-        <p:txBody>
-          <a:bodyPr rtlCol="0" anchor="ctr"/>
-          <a:lstStyle/>
-          <a:p>
-            <a:pPr algn="ctr"/>
-            <a:r>
-              <a:rPr lang="es-MX" sz="1200" dirty="0"/>
-              <a:t>¿qué te gustaría . . .</a:t>
-            </a:r>
-          </a:p>
-        </p:txBody>
-      </p:sp>
-      <p:pic>
-        <p:nvPicPr>
-          <p:cNvPr id="34" name="Imagen 33" descr="Icono&#10;&#10;Descripción generada automáticamente">
-            <a:extLst>
-              <a:ext uri="{FF2B5EF4-FFF2-40B4-BE49-F238E27FC236}">
-                <a16:creationId xmlns:a16="http://schemas.microsoft.com/office/drawing/2014/main" id="{F84E4226-D339-4129-8777-1968716BCE58}"/>
-              </a:ext>
-            </a:extLst>
-          </p:cNvPr>
-          <p:cNvPicPr>
-            <a:picLocks noChangeAspect="1"/>
-          </p:cNvPicPr>
-          <p:nvPr/>
-        </p:nvPicPr>
-        <p:blipFill>
-          <a:blip r:embed="rId2"/>
-          <a:stretch>
-            <a:fillRect/>
-          </a:stretch>
-        </p:blipFill>
-        <p:spPr>
-          <a:xfrm>
-            <a:off x="8316864" y="3152931"/>
-            <a:ext cx="372202" cy="372202"/>
-          </a:xfrm>
-          <a:prstGeom prst="rect">
-            <a:avLst/>
-          </a:prstGeom>
-        </p:spPr>
-      </p:pic>
-      <p:sp>
-        <p:nvSpPr>
-          <p:cNvPr id="35" name="Bocadillo: rectángulo con esquinas redondeadas 34">
-            <a:extLst>
-              <a:ext uri="{FF2B5EF4-FFF2-40B4-BE49-F238E27FC236}">
-                <a16:creationId xmlns:a16="http://schemas.microsoft.com/office/drawing/2014/main" id="{2CA2A8A3-9B2E-4799-86BF-FE643588C011}"/>
-              </a:ext>
-            </a:extLst>
-          </p:cNvPr>
-          <p:cNvSpPr/>
-          <p:nvPr/>
-        </p:nvSpPr>
-        <p:spPr>
-          <a:xfrm>
-            <a:off x="6269678" y="3607283"/>
-            <a:ext cx="2539616" cy="372202"/>
-          </a:xfrm>
-          <a:prstGeom prst="wedgeRoundRectCallout">
-            <a:avLst>
-              <a:gd name="adj1" fmla="val 24919"/>
-              <a:gd name="adj2" fmla="val 108785"/>
-              <a:gd name="adj3" fmla="val 16667"/>
-            </a:avLst>
-          </a:prstGeom>
-          <a:solidFill>
-            <a:srgbClr val="1269B2"/>
-          </a:solidFill>
-          <a:ln>
-            <a:noFill/>
-          </a:ln>
-        </p:spPr>
-        <p:style>
-          <a:lnRef idx="2">
-            <a:schemeClr val="accent1">
-              <a:shade val="50000"/>
-            </a:schemeClr>
-          </a:lnRef>
-          <a:fillRef idx="1">
-            <a:schemeClr val="accent1"/>
-          </a:fillRef>
-          <a:effectRef idx="0">
-            <a:schemeClr val="accent1"/>
-          </a:effectRef>
-          <a:fontRef idx="minor">
-            <a:schemeClr val="lt1"/>
-          </a:fontRef>
-        </p:style>
-        <p:txBody>
-          <a:bodyPr rtlCol="0" anchor="ctr"/>
-          <a:lstStyle/>
-          <a:p>
-            <a:pPr algn="ctr"/>
-            <a:r>
-              <a:rPr lang="es-MX" sz="1200" dirty="0"/>
-              <a:t>Conoce nuestros horarios . . .</a:t>
-            </a:r>
-          </a:p>
-        </p:txBody>
-      </p:sp>
-      <p:pic>
-        <p:nvPicPr>
-          <p:cNvPr id="36" name="Imagen 35" descr="Icono&#10;&#10;Descripción generada automáticamente">
-            <a:extLst>
-              <a:ext uri="{FF2B5EF4-FFF2-40B4-BE49-F238E27FC236}">
-                <a16:creationId xmlns:a16="http://schemas.microsoft.com/office/drawing/2014/main" id="{CB2F975D-80CD-46B1-AE6E-5CB9A2C7153B}"/>
-              </a:ext>
-            </a:extLst>
-          </p:cNvPr>
-          <p:cNvPicPr>
-            <a:picLocks noChangeAspect="1"/>
-          </p:cNvPicPr>
-          <p:nvPr/>
-        </p:nvPicPr>
-        <p:blipFill>
-          <a:blip r:embed="rId2"/>
-          <a:stretch>
-            <a:fillRect/>
-          </a:stretch>
-        </p:blipFill>
-        <p:spPr>
-          <a:xfrm>
-            <a:off x="8316864" y="4061635"/>
-            <a:ext cx="372202" cy="372202"/>
-          </a:xfrm>
-          <a:prstGeom prst="rect">
-            <a:avLst/>
-          </a:prstGeom>
-        </p:spPr>
-      </p:pic>
-      <p:cxnSp>
-        <p:nvCxnSpPr>
-          <p:cNvPr id="14" name="Conector recto de flecha 13">
-            <a:extLst>
-              <a:ext uri="{FF2B5EF4-FFF2-40B4-BE49-F238E27FC236}">
-                <a16:creationId xmlns:a16="http://schemas.microsoft.com/office/drawing/2014/main" id="{5D1E2694-E4B8-4890-BC70-B9AB6C7339FF}"/>
-              </a:ext>
-            </a:extLst>
-          </p:cNvPr>
-          <p:cNvCxnSpPr>
-            <a:cxnSpLocks/>
-          </p:cNvCxnSpPr>
-          <p:nvPr/>
-        </p:nvCxnSpPr>
-        <p:spPr>
-          <a:xfrm>
-            <a:off x="3040655" y="1299990"/>
-            <a:ext cx="495861" cy="0"/>
-          </a:xfrm>
-          <a:prstGeom prst="straightConnector1">
-            <a:avLst/>
           </a:prstGeom>
           <a:ln w="19050">
             <a:solidFill>
               <a:srgbClr val="1269B2"/>
             </a:solidFill>
-            <a:prstDash val="sysDash"/>
-            <a:tailEnd type="triangle"/>
+          </a:ln>
+        </p:spPr>
+        <p:style>
+          <a:lnRef idx="1">
+            <a:schemeClr val="accent1"/>
+          </a:lnRef>
+          <a:fillRef idx="0">
+            <a:schemeClr val="accent1"/>
+          </a:fillRef>
+          <a:effectRef idx="0">
+            <a:schemeClr val="accent1"/>
+          </a:effectRef>
+          <a:fontRef idx="minor">
+            <a:schemeClr val="tx1"/>
+          </a:fontRef>
+        </p:style>
+        <p:txBody>
+          <a:bodyPr rtlCol="0" anchor="ctr"/>
+          <a:lstStyle/>
+          <a:p>
+            <a:pPr algn="ctr"/>
+            <a:endParaRPr lang="es-MX"/>
+          </a:p>
+        </p:txBody>
+      </p:sp>
+      <p:sp>
+        <p:nvSpPr>
+          <p:cNvPr id="14" name="TextBox 2">
+            <a:extLst>
+              <a:ext uri="{FF2B5EF4-FFF2-40B4-BE49-F238E27FC236}">
+                <a16:creationId xmlns:a16="http://schemas.microsoft.com/office/drawing/2014/main" id="{0DB4EE0B-7361-4B11-8274-9BE6250C0F81}"/>
+              </a:ext>
+            </a:extLst>
+          </p:cNvPr>
+          <p:cNvSpPr txBox="1"/>
+          <p:nvPr/>
+        </p:nvSpPr>
+        <p:spPr>
+          <a:xfrm>
+            <a:off x="7281035" y="2178396"/>
+            <a:ext cx="1785441" cy="276999"/>
+          </a:xfrm>
+          <a:prstGeom prst="rect">
+            <a:avLst/>
+          </a:prstGeom>
+          <a:noFill/>
+        </p:spPr>
+        <p:txBody>
+          <a:bodyPr wrap="square" lIns="91440" tIns="45720" rIns="91440" bIns="45720" rtlCol="0" anchor="t">
+            <a:spAutoFit/>
+          </a:bodyPr>
+          <a:lstStyle/>
+          <a:p>
+            <a:r>
+              <a:rPr lang="es-MX" sz="1200" dirty="0" err="1">
+                <a:solidFill>
+                  <a:schemeClr val="accent5"/>
+                </a:solidFill>
+              </a:rPr>
+              <a:t>Intent</a:t>
+            </a:r>
+            <a:r>
+              <a:rPr lang="es-MX" sz="1200" b="0" i="0" dirty="0">
+                <a:effectLst/>
+              </a:rPr>
+              <a:t>: PRONOSTICO</a:t>
+            </a:r>
+          </a:p>
+        </p:txBody>
+      </p:sp>
+      <p:sp>
+        <p:nvSpPr>
+          <p:cNvPr id="15" name="TextBox 2">
+            <a:extLst>
+              <a:ext uri="{FF2B5EF4-FFF2-40B4-BE49-F238E27FC236}">
+                <a16:creationId xmlns:a16="http://schemas.microsoft.com/office/drawing/2014/main" id="{84AE9C21-65D0-42E2-A2E1-1A05FFB41B53}"/>
+              </a:ext>
+            </a:extLst>
+          </p:cNvPr>
+          <p:cNvSpPr txBox="1"/>
+          <p:nvPr/>
+        </p:nvSpPr>
+        <p:spPr>
+          <a:xfrm>
+            <a:off x="7297610" y="2542906"/>
+            <a:ext cx="1752289" cy="276999"/>
+          </a:xfrm>
+          <a:prstGeom prst="rect">
+            <a:avLst/>
+          </a:prstGeom>
+          <a:noFill/>
+        </p:spPr>
+        <p:txBody>
+          <a:bodyPr wrap="square" lIns="91440" tIns="45720" rIns="91440" bIns="45720" rtlCol="0" anchor="t">
+            <a:spAutoFit/>
+          </a:bodyPr>
+          <a:lstStyle/>
+          <a:p>
+            <a:r>
+              <a:rPr lang="es-MX" sz="1200" dirty="0" err="1">
+                <a:solidFill>
+                  <a:schemeClr val="accent5"/>
+                </a:solidFill>
+              </a:rPr>
+              <a:t>Entities</a:t>
+            </a:r>
+            <a:r>
+              <a:rPr lang="es-MX" sz="1200" b="0" i="0" dirty="0">
+                <a:effectLst/>
+              </a:rPr>
+              <a:t>: DIA, CIUDAD</a:t>
+            </a:r>
+          </a:p>
+        </p:txBody>
+      </p:sp>
+      <p:cxnSp>
+        <p:nvCxnSpPr>
+          <p:cNvPr id="5" name="Conector recto 4">
+            <a:extLst>
+              <a:ext uri="{FF2B5EF4-FFF2-40B4-BE49-F238E27FC236}">
+                <a16:creationId xmlns:a16="http://schemas.microsoft.com/office/drawing/2014/main" id="{BF5F4032-3CC9-47AE-A8E4-DC1BD1F714E7}"/>
+              </a:ext>
+            </a:extLst>
+          </p:cNvPr>
+          <p:cNvCxnSpPr/>
+          <p:nvPr/>
+        </p:nvCxnSpPr>
+        <p:spPr>
+          <a:xfrm>
+            <a:off x="4230480" y="991105"/>
+            <a:ext cx="0" cy="3657600"/>
+          </a:xfrm>
+          <a:prstGeom prst="line">
+            <a:avLst/>
+          </a:prstGeom>
+          <a:ln w="19050">
+            <a:solidFill>
+              <a:srgbClr val="1269B2"/>
+            </a:solidFill>
           </a:ln>
         </p:spPr>
         <p:style>
@@ -3361,327 +2876,12 @@
           </a:fontRef>
         </p:style>
       </p:cxnSp>
-      <p:cxnSp>
-        <p:nvCxnSpPr>
-          <p:cNvPr id="37" name="Conector recto de flecha 36">
-            <a:extLst>
-              <a:ext uri="{FF2B5EF4-FFF2-40B4-BE49-F238E27FC236}">
-                <a16:creationId xmlns:a16="http://schemas.microsoft.com/office/drawing/2014/main" id="{579F9B03-63AA-46EB-A300-2946F0AADC14}"/>
-              </a:ext>
-            </a:extLst>
-          </p:cNvPr>
-          <p:cNvCxnSpPr>
-            <a:cxnSpLocks/>
-          </p:cNvCxnSpPr>
-          <p:nvPr/>
-        </p:nvCxnSpPr>
-        <p:spPr>
-          <a:xfrm>
-            <a:off x="3040655" y="3798983"/>
-            <a:ext cx="495861" cy="0"/>
-          </a:xfrm>
-          <a:prstGeom prst="straightConnector1">
-            <a:avLst/>
-          </a:prstGeom>
-          <a:ln w="19050">
-            <a:solidFill>
-              <a:srgbClr val="1269B2"/>
-            </a:solidFill>
-            <a:prstDash val="sysDash"/>
-            <a:tailEnd type="triangle"/>
-          </a:ln>
-        </p:spPr>
-        <p:style>
-          <a:lnRef idx="1">
-            <a:schemeClr val="accent1"/>
-          </a:lnRef>
-          <a:fillRef idx="0">
-            <a:schemeClr val="accent1"/>
-          </a:fillRef>
-          <a:effectRef idx="0">
-            <a:schemeClr val="accent1"/>
-          </a:effectRef>
-          <a:fontRef idx="minor">
-            <a:schemeClr val="tx1"/>
-          </a:fontRef>
-        </p:style>
-      </p:cxnSp>
-      <p:cxnSp>
-        <p:nvCxnSpPr>
-          <p:cNvPr id="38" name="Conector recto de flecha 37">
-            <a:extLst>
-              <a:ext uri="{FF2B5EF4-FFF2-40B4-BE49-F238E27FC236}">
-                <a16:creationId xmlns:a16="http://schemas.microsoft.com/office/drawing/2014/main" id="{0D48278C-D7FB-4D7C-AEF2-B8582FD0B4D9}"/>
-              </a:ext>
-            </a:extLst>
-          </p:cNvPr>
-          <p:cNvCxnSpPr>
-            <a:cxnSpLocks/>
-          </p:cNvCxnSpPr>
-          <p:nvPr/>
-        </p:nvCxnSpPr>
-        <p:spPr>
-          <a:xfrm>
-            <a:off x="3040655" y="2078515"/>
-            <a:ext cx="495861" cy="0"/>
-          </a:xfrm>
-          <a:prstGeom prst="straightConnector1">
-            <a:avLst/>
-          </a:prstGeom>
-          <a:ln w="19050">
-            <a:solidFill>
-              <a:srgbClr val="1269B2"/>
-            </a:solidFill>
-            <a:prstDash val="sysDash"/>
-            <a:tailEnd type="triangle"/>
-          </a:ln>
-        </p:spPr>
-        <p:style>
-          <a:lnRef idx="1">
-            <a:schemeClr val="accent1"/>
-          </a:lnRef>
-          <a:fillRef idx="0">
-            <a:schemeClr val="accent1"/>
-          </a:fillRef>
-          <a:effectRef idx="0">
-            <a:schemeClr val="accent1"/>
-          </a:effectRef>
-          <a:fontRef idx="minor">
-            <a:schemeClr val="tx1"/>
-          </a:fontRef>
-        </p:style>
-      </p:cxnSp>
-      <p:cxnSp>
-        <p:nvCxnSpPr>
-          <p:cNvPr id="39" name="Conector recto de flecha 38">
-            <a:extLst>
-              <a:ext uri="{FF2B5EF4-FFF2-40B4-BE49-F238E27FC236}">
-                <a16:creationId xmlns:a16="http://schemas.microsoft.com/office/drawing/2014/main" id="{222DAAF2-C507-4073-9F16-155EA4AECBF7}"/>
-              </a:ext>
-            </a:extLst>
-          </p:cNvPr>
-          <p:cNvCxnSpPr>
-            <a:cxnSpLocks/>
-          </p:cNvCxnSpPr>
-          <p:nvPr/>
-        </p:nvCxnSpPr>
-        <p:spPr>
-          <a:xfrm>
-            <a:off x="3040655" y="2947012"/>
-            <a:ext cx="495861" cy="0"/>
-          </a:xfrm>
-          <a:prstGeom prst="straightConnector1">
-            <a:avLst/>
-          </a:prstGeom>
-          <a:ln w="19050">
-            <a:solidFill>
-              <a:srgbClr val="1269B2"/>
-            </a:solidFill>
-            <a:prstDash val="sysDash"/>
-            <a:tailEnd type="triangle"/>
-          </a:ln>
-        </p:spPr>
-        <p:style>
-          <a:lnRef idx="1">
-            <a:schemeClr val="accent1"/>
-          </a:lnRef>
-          <a:fillRef idx="0">
-            <a:schemeClr val="accent1"/>
-          </a:fillRef>
-          <a:effectRef idx="0">
-            <a:schemeClr val="accent1"/>
-          </a:effectRef>
-          <a:fontRef idx="minor">
-            <a:schemeClr val="tx1"/>
-          </a:fontRef>
-        </p:style>
-      </p:cxnSp>
-      <p:cxnSp>
-        <p:nvCxnSpPr>
-          <p:cNvPr id="40" name="Conector recto de flecha 39">
-            <a:extLst>
-              <a:ext uri="{FF2B5EF4-FFF2-40B4-BE49-F238E27FC236}">
-                <a16:creationId xmlns:a16="http://schemas.microsoft.com/office/drawing/2014/main" id="{674ED442-63DD-458A-B20F-6ECCC7C8F5F4}"/>
-              </a:ext>
-            </a:extLst>
-          </p:cNvPr>
-          <p:cNvCxnSpPr>
-            <a:cxnSpLocks/>
-          </p:cNvCxnSpPr>
-          <p:nvPr/>
-        </p:nvCxnSpPr>
-        <p:spPr>
-          <a:xfrm>
-            <a:off x="5607483" y="1274284"/>
-            <a:ext cx="527077" cy="0"/>
-          </a:xfrm>
-          <a:prstGeom prst="straightConnector1">
-            <a:avLst/>
-          </a:prstGeom>
-          <a:ln w="19050">
-            <a:solidFill>
-              <a:srgbClr val="1269B2"/>
-            </a:solidFill>
-            <a:prstDash val="sysDash"/>
-            <a:tailEnd type="triangle"/>
-          </a:ln>
-        </p:spPr>
-        <p:style>
-          <a:lnRef idx="1">
-            <a:schemeClr val="accent1"/>
-          </a:lnRef>
-          <a:fillRef idx="0">
-            <a:schemeClr val="accent1"/>
-          </a:fillRef>
-          <a:effectRef idx="0">
-            <a:schemeClr val="accent1"/>
-          </a:effectRef>
-          <a:fontRef idx="minor">
-            <a:schemeClr val="tx1"/>
-          </a:fontRef>
-        </p:style>
-      </p:cxnSp>
-      <p:cxnSp>
-        <p:nvCxnSpPr>
-          <p:cNvPr id="41" name="Conector recto de flecha 40">
-            <a:extLst>
-              <a:ext uri="{FF2B5EF4-FFF2-40B4-BE49-F238E27FC236}">
-                <a16:creationId xmlns:a16="http://schemas.microsoft.com/office/drawing/2014/main" id="{E6571557-DCDC-461C-99B4-57BD8F5B478F}"/>
-              </a:ext>
-            </a:extLst>
-          </p:cNvPr>
-          <p:cNvCxnSpPr>
-            <a:cxnSpLocks/>
-          </p:cNvCxnSpPr>
-          <p:nvPr/>
-        </p:nvCxnSpPr>
-        <p:spPr>
-          <a:xfrm>
-            <a:off x="5607483" y="3773277"/>
-            <a:ext cx="527077" cy="0"/>
-          </a:xfrm>
-          <a:prstGeom prst="straightConnector1">
-            <a:avLst/>
-          </a:prstGeom>
-          <a:ln w="19050">
-            <a:solidFill>
-              <a:srgbClr val="1269B2"/>
-            </a:solidFill>
-            <a:prstDash val="sysDash"/>
-            <a:tailEnd type="triangle"/>
-          </a:ln>
-        </p:spPr>
-        <p:style>
-          <a:lnRef idx="1">
-            <a:schemeClr val="accent1"/>
-          </a:lnRef>
-          <a:fillRef idx="0">
-            <a:schemeClr val="accent1"/>
-          </a:fillRef>
-          <a:effectRef idx="0">
-            <a:schemeClr val="accent1"/>
-          </a:effectRef>
-          <a:fontRef idx="minor">
-            <a:schemeClr val="tx1"/>
-          </a:fontRef>
-        </p:style>
-      </p:cxnSp>
-      <p:cxnSp>
-        <p:nvCxnSpPr>
-          <p:cNvPr id="42" name="Conector recto de flecha 41">
-            <a:extLst>
-              <a:ext uri="{FF2B5EF4-FFF2-40B4-BE49-F238E27FC236}">
-                <a16:creationId xmlns:a16="http://schemas.microsoft.com/office/drawing/2014/main" id="{700583FC-4AFF-4573-8D17-7206382F4113}"/>
-              </a:ext>
-            </a:extLst>
-          </p:cNvPr>
-          <p:cNvCxnSpPr>
-            <a:cxnSpLocks/>
-          </p:cNvCxnSpPr>
-          <p:nvPr/>
-        </p:nvCxnSpPr>
-        <p:spPr>
-          <a:xfrm>
-            <a:off x="5607483" y="2052809"/>
-            <a:ext cx="527077" cy="0"/>
-          </a:xfrm>
-          <a:prstGeom prst="straightConnector1">
-            <a:avLst/>
-          </a:prstGeom>
-          <a:ln w="19050">
-            <a:solidFill>
-              <a:srgbClr val="1269B2"/>
-            </a:solidFill>
-            <a:prstDash val="sysDash"/>
-            <a:tailEnd type="triangle"/>
-          </a:ln>
-        </p:spPr>
-        <p:style>
-          <a:lnRef idx="1">
-            <a:schemeClr val="accent1"/>
-          </a:lnRef>
-          <a:fillRef idx="0">
-            <a:schemeClr val="accent1"/>
-          </a:fillRef>
-          <a:effectRef idx="0">
-            <a:schemeClr val="accent1"/>
-          </a:effectRef>
-          <a:fontRef idx="minor">
-            <a:schemeClr val="tx1"/>
-          </a:fontRef>
-        </p:style>
-      </p:cxnSp>
-      <p:cxnSp>
-        <p:nvCxnSpPr>
-          <p:cNvPr id="43" name="Conector recto de flecha 42">
-            <a:extLst>
-              <a:ext uri="{FF2B5EF4-FFF2-40B4-BE49-F238E27FC236}">
-                <a16:creationId xmlns:a16="http://schemas.microsoft.com/office/drawing/2014/main" id="{9AA7EB69-44EC-437A-B9FC-4FF312237C3C}"/>
-              </a:ext>
-            </a:extLst>
-          </p:cNvPr>
-          <p:cNvCxnSpPr>
-            <a:cxnSpLocks/>
-          </p:cNvCxnSpPr>
-          <p:nvPr/>
-        </p:nvCxnSpPr>
-        <p:spPr>
-          <a:xfrm>
-            <a:off x="5607483" y="2921306"/>
-            <a:ext cx="527077" cy="0"/>
-          </a:xfrm>
-          <a:prstGeom prst="straightConnector1">
-            <a:avLst/>
-          </a:prstGeom>
-          <a:ln w="19050">
-            <a:solidFill>
-              <a:srgbClr val="1269B2"/>
-            </a:solidFill>
-            <a:prstDash val="sysDash"/>
-            <a:tailEnd type="triangle"/>
-          </a:ln>
-        </p:spPr>
-        <p:style>
-          <a:lnRef idx="1">
-            <a:schemeClr val="accent1"/>
-          </a:lnRef>
-          <a:fillRef idx="0">
-            <a:schemeClr val="accent1"/>
-          </a:fillRef>
-          <a:effectRef idx="0">
-            <a:schemeClr val="accent1"/>
-          </a:effectRef>
-          <a:fontRef idx="minor">
-            <a:schemeClr val="tx1"/>
-          </a:fontRef>
-        </p:style>
-      </p:cxnSp>
-      <p:sp>
-        <p:nvSpPr>
-          <p:cNvPr id="56" name="CuadroTexto 55">
-            <a:extLst>
-              <a:ext uri="{FF2B5EF4-FFF2-40B4-BE49-F238E27FC236}">
-                <a16:creationId xmlns:a16="http://schemas.microsoft.com/office/drawing/2014/main" id="{3C97B68F-69EB-4523-8A93-A312CDA5E9B0}"/>
+      <p:sp>
+        <p:nvSpPr>
+          <p:cNvPr id="18" name="CuadroTexto 17">
+            <a:extLst>
+              <a:ext uri="{FF2B5EF4-FFF2-40B4-BE49-F238E27FC236}">
+                <a16:creationId xmlns:a16="http://schemas.microsoft.com/office/drawing/2014/main" id="{32C4A212-7E68-47D0-91F5-9903D590D18C}"/>
               </a:ext>
             </a:extLst>
           </p:cNvPr>
@@ -3690,8 +2890,8 @@
         </p:nvSpPr>
         <p:spPr>
           <a:xfrm>
-            <a:off x="177747" y="4572785"/>
-            <a:ext cx="8629650" cy="461665"/>
+            <a:off x="223516" y="4648705"/>
+            <a:ext cx="7715250" cy="276999"/>
           </a:xfrm>
           <a:prstGeom prst="rect">
             <a:avLst/>
@@ -3706,9 +2906,9 @@
           <a:p>
             <a:r>
               <a:rPr lang="es-MX" sz="1200" dirty="0">
-                <a:hlinkClick r:id="rId4"/>
-              </a:rPr>
-              <a:t>https://docs.oracle.com/en/cloud/paas/digital-assistant/use-chatbot/intents1.html#GUID-DF5E3ED9-8EAE-4A3D-BE32-588E7C2E7E86</a:t>
+                <a:hlinkClick r:id="rId3"/>
+              </a:rPr>
+              <a:t>https://docs.oracle.com/en-us/iaas/digital-assistant/doc/entities1.html</a:t>
             </a:r>
             <a:r>
               <a:rPr lang="es-MX" sz="1200" dirty="0"/>
@@ -3717,99 +2917,10 @@
           </a:p>
         </p:txBody>
       </p:sp>
-      <p:sp>
-        <p:nvSpPr>
-          <p:cNvPr id="57" name="Bocadillo: rectángulo con esquinas redondeadas 56">
-            <a:extLst>
-              <a:ext uri="{FF2B5EF4-FFF2-40B4-BE49-F238E27FC236}">
-                <a16:creationId xmlns:a16="http://schemas.microsoft.com/office/drawing/2014/main" id="{95E96FC9-4560-43B0-9F9C-E7E5F676DCA2}"/>
-              </a:ext>
-            </a:extLst>
-          </p:cNvPr>
-          <p:cNvSpPr/>
-          <p:nvPr/>
-        </p:nvSpPr>
-        <p:spPr>
-          <a:xfrm>
-            <a:off x="828201" y="1092834"/>
-            <a:ext cx="2070968" cy="372202"/>
-          </a:xfrm>
-          <a:prstGeom prst="wedgeRoundRectCallout">
-            <a:avLst>
-              <a:gd name="adj1" fmla="val -25388"/>
-              <a:gd name="adj2" fmla="val 91027"/>
-              <a:gd name="adj3" fmla="val 16667"/>
-            </a:avLst>
-          </a:prstGeom>
-          <a:solidFill>
-            <a:srgbClr val="1269B2"/>
-          </a:solidFill>
-          <a:ln>
-            <a:noFill/>
-          </a:ln>
-        </p:spPr>
-        <p:style>
-          <a:lnRef idx="2">
-            <a:schemeClr val="accent1">
-              <a:shade val="50000"/>
-            </a:schemeClr>
-          </a:lnRef>
-          <a:fillRef idx="1">
-            <a:schemeClr val="accent1"/>
-          </a:fillRef>
-          <a:effectRef idx="0">
-            <a:schemeClr val="accent1"/>
-          </a:effectRef>
-          <a:fontRef idx="minor">
-            <a:schemeClr val="lt1"/>
-          </a:fontRef>
-        </p:style>
-        <p:txBody>
-          <a:bodyPr rtlCol="0" anchor="ctr"/>
-          <a:lstStyle/>
-          <a:p>
-            <a:pPr algn="ctr"/>
-            <a:r>
-              <a:rPr lang="es-MX" sz="1200" dirty="0"/>
-              <a:t>Hola</a:t>
-            </a:r>
-          </a:p>
-        </p:txBody>
-      </p:sp>
-      <p:pic>
-        <p:nvPicPr>
-          <p:cNvPr id="58" name="Imagen 57" descr="Icono&#10;&#10;Descripción generada automáticamente">
-            <a:extLst>
-              <a:ext uri="{FF2B5EF4-FFF2-40B4-BE49-F238E27FC236}">
-                <a16:creationId xmlns:a16="http://schemas.microsoft.com/office/drawing/2014/main" id="{D36F0CF2-B0AA-43D0-B90F-F57462A94688}"/>
-              </a:ext>
-            </a:extLst>
-          </p:cNvPr>
-          <p:cNvPicPr>
-            <a:picLocks noChangeAspect="1"/>
-          </p:cNvPicPr>
-          <p:nvPr/>
-        </p:nvPicPr>
-        <p:blipFill>
-          <a:blip r:embed="rId3"/>
-          <a:stretch>
-            <a:fillRect/>
-          </a:stretch>
-        </p:blipFill>
-        <p:spPr>
-          <a:xfrm>
-            <a:off x="989801" y="1583490"/>
-            <a:ext cx="256693" cy="256693"/>
-          </a:xfrm>
-          <a:prstGeom prst="rect">
-            <a:avLst/>
-          </a:prstGeom>
-        </p:spPr>
-      </p:pic>
     </p:spTree>
     <p:extLst>
       <p:ext uri="{BB962C8B-B14F-4D97-AF65-F5344CB8AC3E}">
-        <p14:creationId xmlns:p14="http://schemas.microsoft.com/office/powerpoint/2010/main" val="2829715590"/>
+        <p14:creationId xmlns:p14="http://schemas.microsoft.com/office/powerpoint/2010/main" val="1052534764"/>
       </p:ext>
     </p:extLst>
   </p:cSld>
@@ -3838,10 +2949,10 @@
       </p:grpSpPr>
       <p:sp>
         <p:nvSpPr>
-          <p:cNvPr id="25" name="Diagrama de flujo: operación manual 24">
-            <a:extLst>
-              <a:ext uri="{FF2B5EF4-FFF2-40B4-BE49-F238E27FC236}">
-                <a16:creationId xmlns:a16="http://schemas.microsoft.com/office/drawing/2014/main" id="{DE33C046-22D9-4DFA-8778-EF9C71E2E7DC}"/>
+          <p:cNvPr id="44" name="Rectángulo: esquinas redondeadas 43">
+            <a:extLst>
+              <a:ext uri="{FF2B5EF4-FFF2-40B4-BE49-F238E27FC236}">
+                <a16:creationId xmlns:a16="http://schemas.microsoft.com/office/drawing/2014/main" id="{BE2EAC5D-6325-4DCE-BDAA-41E8832D0420}"/>
               </a:ext>
             </a:extLst>
           </p:cNvPr>
@@ -3849,20 +2960,22 @@
           <p:nvPr/>
         </p:nvSpPr>
         <p:spPr>
-          <a:xfrm rot="16200000">
-            <a:off x="792250" y="-157084"/>
-            <a:ext cx="4143138" cy="5933377"/>
-          </a:xfrm>
-          <a:prstGeom prst="flowChartManualOperation">
-            <a:avLst/>
+          <a:xfrm>
+            <a:off x="3441185" y="495760"/>
+            <a:ext cx="2307784" cy="4043187"/>
+          </a:xfrm>
+          <a:prstGeom prst="roundRect">
+            <a:avLst>
+              <a:gd name="adj" fmla="val 3228"/>
+            </a:avLst>
           </a:prstGeom>
           <a:solidFill>
             <a:srgbClr val="DCEBF7"/>
           </a:solidFill>
           <a:ln>
             <a:solidFill>
-              <a:schemeClr val="bg1">
-                <a:lumMod val="85000"/>
+              <a:schemeClr val="bg2">
+                <a:lumMod val="75000"/>
               </a:schemeClr>
             </a:solidFill>
           </a:ln>
@@ -3884,11 +2997,22 @@
           </a:fontRef>
         </p:style>
         <p:txBody>
-          <a:bodyPr rtlCol="0" anchor="ctr"/>
-          <a:lstStyle/>
-          <a:p>
-            <a:pPr algn="ctr"/>
-            <a:endParaRPr lang="es-MX"/>
+          <a:bodyPr rtlCol="0" anchor="t" anchorCtr="0"/>
+          <a:lstStyle/>
+          <a:p>
+            <a:r>
+              <a:rPr lang="es-MX" sz="1600" dirty="0" err="1">
+                <a:solidFill>
+                  <a:schemeClr val="tx1"/>
+                </a:solidFill>
+              </a:rPr>
+              <a:t>Skill</a:t>
+            </a:r>
+            <a:endParaRPr lang="es-MX" sz="1600" dirty="0">
+              <a:solidFill>
+                <a:schemeClr val="tx1"/>
+              </a:solidFill>
+            </a:endParaRPr>
           </a:p>
         </p:txBody>
       </p:sp>
@@ -3906,8 +3030,8 @@
         </p:nvSpPr>
         <p:spPr>
           <a:xfrm>
-            <a:off x="597267" y="174218"/>
-            <a:ext cx="7403230" cy="584775"/>
+            <a:off x="638257" y="189687"/>
+            <a:ext cx="1675285" cy="584775"/>
           </a:xfrm>
           <a:prstGeom prst="rect">
             <a:avLst/>
@@ -3940,10 +3064,10 @@
       </p:sp>
       <p:sp>
         <p:nvSpPr>
-          <p:cNvPr id="2" name="Bocadillo: rectángulo con esquinas redondeadas 1">
-            <a:extLst>
-              <a:ext uri="{FF2B5EF4-FFF2-40B4-BE49-F238E27FC236}">
-                <a16:creationId xmlns:a16="http://schemas.microsoft.com/office/drawing/2014/main" id="{559104D0-DD63-48F1-9737-D3A8B91CD682}"/>
+          <p:cNvPr id="13" name="Rectángulo: esquinas redondeadas 12">
+            <a:extLst>
+              <a:ext uri="{FF2B5EF4-FFF2-40B4-BE49-F238E27FC236}">
+                <a16:creationId xmlns:a16="http://schemas.microsoft.com/office/drawing/2014/main" id="{91099E18-BED3-420E-B0D8-856CF43B982D}"/>
               </a:ext>
             </a:extLst>
           </p:cNvPr>
@@ -3952,364 +3076,8 @@
         </p:nvSpPr>
         <p:spPr>
           <a:xfrm>
-            <a:off x="1079653" y="1214833"/>
-            <a:ext cx="1795748" cy="584775"/>
-          </a:xfrm>
-          <a:prstGeom prst="wedgeRoundRectCallout">
-            <a:avLst>
-              <a:gd name="adj1" fmla="val -28580"/>
-              <a:gd name="adj2" fmla="val 85107"/>
-              <a:gd name="adj3" fmla="val 16667"/>
-            </a:avLst>
-          </a:prstGeom>
-          <a:solidFill>
-            <a:srgbClr val="1269B2"/>
-          </a:solidFill>
-          <a:ln>
-            <a:noFill/>
-          </a:ln>
-        </p:spPr>
-        <p:style>
-          <a:lnRef idx="2">
-            <a:schemeClr val="accent1">
-              <a:shade val="50000"/>
-            </a:schemeClr>
-          </a:lnRef>
-          <a:fillRef idx="1">
-            <a:schemeClr val="accent1"/>
-          </a:fillRef>
-          <a:effectRef idx="0">
-            <a:schemeClr val="accent1"/>
-          </a:effectRef>
-          <a:fontRef idx="minor">
-            <a:schemeClr val="lt1"/>
-          </a:fontRef>
-        </p:style>
-        <p:txBody>
-          <a:bodyPr rtlCol="0" anchor="ctr"/>
-          <a:lstStyle/>
-          <a:p>
-            <a:pPr algn="ctr"/>
-            <a:r>
-              <a:rPr lang="es-MX" dirty="0"/>
-              <a:t>Hola</a:t>
-            </a:r>
-          </a:p>
-        </p:txBody>
-      </p:sp>
-      <p:sp>
-        <p:nvSpPr>
-          <p:cNvPr id="5" name="Bocadillo: rectángulo con esquinas redondeadas 4">
-            <a:extLst>
-              <a:ext uri="{FF2B5EF4-FFF2-40B4-BE49-F238E27FC236}">
-                <a16:creationId xmlns:a16="http://schemas.microsoft.com/office/drawing/2014/main" id="{39370F5C-8F40-4121-AA58-6EA621034CD3}"/>
-              </a:ext>
-            </a:extLst>
-          </p:cNvPr>
-          <p:cNvSpPr/>
-          <p:nvPr/>
-        </p:nvSpPr>
-        <p:spPr>
-          <a:xfrm>
-            <a:off x="1977527" y="2081900"/>
-            <a:ext cx="1795749" cy="584775"/>
-          </a:xfrm>
-          <a:prstGeom prst="wedgeRoundRectCallout">
-            <a:avLst>
-              <a:gd name="adj1" fmla="val -28580"/>
-              <a:gd name="adj2" fmla="val 85107"/>
-              <a:gd name="adj3" fmla="val 16667"/>
-            </a:avLst>
-          </a:prstGeom>
-          <a:solidFill>
-            <a:srgbClr val="1269B2"/>
-          </a:solidFill>
-          <a:ln>
-            <a:noFill/>
-          </a:ln>
-        </p:spPr>
-        <p:style>
-          <a:lnRef idx="2">
-            <a:schemeClr val="accent1">
-              <a:shade val="50000"/>
-            </a:schemeClr>
-          </a:lnRef>
-          <a:fillRef idx="1">
-            <a:schemeClr val="accent1"/>
-          </a:fillRef>
-          <a:effectRef idx="0">
-            <a:schemeClr val="accent1"/>
-          </a:effectRef>
-          <a:fontRef idx="minor">
-            <a:schemeClr val="lt1"/>
-          </a:fontRef>
-        </p:style>
-        <p:txBody>
-          <a:bodyPr rtlCol="0" anchor="ctr"/>
-          <a:lstStyle/>
-          <a:p>
-            <a:pPr algn="ctr"/>
-            <a:r>
-              <a:rPr lang="es-MX" dirty="0"/>
-              <a:t>¿Qué tal?</a:t>
-            </a:r>
-          </a:p>
-        </p:txBody>
-      </p:sp>
-      <p:sp>
-        <p:nvSpPr>
-          <p:cNvPr id="6" name="Bocadillo: rectángulo con esquinas redondeadas 5">
-            <a:extLst>
-              <a:ext uri="{FF2B5EF4-FFF2-40B4-BE49-F238E27FC236}">
-                <a16:creationId xmlns:a16="http://schemas.microsoft.com/office/drawing/2014/main" id="{ADBA71ED-957D-498C-8D35-5057A0A591D8}"/>
-              </a:ext>
-            </a:extLst>
-          </p:cNvPr>
-          <p:cNvSpPr/>
-          <p:nvPr/>
-        </p:nvSpPr>
-        <p:spPr>
-          <a:xfrm>
-            <a:off x="2776251" y="3161540"/>
-            <a:ext cx="1795749" cy="584775"/>
-          </a:xfrm>
-          <a:prstGeom prst="wedgeRoundRectCallout">
-            <a:avLst>
-              <a:gd name="adj1" fmla="val -28580"/>
-              <a:gd name="adj2" fmla="val 85107"/>
-              <a:gd name="adj3" fmla="val 16667"/>
-            </a:avLst>
-          </a:prstGeom>
-          <a:solidFill>
-            <a:srgbClr val="1269B2"/>
-          </a:solidFill>
-          <a:ln>
-            <a:noFill/>
-          </a:ln>
-        </p:spPr>
-        <p:style>
-          <a:lnRef idx="2">
-            <a:schemeClr val="accent1">
-              <a:shade val="50000"/>
-            </a:schemeClr>
-          </a:lnRef>
-          <a:fillRef idx="1">
-            <a:schemeClr val="accent1"/>
-          </a:fillRef>
-          <a:effectRef idx="0">
-            <a:schemeClr val="accent1"/>
-          </a:effectRef>
-          <a:fontRef idx="minor">
-            <a:schemeClr val="lt1"/>
-          </a:fontRef>
-        </p:style>
-        <p:txBody>
-          <a:bodyPr rtlCol="0" anchor="ctr"/>
-          <a:lstStyle/>
-          <a:p>
-            <a:pPr algn="ctr"/>
-            <a:r>
-              <a:rPr lang="es-MX" dirty="0"/>
-              <a:t>Buenas tardes</a:t>
-            </a:r>
-          </a:p>
-        </p:txBody>
-      </p:sp>
-      <p:sp>
-        <p:nvSpPr>
-          <p:cNvPr id="7" name="Bocadillo: rectángulo con esquinas redondeadas 6">
-            <a:extLst>
-              <a:ext uri="{FF2B5EF4-FFF2-40B4-BE49-F238E27FC236}">
-                <a16:creationId xmlns:a16="http://schemas.microsoft.com/office/drawing/2014/main" id="{51E25602-F8BD-4F18-93C9-BD3BAD9E0C9A}"/>
-              </a:ext>
-            </a:extLst>
-          </p:cNvPr>
-          <p:cNvSpPr/>
-          <p:nvPr/>
-        </p:nvSpPr>
-        <p:spPr>
-          <a:xfrm>
-            <a:off x="597267" y="3525278"/>
-            <a:ext cx="1795749" cy="584775"/>
-          </a:xfrm>
-          <a:prstGeom prst="wedgeRoundRectCallout">
-            <a:avLst>
-              <a:gd name="adj1" fmla="val -28580"/>
-              <a:gd name="adj2" fmla="val 85107"/>
-              <a:gd name="adj3" fmla="val 16667"/>
-            </a:avLst>
-          </a:prstGeom>
-          <a:solidFill>
-            <a:srgbClr val="1269B2"/>
-          </a:solidFill>
-          <a:ln>
-            <a:noFill/>
-          </a:ln>
-        </p:spPr>
-        <p:style>
-          <a:lnRef idx="2">
-            <a:schemeClr val="accent1">
-              <a:shade val="50000"/>
-            </a:schemeClr>
-          </a:lnRef>
-          <a:fillRef idx="1">
-            <a:schemeClr val="accent1"/>
-          </a:fillRef>
-          <a:effectRef idx="0">
-            <a:schemeClr val="accent1"/>
-          </a:effectRef>
-          <a:fontRef idx="minor">
-            <a:schemeClr val="lt1"/>
-          </a:fontRef>
-        </p:style>
-        <p:txBody>
-          <a:bodyPr rtlCol="0" anchor="ctr"/>
-          <a:lstStyle/>
-          <a:p>
-            <a:pPr algn="ctr"/>
-            <a:r>
-              <a:rPr lang="es-MX" dirty="0"/>
-              <a:t>Que onda!</a:t>
-            </a:r>
-          </a:p>
-        </p:txBody>
-      </p:sp>
-      <p:pic>
-        <p:nvPicPr>
-          <p:cNvPr id="9" name="Imagen 8" descr="Icono&#10;&#10;Descripción generada automáticamente">
-            <a:extLst>
-              <a:ext uri="{FF2B5EF4-FFF2-40B4-BE49-F238E27FC236}">
-                <a16:creationId xmlns:a16="http://schemas.microsoft.com/office/drawing/2014/main" id="{A26AA7E1-AFBF-44F1-B2A6-10FBF98A64BF}"/>
-              </a:ext>
-            </a:extLst>
-          </p:cNvPr>
-          <p:cNvPicPr>
-            <a:picLocks noChangeAspect="1"/>
-          </p:cNvPicPr>
-          <p:nvPr/>
-        </p:nvPicPr>
-        <p:blipFill>
-          <a:blip r:embed="rId2"/>
-          <a:stretch>
-            <a:fillRect/>
-          </a:stretch>
-        </p:blipFill>
-        <p:spPr>
-          <a:xfrm>
-            <a:off x="1014706" y="1893852"/>
-            <a:ext cx="480436" cy="480436"/>
-          </a:xfrm>
-          <a:prstGeom prst="rect">
-            <a:avLst/>
-          </a:prstGeom>
-        </p:spPr>
-      </p:pic>
-      <p:pic>
-        <p:nvPicPr>
-          <p:cNvPr id="10" name="Imagen 9" descr="Icono&#10;&#10;Descripción generada automáticamente">
-            <a:extLst>
-              <a:ext uri="{FF2B5EF4-FFF2-40B4-BE49-F238E27FC236}">
-                <a16:creationId xmlns:a16="http://schemas.microsoft.com/office/drawing/2014/main" id="{6F8A76CA-3799-40F6-AEF7-40BC406267C7}"/>
-              </a:ext>
-            </a:extLst>
-          </p:cNvPr>
-          <p:cNvPicPr>
-            <a:picLocks noChangeAspect="1"/>
-          </p:cNvPicPr>
-          <p:nvPr/>
-        </p:nvPicPr>
-        <p:blipFill>
-          <a:blip r:embed="rId2"/>
-          <a:stretch>
-            <a:fillRect/>
-          </a:stretch>
-        </p:blipFill>
-        <p:spPr>
-          <a:xfrm>
-            <a:off x="1976427" y="2809606"/>
-            <a:ext cx="480436" cy="480436"/>
-          </a:xfrm>
-          <a:prstGeom prst="rect">
-            <a:avLst/>
-          </a:prstGeom>
-        </p:spPr>
-      </p:pic>
-      <p:pic>
-        <p:nvPicPr>
-          <p:cNvPr id="11" name="Imagen 10" descr="Icono&#10;&#10;Descripción generada automáticamente">
-            <a:extLst>
-              <a:ext uri="{FF2B5EF4-FFF2-40B4-BE49-F238E27FC236}">
-                <a16:creationId xmlns:a16="http://schemas.microsoft.com/office/drawing/2014/main" id="{CE0529D3-0EB4-407B-A82A-DA995E894934}"/>
-              </a:ext>
-            </a:extLst>
-          </p:cNvPr>
-          <p:cNvPicPr>
-            <a:picLocks noChangeAspect="1"/>
-          </p:cNvPicPr>
-          <p:nvPr/>
-        </p:nvPicPr>
-        <p:blipFill>
-          <a:blip r:embed="rId2"/>
-          <a:stretch>
-            <a:fillRect/>
-          </a:stretch>
-        </p:blipFill>
-        <p:spPr>
-          <a:xfrm>
-            <a:off x="597267" y="4311041"/>
-            <a:ext cx="480436" cy="480436"/>
-          </a:xfrm>
-          <a:prstGeom prst="rect">
-            <a:avLst/>
-          </a:prstGeom>
-        </p:spPr>
-      </p:pic>
-      <p:pic>
-        <p:nvPicPr>
-          <p:cNvPr id="12" name="Imagen 11" descr="Icono&#10;&#10;Descripción generada automáticamente">
-            <a:extLst>
-              <a:ext uri="{FF2B5EF4-FFF2-40B4-BE49-F238E27FC236}">
-                <a16:creationId xmlns:a16="http://schemas.microsoft.com/office/drawing/2014/main" id="{5559A776-972F-4656-93C0-172A3342ED22}"/>
-              </a:ext>
-            </a:extLst>
-          </p:cNvPr>
-          <p:cNvPicPr>
-            <a:picLocks noChangeAspect="1"/>
-          </p:cNvPicPr>
-          <p:nvPr/>
-        </p:nvPicPr>
-        <p:blipFill>
-          <a:blip r:embed="rId2"/>
-          <a:stretch>
-            <a:fillRect/>
-          </a:stretch>
-        </p:blipFill>
-        <p:spPr>
-          <a:xfrm>
-            <a:off x="2776251" y="3869835"/>
-            <a:ext cx="480436" cy="480436"/>
-          </a:xfrm>
-          <a:prstGeom prst="rect">
-            <a:avLst/>
-          </a:prstGeom>
-        </p:spPr>
-      </p:pic>
-      <p:sp>
-        <p:nvSpPr>
-          <p:cNvPr id="13" name="Rectángulo: esquinas redondeadas 12">
-            <a:extLst>
-              <a:ext uri="{FF2B5EF4-FFF2-40B4-BE49-F238E27FC236}">
-                <a16:creationId xmlns:a16="http://schemas.microsoft.com/office/drawing/2014/main" id="{91099E18-BED3-420E-B0D8-856CF43B982D}"/>
-              </a:ext>
-            </a:extLst>
-          </p:cNvPr>
-          <p:cNvSpPr/>
-          <p:nvPr/>
-        </p:nvSpPr>
-        <p:spPr>
-          <a:xfrm>
-            <a:off x="5409282" y="407365"/>
-            <a:ext cx="859319" cy="4328769"/>
+            <a:off x="3536516" y="1073375"/>
+            <a:ext cx="2070967" cy="372202"/>
           </a:xfrm>
           <a:prstGeom prst="roundRect">
             <a:avLst/>
@@ -4340,7 +3108,7 @@
           </a:fontRef>
         </p:style>
         <p:txBody>
-          <a:bodyPr vert="wordArtVert" rtlCol="0" anchor="ctr"/>
+          <a:bodyPr vert="horz" rtlCol="0" anchor="ctr"/>
           <a:lstStyle/>
           <a:p>
             <a:pPr algn="ctr"/>
@@ -4365,13 +3133,13 @@
         </p:nvSpPr>
         <p:spPr>
           <a:xfrm>
-            <a:off x="6417608" y="2255966"/>
-            <a:ext cx="2539616" cy="584775"/>
+            <a:off x="6269678" y="1068934"/>
+            <a:ext cx="2539616" cy="372202"/>
           </a:xfrm>
           <a:prstGeom prst="wedgeRoundRectCallout">
             <a:avLst>
               <a:gd name="adj1" fmla="val 24919"/>
-              <a:gd name="adj2" fmla="val 85106"/>
+              <a:gd name="adj2" fmla="val 108785"/>
               <a:gd name="adj3" fmla="val 16667"/>
             </a:avLst>
           </a:prstGeom>
@@ -4404,7 +3172,7 @@
           <a:p>
             <a:pPr algn="ctr"/>
             <a:r>
-              <a:rPr lang="es-MX" dirty="0"/>
+              <a:rPr lang="es-MX" sz="1200" dirty="0"/>
               <a:t>Hola, ¿Cómo podemos ayudarte?</a:t>
             </a:r>
           </a:p>
@@ -4416,6 +3184,95 @@
             <a:extLst>
               <a:ext uri="{FF2B5EF4-FFF2-40B4-BE49-F238E27FC236}">
                 <a16:creationId xmlns:a16="http://schemas.microsoft.com/office/drawing/2014/main" id="{73CE978A-8564-4ED2-860C-E26670AC2234}"/>
+              </a:ext>
+            </a:extLst>
+          </p:cNvPr>
+          <p:cNvPicPr>
+            <a:picLocks noChangeAspect="1"/>
+          </p:cNvPicPr>
+          <p:nvPr/>
+        </p:nvPicPr>
+        <p:blipFill>
+          <a:blip r:embed="rId2"/>
+          <a:stretch>
+            <a:fillRect/>
+          </a:stretch>
+        </p:blipFill>
+        <p:spPr>
+          <a:xfrm>
+            <a:off x="8316864" y="1467814"/>
+            <a:ext cx="372202" cy="372202"/>
+          </a:xfrm>
+          <a:prstGeom prst="rect">
+            <a:avLst/>
+          </a:prstGeom>
+        </p:spPr>
+      </p:pic>
+      <p:sp>
+        <p:nvSpPr>
+          <p:cNvPr id="15" name="Bocadillo: rectángulo con esquinas redondeadas 14">
+            <a:extLst>
+              <a:ext uri="{FF2B5EF4-FFF2-40B4-BE49-F238E27FC236}">
+                <a16:creationId xmlns:a16="http://schemas.microsoft.com/office/drawing/2014/main" id="{08C6AAC7-E54A-4EFF-B99C-CAA459BC4C12}"/>
+              </a:ext>
+            </a:extLst>
+          </p:cNvPr>
+          <p:cNvSpPr/>
+          <p:nvPr/>
+        </p:nvSpPr>
+        <p:spPr>
+          <a:xfrm>
+            <a:off x="837485" y="1866262"/>
+            <a:ext cx="2070968" cy="372202"/>
+          </a:xfrm>
+          <a:prstGeom prst="wedgeRoundRectCallout">
+            <a:avLst>
+              <a:gd name="adj1" fmla="val -25388"/>
+              <a:gd name="adj2" fmla="val 91027"/>
+              <a:gd name="adj3" fmla="val 16667"/>
+            </a:avLst>
+          </a:prstGeom>
+          <a:solidFill>
+            <a:srgbClr val="1269B2"/>
+          </a:solidFill>
+          <a:ln>
+            <a:noFill/>
+          </a:ln>
+        </p:spPr>
+        <p:style>
+          <a:lnRef idx="2">
+            <a:schemeClr val="accent1">
+              <a:shade val="50000"/>
+            </a:schemeClr>
+          </a:lnRef>
+          <a:fillRef idx="1">
+            <a:schemeClr val="accent1"/>
+          </a:fillRef>
+          <a:effectRef idx="0">
+            <a:schemeClr val="accent1"/>
+          </a:effectRef>
+          <a:fontRef idx="minor">
+            <a:schemeClr val="lt1"/>
+          </a:fontRef>
+        </p:style>
+        <p:txBody>
+          <a:bodyPr rtlCol="0" anchor="ctr"/>
+          <a:lstStyle/>
+          <a:p>
+            <a:pPr algn="ctr"/>
+            <a:r>
+              <a:rPr lang="es-MX" sz="1200" dirty="0"/>
+              <a:t>Quiero agendar una cita</a:t>
+            </a:r>
+          </a:p>
+        </p:txBody>
+      </p:sp>
+      <p:pic>
+        <p:nvPicPr>
+          <p:cNvPr id="16" name="Imagen 15" descr="Icono&#10;&#10;Descripción generada automáticamente">
+            <a:extLst>
+              <a:ext uri="{FF2B5EF4-FFF2-40B4-BE49-F238E27FC236}">
+                <a16:creationId xmlns:a16="http://schemas.microsoft.com/office/drawing/2014/main" id="{F0E5AD67-FB87-4402-BA5A-A79A62BF3EAE}"/>
               </a:ext>
             </a:extLst>
           </p:cNvPr>
@@ -4432,8 +3289,1114 @@
         </p:blipFill>
         <p:spPr>
           <a:xfrm>
-            <a:off x="8200390" y="3001565"/>
-            <a:ext cx="571500" cy="571500"/>
+            <a:off x="999085" y="2356918"/>
+            <a:ext cx="256693" cy="256693"/>
+          </a:xfrm>
+          <a:prstGeom prst="rect">
+            <a:avLst/>
+          </a:prstGeom>
+        </p:spPr>
+      </p:pic>
+      <p:sp>
+        <p:nvSpPr>
+          <p:cNvPr id="21" name="Bocadillo: rectángulo con esquinas redondeadas 20">
+            <a:extLst>
+              <a:ext uri="{FF2B5EF4-FFF2-40B4-BE49-F238E27FC236}">
+                <a16:creationId xmlns:a16="http://schemas.microsoft.com/office/drawing/2014/main" id="{9D8E6195-7DE3-4266-8B92-80BA9B747335}"/>
+              </a:ext>
+            </a:extLst>
+          </p:cNvPr>
+          <p:cNvSpPr/>
+          <p:nvPr/>
+        </p:nvSpPr>
+        <p:spPr>
+          <a:xfrm>
+            <a:off x="837482" y="2732065"/>
+            <a:ext cx="2070967" cy="372202"/>
+          </a:xfrm>
+          <a:prstGeom prst="wedgeRoundRectCallout">
+            <a:avLst>
+              <a:gd name="adj1" fmla="val -28048"/>
+              <a:gd name="adj2" fmla="val 96947"/>
+              <a:gd name="adj3" fmla="val 16667"/>
+            </a:avLst>
+          </a:prstGeom>
+          <a:solidFill>
+            <a:srgbClr val="1269B2"/>
+          </a:solidFill>
+          <a:ln>
+            <a:noFill/>
+          </a:ln>
+        </p:spPr>
+        <p:style>
+          <a:lnRef idx="2">
+            <a:schemeClr val="accent1">
+              <a:shade val="50000"/>
+            </a:schemeClr>
+          </a:lnRef>
+          <a:fillRef idx="1">
+            <a:schemeClr val="accent1"/>
+          </a:fillRef>
+          <a:effectRef idx="0">
+            <a:schemeClr val="accent1"/>
+          </a:effectRef>
+          <a:fontRef idx="minor">
+            <a:schemeClr val="lt1"/>
+          </a:fontRef>
+        </p:style>
+        <p:txBody>
+          <a:bodyPr rtlCol="0" anchor="ctr"/>
+          <a:lstStyle/>
+          <a:p>
+            <a:pPr algn="ctr"/>
+            <a:r>
+              <a:rPr lang="es-MX" sz="1200" dirty="0"/>
+              <a:t>Me gustaría ordenar . . .</a:t>
+            </a:r>
+          </a:p>
+        </p:txBody>
+      </p:sp>
+      <p:pic>
+        <p:nvPicPr>
+          <p:cNvPr id="22" name="Imagen 21" descr="Icono&#10;&#10;Descripción generada automáticamente">
+            <a:extLst>
+              <a:ext uri="{FF2B5EF4-FFF2-40B4-BE49-F238E27FC236}">
+                <a16:creationId xmlns:a16="http://schemas.microsoft.com/office/drawing/2014/main" id="{529FA60A-B936-476C-8AE7-0DA9DC72867B}"/>
+              </a:ext>
+            </a:extLst>
+          </p:cNvPr>
+          <p:cNvPicPr>
+            <a:picLocks noChangeAspect="1"/>
+          </p:cNvPicPr>
+          <p:nvPr/>
+        </p:nvPicPr>
+        <p:blipFill>
+          <a:blip r:embed="rId3"/>
+          <a:stretch>
+            <a:fillRect/>
+          </a:stretch>
+        </p:blipFill>
+        <p:spPr>
+          <a:xfrm>
+            <a:off x="999083" y="3250479"/>
+            <a:ext cx="256693" cy="256693"/>
+          </a:xfrm>
+          <a:prstGeom prst="rect">
+            <a:avLst/>
+          </a:prstGeom>
+        </p:spPr>
+      </p:pic>
+      <p:sp>
+        <p:nvSpPr>
+          <p:cNvPr id="23" name="Bocadillo: rectángulo con esquinas redondeadas 22">
+            <a:extLst>
+              <a:ext uri="{FF2B5EF4-FFF2-40B4-BE49-F238E27FC236}">
+                <a16:creationId xmlns:a16="http://schemas.microsoft.com/office/drawing/2014/main" id="{C75BAC2A-3382-4A76-A7BA-93B709FD50C1}"/>
+              </a:ext>
+            </a:extLst>
+          </p:cNvPr>
+          <p:cNvSpPr/>
+          <p:nvPr/>
+        </p:nvSpPr>
+        <p:spPr>
+          <a:xfrm>
+            <a:off x="837482" y="3597868"/>
+            <a:ext cx="2070968" cy="372202"/>
+          </a:xfrm>
+          <a:prstGeom prst="wedgeRoundRectCallout">
+            <a:avLst>
+              <a:gd name="adj1" fmla="val -25388"/>
+              <a:gd name="adj2" fmla="val 91027"/>
+              <a:gd name="adj3" fmla="val 16667"/>
+            </a:avLst>
+          </a:prstGeom>
+          <a:solidFill>
+            <a:srgbClr val="1269B2"/>
+          </a:solidFill>
+          <a:ln>
+            <a:noFill/>
+          </a:ln>
+        </p:spPr>
+        <p:style>
+          <a:lnRef idx="2">
+            <a:schemeClr val="accent1">
+              <a:shade val="50000"/>
+            </a:schemeClr>
+          </a:lnRef>
+          <a:fillRef idx="1">
+            <a:schemeClr val="accent1"/>
+          </a:fillRef>
+          <a:effectRef idx="0">
+            <a:schemeClr val="accent1"/>
+          </a:effectRef>
+          <a:fontRef idx="minor">
+            <a:schemeClr val="lt1"/>
+          </a:fontRef>
+        </p:style>
+        <p:txBody>
+          <a:bodyPr rtlCol="0" anchor="ctr"/>
+          <a:lstStyle/>
+          <a:p>
+            <a:pPr algn="ctr"/>
+            <a:r>
+              <a:rPr lang="es-MX" sz="1200" dirty="0"/>
+              <a:t>¿cuáles son sus horarios?</a:t>
+            </a:r>
+          </a:p>
+        </p:txBody>
+      </p:sp>
+      <p:pic>
+        <p:nvPicPr>
+          <p:cNvPr id="24" name="Imagen 23" descr="Icono&#10;&#10;Descripción generada automáticamente">
+            <a:extLst>
+              <a:ext uri="{FF2B5EF4-FFF2-40B4-BE49-F238E27FC236}">
+                <a16:creationId xmlns:a16="http://schemas.microsoft.com/office/drawing/2014/main" id="{46DB56FD-154B-480A-912A-0645A7D9C7E7}"/>
+              </a:ext>
+            </a:extLst>
+          </p:cNvPr>
+          <p:cNvPicPr>
+            <a:picLocks noChangeAspect="1"/>
+          </p:cNvPicPr>
+          <p:nvPr/>
+        </p:nvPicPr>
+        <p:blipFill>
+          <a:blip r:embed="rId3"/>
+          <a:stretch>
+            <a:fillRect/>
+          </a:stretch>
+        </p:blipFill>
+        <p:spPr>
+          <a:xfrm>
+            <a:off x="999083" y="4074566"/>
+            <a:ext cx="256693" cy="256693"/>
+          </a:xfrm>
+          <a:prstGeom prst="rect">
+            <a:avLst/>
+          </a:prstGeom>
+        </p:spPr>
+      </p:pic>
+      <p:sp>
+        <p:nvSpPr>
+          <p:cNvPr id="27" name="Rectángulo: esquinas redondeadas 26">
+            <a:extLst>
+              <a:ext uri="{FF2B5EF4-FFF2-40B4-BE49-F238E27FC236}">
+                <a16:creationId xmlns:a16="http://schemas.microsoft.com/office/drawing/2014/main" id="{701741D0-E89D-4196-B3CA-8CAD05DA7860}"/>
+              </a:ext>
+            </a:extLst>
+          </p:cNvPr>
+          <p:cNvSpPr/>
+          <p:nvPr/>
+        </p:nvSpPr>
+        <p:spPr>
+          <a:xfrm>
+            <a:off x="3536517" y="1846625"/>
+            <a:ext cx="2070967" cy="372202"/>
+          </a:xfrm>
+          <a:prstGeom prst="roundRect">
+            <a:avLst/>
+          </a:prstGeom>
+          <a:solidFill>
+            <a:srgbClr val="1269B2"/>
+          </a:solidFill>
+          <a:ln>
+            <a:solidFill>
+              <a:schemeClr val="bg1"/>
+            </a:solidFill>
+          </a:ln>
+        </p:spPr>
+        <p:style>
+          <a:lnRef idx="2">
+            <a:schemeClr val="accent1">
+              <a:shade val="50000"/>
+            </a:schemeClr>
+          </a:lnRef>
+          <a:fillRef idx="1">
+            <a:schemeClr val="accent1"/>
+          </a:fillRef>
+          <a:effectRef idx="0">
+            <a:schemeClr val="accent1"/>
+          </a:effectRef>
+          <a:fontRef idx="minor">
+            <a:schemeClr val="lt1"/>
+          </a:fontRef>
+        </p:style>
+        <p:txBody>
+          <a:bodyPr vert="horz" rtlCol="0" anchor="ctr"/>
+          <a:lstStyle/>
+          <a:p>
+            <a:pPr algn="ctr"/>
+            <a:r>
+              <a:rPr lang="es-MX" dirty="0"/>
+              <a:t>CITAS</a:t>
+            </a:r>
+          </a:p>
+        </p:txBody>
+      </p:sp>
+      <p:sp>
+        <p:nvSpPr>
+          <p:cNvPr id="29" name="Rectángulo: esquinas redondeadas 28">
+            <a:extLst>
+              <a:ext uri="{FF2B5EF4-FFF2-40B4-BE49-F238E27FC236}">
+                <a16:creationId xmlns:a16="http://schemas.microsoft.com/office/drawing/2014/main" id="{0A187BAD-8DA7-4726-9236-BBB46CA66B74}"/>
+              </a:ext>
+            </a:extLst>
+          </p:cNvPr>
+          <p:cNvSpPr/>
+          <p:nvPr/>
+        </p:nvSpPr>
+        <p:spPr>
+          <a:xfrm>
+            <a:off x="3536516" y="2719890"/>
+            <a:ext cx="2070967" cy="372202"/>
+          </a:xfrm>
+          <a:prstGeom prst="roundRect">
+            <a:avLst/>
+          </a:prstGeom>
+          <a:solidFill>
+            <a:srgbClr val="1269B2"/>
+          </a:solidFill>
+          <a:ln>
+            <a:solidFill>
+              <a:schemeClr val="bg1"/>
+            </a:solidFill>
+          </a:ln>
+        </p:spPr>
+        <p:style>
+          <a:lnRef idx="2">
+            <a:schemeClr val="accent1">
+              <a:shade val="50000"/>
+            </a:schemeClr>
+          </a:lnRef>
+          <a:fillRef idx="1">
+            <a:schemeClr val="accent1"/>
+          </a:fillRef>
+          <a:effectRef idx="0">
+            <a:schemeClr val="accent1"/>
+          </a:effectRef>
+          <a:fontRef idx="minor">
+            <a:schemeClr val="lt1"/>
+          </a:fontRef>
+        </p:style>
+        <p:txBody>
+          <a:bodyPr vert="horz" rtlCol="0" anchor="ctr"/>
+          <a:lstStyle/>
+          <a:p>
+            <a:pPr algn="ctr"/>
+            <a:r>
+              <a:rPr lang="es-MX" dirty="0"/>
+              <a:t>ORDEN</a:t>
+            </a:r>
+          </a:p>
+        </p:txBody>
+      </p:sp>
+      <p:sp>
+        <p:nvSpPr>
+          <p:cNvPr id="30" name="Rectángulo: esquinas redondeadas 29">
+            <a:extLst>
+              <a:ext uri="{FF2B5EF4-FFF2-40B4-BE49-F238E27FC236}">
+                <a16:creationId xmlns:a16="http://schemas.microsoft.com/office/drawing/2014/main" id="{8C7AAB3B-819D-4286-9A70-8054AEC96BB8}"/>
+              </a:ext>
+            </a:extLst>
+          </p:cNvPr>
+          <p:cNvSpPr/>
+          <p:nvPr/>
+        </p:nvSpPr>
+        <p:spPr>
+          <a:xfrm>
+            <a:off x="3536518" y="3593155"/>
+            <a:ext cx="2070967" cy="372202"/>
+          </a:xfrm>
+          <a:prstGeom prst="roundRect">
+            <a:avLst/>
+          </a:prstGeom>
+          <a:solidFill>
+            <a:srgbClr val="1269B2"/>
+          </a:solidFill>
+          <a:ln>
+            <a:solidFill>
+              <a:schemeClr val="bg1"/>
+            </a:solidFill>
+          </a:ln>
+        </p:spPr>
+        <p:style>
+          <a:lnRef idx="2">
+            <a:schemeClr val="accent1">
+              <a:shade val="50000"/>
+            </a:schemeClr>
+          </a:lnRef>
+          <a:fillRef idx="1">
+            <a:schemeClr val="accent1"/>
+          </a:fillRef>
+          <a:effectRef idx="0">
+            <a:schemeClr val="accent1"/>
+          </a:effectRef>
+          <a:fontRef idx="minor">
+            <a:schemeClr val="lt1"/>
+          </a:fontRef>
+        </p:style>
+        <p:txBody>
+          <a:bodyPr vert="horz" rtlCol="0" anchor="ctr"/>
+          <a:lstStyle/>
+          <a:p>
+            <a:pPr algn="ctr"/>
+            <a:r>
+              <a:rPr lang="es-MX" dirty="0"/>
+              <a:t>HORARIOS</a:t>
+            </a:r>
+          </a:p>
+        </p:txBody>
+      </p:sp>
+      <p:sp>
+        <p:nvSpPr>
+          <p:cNvPr id="31" name="Bocadillo: rectángulo con esquinas redondeadas 30">
+            <a:extLst>
+              <a:ext uri="{FF2B5EF4-FFF2-40B4-BE49-F238E27FC236}">
+                <a16:creationId xmlns:a16="http://schemas.microsoft.com/office/drawing/2014/main" id="{316DC84A-C9C4-410B-AA07-FA72CBB34128}"/>
+              </a:ext>
+            </a:extLst>
+          </p:cNvPr>
+          <p:cNvSpPr/>
+          <p:nvPr/>
+        </p:nvSpPr>
+        <p:spPr>
+          <a:xfrm>
+            <a:off x="6235547" y="1866695"/>
+            <a:ext cx="2539616" cy="372202"/>
+          </a:xfrm>
+          <a:prstGeom prst="wedgeRoundRectCallout">
+            <a:avLst>
+              <a:gd name="adj1" fmla="val 24919"/>
+              <a:gd name="adj2" fmla="val 108785"/>
+              <a:gd name="adj3" fmla="val 16667"/>
+            </a:avLst>
+          </a:prstGeom>
+          <a:solidFill>
+            <a:srgbClr val="1269B2"/>
+          </a:solidFill>
+          <a:ln>
+            <a:noFill/>
+          </a:ln>
+        </p:spPr>
+        <p:style>
+          <a:lnRef idx="2">
+            <a:schemeClr val="accent1">
+              <a:shade val="50000"/>
+            </a:schemeClr>
+          </a:lnRef>
+          <a:fillRef idx="1">
+            <a:schemeClr val="accent1"/>
+          </a:fillRef>
+          <a:effectRef idx="0">
+            <a:schemeClr val="accent1"/>
+          </a:effectRef>
+          <a:fontRef idx="minor">
+            <a:schemeClr val="lt1"/>
+          </a:fontRef>
+        </p:style>
+        <p:txBody>
+          <a:bodyPr rtlCol="0" anchor="ctr"/>
+          <a:lstStyle/>
+          <a:p>
+            <a:pPr algn="ctr"/>
+            <a:r>
+              <a:rPr lang="es-MX" sz="1200" dirty="0"/>
+              <a:t>Claro, para agendar . . .</a:t>
+            </a:r>
+          </a:p>
+        </p:txBody>
+      </p:sp>
+      <p:pic>
+        <p:nvPicPr>
+          <p:cNvPr id="32" name="Imagen 31" descr="Icono&#10;&#10;Descripción generada automáticamente">
+            <a:extLst>
+              <a:ext uri="{FF2B5EF4-FFF2-40B4-BE49-F238E27FC236}">
+                <a16:creationId xmlns:a16="http://schemas.microsoft.com/office/drawing/2014/main" id="{581DDFBA-AC82-411E-9D11-E8AAC37521A9}"/>
+              </a:ext>
+            </a:extLst>
+          </p:cNvPr>
+          <p:cNvPicPr>
+            <a:picLocks noChangeAspect="1"/>
+          </p:cNvPicPr>
+          <p:nvPr/>
+        </p:nvPicPr>
+        <p:blipFill>
+          <a:blip r:embed="rId2"/>
+          <a:stretch>
+            <a:fillRect/>
+          </a:stretch>
+        </p:blipFill>
+        <p:spPr>
+          <a:xfrm>
+            <a:off x="8316864" y="2284607"/>
+            <a:ext cx="372202" cy="372202"/>
+          </a:xfrm>
+          <a:prstGeom prst="rect">
+            <a:avLst/>
+          </a:prstGeom>
+        </p:spPr>
+      </p:pic>
+      <p:sp>
+        <p:nvSpPr>
+          <p:cNvPr id="33" name="Bocadillo: rectángulo con esquinas redondeadas 32">
+            <a:extLst>
+              <a:ext uri="{FF2B5EF4-FFF2-40B4-BE49-F238E27FC236}">
+                <a16:creationId xmlns:a16="http://schemas.microsoft.com/office/drawing/2014/main" id="{C4A03EBD-4814-4F39-8F39-38C734994F86}"/>
+              </a:ext>
+            </a:extLst>
+          </p:cNvPr>
+          <p:cNvSpPr/>
+          <p:nvPr/>
+        </p:nvSpPr>
+        <p:spPr>
+          <a:xfrm>
+            <a:off x="6267781" y="2702520"/>
+            <a:ext cx="2539616" cy="372202"/>
+          </a:xfrm>
+          <a:prstGeom prst="wedgeRoundRectCallout">
+            <a:avLst>
+              <a:gd name="adj1" fmla="val 24919"/>
+              <a:gd name="adj2" fmla="val 108785"/>
+              <a:gd name="adj3" fmla="val 16667"/>
+            </a:avLst>
+          </a:prstGeom>
+          <a:solidFill>
+            <a:srgbClr val="1269B2"/>
+          </a:solidFill>
+          <a:ln>
+            <a:noFill/>
+          </a:ln>
+        </p:spPr>
+        <p:style>
+          <a:lnRef idx="2">
+            <a:schemeClr val="accent1">
+              <a:shade val="50000"/>
+            </a:schemeClr>
+          </a:lnRef>
+          <a:fillRef idx="1">
+            <a:schemeClr val="accent1"/>
+          </a:fillRef>
+          <a:effectRef idx="0">
+            <a:schemeClr val="accent1"/>
+          </a:effectRef>
+          <a:fontRef idx="minor">
+            <a:schemeClr val="lt1"/>
+          </a:fontRef>
+        </p:style>
+        <p:txBody>
+          <a:bodyPr rtlCol="0" anchor="ctr"/>
+          <a:lstStyle/>
+          <a:p>
+            <a:pPr algn="ctr"/>
+            <a:r>
+              <a:rPr lang="es-MX" sz="1200" dirty="0"/>
+              <a:t>¿qué te gustaría . . .</a:t>
+            </a:r>
+          </a:p>
+        </p:txBody>
+      </p:sp>
+      <p:pic>
+        <p:nvPicPr>
+          <p:cNvPr id="34" name="Imagen 33" descr="Icono&#10;&#10;Descripción generada automáticamente">
+            <a:extLst>
+              <a:ext uri="{FF2B5EF4-FFF2-40B4-BE49-F238E27FC236}">
+                <a16:creationId xmlns:a16="http://schemas.microsoft.com/office/drawing/2014/main" id="{F84E4226-D339-4129-8777-1968716BCE58}"/>
+              </a:ext>
+            </a:extLst>
+          </p:cNvPr>
+          <p:cNvPicPr>
+            <a:picLocks noChangeAspect="1"/>
+          </p:cNvPicPr>
+          <p:nvPr/>
+        </p:nvPicPr>
+        <p:blipFill>
+          <a:blip r:embed="rId2"/>
+          <a:stretch>
+            <a:fillRect/>
+          </a:stretch>
+        </p:blipFill>
+        <p:spPr>
+          <a:xfrm>
+            <a:off x="8316864" y="3152931"/>
+            <a:ext cx="372202" cy="372202"/>
+          </a:xfrm>
+          <a:prstGeom prst="rect">
+            <a:avLst/>
+          </a:prstGeom>
+        </p:spPr>
+      </p:pic>
+      <p:sp>
+        <p:nvSpPr>
+          <p:cNvPr id="35" name="Bocadillo: rectángulo con esquinas redondeadas 34">
+            <a:extLst>
+              <a:ext uri="{FF2B5EF4-FFF2-40B4-BE49-F238E27FC236}">
+                <a16:creationId xmlns:a16="http://schemas.microsoft.com/office/drawing/2014/main" id="{2CA2A8A3-9B2E-4799-86BF-FE643588C011}"/>
+              </a:ext>
+            </a:extLst>
+          </p:cNvPr>
+          <p:cNvSpPr/>
+          <p:nvPr/>
+        </p:nvSpPr>
+        <p:spPr>
+          <a:xfrm>
+            <a:off x="6269678" y="3607283"/>
+            <a:ext cx="2539616" cy="372202"/>
+          </a:xfrm>
+          <a:prstGeom prst="wedgeRoundRectCallout">
+            <a:avLst>
+              <a:gd name="adj1" fmla="val 24919"/>
+              <a:gd name="adj2" fmla="val 108785"/>
+              <a:gd name="adj3" fmla="val 16667"/>
+            </a:avLst>
+          </a:prstGeom>
+          <a:solidFill>
+            <a:srgbClr val="1269B2"/>
+          </a:solidFill>
+          <a:ln>
+            <a:noFill/>
+          </a:ln>
+        </p:spPr>
+        <p:style>
+          <a:lnRef idx="2">
+            <a:schemeClr val="accent1">
+              <a:shade val="50000"/>
+            </a:schemeClr>
+          </a:lnRef>
+          <a:fillRef idx="1">
+            <a:schemeClr val="accent1"/>
+          </a:fillRef>
+          <a:effectRef idx="0">
+            <a:schemeClr val="accent1"/>
+          </a:effectRef>
+          <a:fontRef idx="minor">
+            <a:schemeClr val="lt1"/>
+          </a:fontRef>
+        </p:style>
+        <p:txBody>
+          <a:bodyPr rtlCol="0" anchor="ctr"/>
+          <a:lstStyle/>
+          <a:p>
+            <a:pPr algn="ctr"/>
+            <a:r>
+              <a:rPr lang="es-MX" sz="1200" dirty="0"/>
+              <a:t>Conoce nuestros horarios . . .</a:t>
+            </a:r>
+          </a:p>
+        </p:txBody>
+      </p:sp>
+      <p:pic>
+        <p:nvPicPr>
+          <p:cNvPr id="36" name="Imagen 35" descr="Icono&#10;&#10;Descripción generada automáticamente">
+            <a:extLst>
+              <a:ext uri="{FF2B5EF4-FFF2-40B4-BE49-F238E27FC236}">
+                <a16:creationId xmlns:a16="http://schemas.microsoft.com/office/drawing/2014/main" id="{CB2F975D-80CD-46B1-AE6E-5CB9A2C7153B}"/>
+              </a:ext>
+            </a:extLst>
+          </p:cNvPr>
+          <p:cNvPicPr>
+            <a:picLocks noChangeAspect="1"/>
+          </p:cNvPicPr>
+          <p:nvPr/>
+        </p:nvPicPr>
+        <p:blipFill>
+          <a:blip r:embed="rId2"/>
+          <a:stretch>
+            <a:fillRect/>
+          </a:stretch>
+        </p:blipFill>
+        <p:spPr>
+          <a:xfrm>
+            <a:off x="8316864" y="4061635"/>
+            <a:ext cx="372202" cy="372202"/>
+          </a:xfrm>
+          <a:prstGeom prst="rect">
+            <a:avLst/>
+          </a:prstGeom>
+        </p:spPr>
+      </p:pic>
+      <p:cxnSp>
+        <p:nvCxnSpPr>
+          <p:cNvPr id="14" name="Conector recto de flecha 13">
+            <a:extLst>
+              <a:ext uri="{FF2B5EF4-FFF2-40B4-BE49-F238E27FC236}">
+                <a16:creationId xmlns:a16="http://schemas.microsoft.com/office/drawing/2014/main" id="{5D1E2694-E4B8-4890-BC70-B9AB6C7339FF}"/>
+              </a:ext>
+            </a:extLst>
+          </p:cNvPr>
+          <p:cNvCxnSpPr>
+            <a:cxnSpLocks/>
+          </p:cNvCxnSpPr>
+          <p:nvPr/>
+        </p:nvCxnSpPr>
+        <p:spPr>
+          <a:xfrm>
+            <a:off x="3040655" y="1299990"/>
+            <a:ext cx="495861" cy="0"/>
+          </a:xfrm>
+          <a:prstGeom prst="straightConnector1">
+            <a:avLst/>
+          </a:prstGeom>
+          <a:ln w="19050">
+            <a:solidFill>
+              <a:srgbClr val="1269B2"/>
+            </a:solidFill>
+            <a:prstDash val="sysDash"/>
+            <a:tailEnd type="triangle"/>
+          </a:ln>
+        </p:spPr>
+        <p:style>
+          <a:lnRef idx="1">
+            <a:schemeClr val="accent1"/>
+          </a:lnRef>
+          <a:fillRef idx="0">
+            <a:schemeClr val="accent1"/>
+          </a:fillRef>
+          <a:effectRef idx="0">
+            <a:schemeClr val="accent1"/>
+          </a:effectRef>
+          <a:fontRef idx="minor">
+            <a:schemeClr val="tx1"/>
+          </a:fontRef>
+        </p:style>
+      </p:cxnSp>
+      <p:cxnSp>
+        <p:nvCxnSpPr>
+          <p:cNvPr id="37" name="Conector recto de flecha 36">
+            <a:extLst>
+              <a:ext uri="{FF2B5EF4-FFF2-40B4-BE49-F238E27FC236}">
+                <a16:creationId xmlns:a16="http://schemas.microsoft.com/office/drawing/2014/main" id="{579F9B03-63AA-46EB-A300-2946F0AADC14}"/>
+              </a:ext>
+            </a:extLst>
+          </p:cNvPr>
+          <p:cNvCxnSpPr>
+            <a:cxnSpLocks/>
+          </p:cNvCxnSpPr>
+          <p:nvPr/>
+        </p:nvCxnSpPr>
+        <p:spPr>
+          <a:xfrm>
+            <a:off x="3040655" y="3798983"/>
+            <a:ext cx="495861" cy="0"/>
+          </a:xfrm>
+          <a:prstGeom prst="straightConnector1">
+            <a:avLst/>
+          </a:prstGeom>
+          <a:ln w="19050">
+            <a:solidFill>
+              <a:srgbClr val="1269B2"/>
+            </a:solidFill>
+            <a:prstDash val="sysDash"/>
+            <a:tailEnd type="triangle"/>
+          </a:ln>
+        </p:spPr>
+        <p:style>
+          <a:lnRef idx="1">
+            <a:schemeClr val="accent1"/>
+          </a:lnRef>
+          <a:fillRef idx="0">
+            <a:schemeClr val="accent1"/>
+          </a:fillRef>
+          <a:effectRef idx="0">
+            <a:schemeClr val="accent1"/>
+          </a:effectRef>
+          <a:fontRef idx="minor">
+            <a:schemeClr val="tx1"/>
+          </a:fontRef>
+        </p:style>
+      </p:cxnSp>
+      <p:cxnSp>
+        <p:nvCxnSpPr>
+          <p:cNvPr id="38" name="Conector recto de flecha 37">
+            <a:extLst>
+              <a:ext uri="{FF2B5EF4-FFF2-40B4-BE49-F238E27FC236}">
+                <a16:creationId xmlns:a16="http://schemas.microsoft.com/office/drawing/2014/main" id="{0D48278C-D7FB-4D7C-AEF2-B8582FD0B4D9}"/>
+              </a:ext>
+            </a:extLst>
+          </p:cNvPr>
+          <p:cNvCxnSpPr>
+            <a:cxnSpLocks/>
+          </p:cNvCxnSpPr>
+          <p:nvPr/>
+        </p:nvCxnSpPr>
+        <p:spPr>
+          <a:xfrm>
+            <a:off x="3040655" y="2078515"/>
+            <a:ext cx="495861" cy="0"/>
+          </a:xfrm>
+          <a:prstGeom prst="straightConnector1">
+            <a:avLst/>
+          </a:prstGeom>
+          <a:ln w="19050">
+            <a:solidFill>
+              <a:srgbClr val="1269B2"/>
+            </a:solidFill>
+            <a:prstDash val="sysDash"/>
+            <a:tailEnd type="triangle"/>
+          </a:ln>
+        </p:spPr>
+        <p:style>
+          <a:lnRef idx="1">
+            <a:schemeClr val="accent1"/>
+          </a:lnRef>
+          <a:fillRef idx="0">
+            <a:schemeClr val="accent1"/>
+          </a:fillRef>
+          <a:effectRef idx="0">
+            <a:schemeClr val="accent1"/>
+          </a:effectRef>
+          <a:fontRef idx="minor">
+            <a:schemeClr val="tx1"/>
+          </a:fontRef>
+        </p:style>
+      </p:cxnSp>
+      <p:cxnSp>
+        <p:nvCxnSpPr>
+          <p:cNvPr id="39" name="Conector recto de flecha 38">
+            <a:extLst>
+              <a:ext uri="{FF2B5EF4-FFF2-40B4-BE49-F238E27FC236}">
+                <a16:creationId xmlns:a16="http://schemas.microsoft.com/office/drawing/2014/main" id="{222DAAF2-C507-4073-9F16-155EA4AECBF7}"/>
+              </a:ext>
+            </a:extLst>
+          </p:cNvPr>
+          <p:cNvCxnSpPr>
+            <a:cxnSpLocks/>
+          </p:cNvCxnSpPr>
+          <p:nvPr/>
+        </p:nvCxnSpPr>
+        <p:spPr>
+          <a:xfrm>
+            <a:off x="3040655" y="2947012"/>
+            <a:ext cx="495861" cy="0"/>
+          </a:xfrm>
+          <a:prstGeom prst="straightConnector1">
+            <a:avLst/>
+          </a:prstGeom>
+          <a:ln w="19050">
+            <a:solidFill>
+              <a:srgbClr val="1269B2"/>
+            </a:solidFill>
+            <a:prstDash val="sysDash"/>
+            <a:tailEnd type="triangle"/>
+          </a:ln>
+        </p:spPr>
+        <p:style>
+          <a:lnRef idx="1">
+            <a:schemeClr val="accent1"/>
+          </a:lnRef>
+          <a:fillRef idx="0">
+            <a:schemeClr val="accent1"/>
+          </a:fillRef>
+          <a:effectRef idx="0">
+            <a:schemeClr val="accent1"/>
+          </a:effectRef>
+          <a:fontRef idx="minor">
+            <a:schemeClr val="tx1"/>
+          </a:fontRef>
+        </p:style>
+      </p:cxnSp>
+      <p:cxnSp>
+        <p:nvCxnSpPr>
+          <p:cNvPr id="40" name="Conector recto de flecha 39">
+            <a:extLst>
+              <a:ext uri="{FF2B5EF4-FFF2-40B4-BE49-F238E27FC236}">
+                <a16:creationId xmlns:a16="http://schemas.microsoft.com/office/drawing/2014/main" id="{674ED442-63DD-458A-B20F-6ECCC7C8F5F4}"/>
+              </a:ext>
+            </a:extLst>
+          </p:cNvPr>
+          <p:cNvCxnSpPr>
+            <a:cxnSpLocks/>
+          </p:cNvCxnSpPr>
+          <p:nvPr/>
+        </p:nvCxnSpPr>
+        <p:spPr>
+          <a:xfrm>
+            <a:off x="5607483" y="1274284"/>
+            <a:ext cx="527077" cy="0"/>
+          </a:xfrm>
+          <a:prstGeom prst="straightConnector1">
+            <a:avLst/>
+          </a:prstGeom>
+          <a:ln w="19050">
+            <a:solidFill>
+              <a:srgbClr val="1269B2"/>
+            </a:solidFill>
+            <a:prstDash val="sysDash"/>
+            <a:tailEnd type="triangle"/>
+          </a:ln>
+        </p:spPr>
+        <p:style>
+          <a:lnRef idx="1">
+            <a:schemeClr val="accent1"/>
+          </a:lnRef>
+          <a:fillRef idx="0">
+            <a:schemeClr val="accent1"/>
+          </a:fillRef>
+          <a:effectRef idx="0">
+            <a:schemeClr val="accent1"/>
+          </a:effectRef>
+          <a:fontRef idx="minor">
+            <a:schemeClr val="tx1"/>
+          </a:fontRef>
+        </p:style>
+      </p:cxnSp>
+      <p:cxnSp>
+        <p:nvCxnSpPr>
+          <p:cNvPr id="41" name="Conector recto de flecha 40">
+            <a:extLst>
+              <a:ext uri="{FF2B5EF4-FFF2-40B4-BE49-F238E27FC236}">
+                <a16:creationId xmlns:a16="http://schemas.microsoft.com/office/drawing/2014/main" id="{E6571557-DCDC-461C-99B4-57BD8F5B478F}"/>
+              </a:ext>
+            </a:extLst>
+          </p:cNvPr>
+          <p:cNvCxnSpPr>
+            <a:cxnSpLocks/>
+          </p:cNvCxnSpPr>
+          <p:nvPr/>
+        </p:nvCxnSpPr>
+        <p:spPr>
+          <a:xfrm>
+            <a:off x="5607483" y="3773277"/>
+            <a:ext cx="527077" cy="0"/>
+          </a:xfrm>
+          <a:prstGeom prst="straightConnector1">
+            <a:avLst/>
+          </a:prstGeom>
+          <a:ln w="19050">
+            <a:solidFill>
+              <a:srgbClr val="1269B2"/>
+            </a:solidFill>
+            <a:prstDash val="sysDash"/>
+            <a:tailEnd type="triangle"/>
+          </a:ln>
+        </p:spPr>
+        <p:style>
+          <a:lnRef idx="1">
+            <a:schemeClr val="accent1"/>
+          </a:lnRef>
+          <a:fillRef idx="0">
+            <a:schemeClr val="accent1"/>
+          </a:fillRef>
+          <a:effectRef idx="0">
+            <a:schemeClr val="accent1"/>
+          </a:effectRef>
+          <a:fontRef idx="minor">
+            <a:schemeClr val="tx1"/>
+          </a:fontRef>
+        </p:style>
+      </p:cxnSp>
+      <p:cxnSp>
+        <p:nvCxnSpPr>
+          <p:cNvPr id="42" name="Conector recto de flecha 41">
+            <a:extLst>
+              <a:ext uri="{FF2B5EF4-FFF2-40B4-BE49-F238E27FC236}">
+                <a16:creationId xmlns:a16="http://schemas.microsoft.com/office/drawing/2014/main" id="{700583FC-4AFF-4573-8D17-7206382F4113}"/>
+              </a:ext>
+            </a:extLst>
+          </p:cNvPr>
+          <p:cNvCxnSpPr>
+            <a:cxnSpLocks/>
+          </p:cNvCxnSpPr>
+          <p:nvPr/>
+        </p:nvCxnSpPr>
+        <p:spPr>
+          <a:xfrm>
+            <a:off x="5607483" y="2052809"/>
+            <a:ext cx="527077" cy="0"/>
+          </a:xfrm>
+          <a:prstGeom prst="straightConnector1">
+            <a:avLst/>
+          </a:prstGeom>
+          <a:ln w="19050">
+            <a:solidFill>
+              <a:srgbClr val="1269B2"/>
+            </a:solidFill>
+            <a:prstDash val="sysDash"/>
+            <a:tailEnd type="triangle"/>
+          </a:ln>
+        </p:spPr>
+        <p:style>
+          <a:lnRef idx="1">
+            <a:schemeClr val="accent1"/>
+          </a:lnRef>
+          <a:fillRef idx="0">
+            <a:schemeClr val="accent1"/>
+          </a:fillRef>
+          <a:effectRef idx="0">
+            <a:schemeClr val="accent1"/>
+          </a:effectRef>
+          <a:fontRef idx="minor">
+            <a:schemeClr val="tx1"/>
+          </a:fontRef>
+        </p:style>
+      </p:cxnSp>
+      <p:cxnSp>
+        <p:nvCxnSpPr>
+          <p:cNvPr id="43" name="Conector recto de flecha 42">
+            <a:extLst>
+              <a:ext uri="{FF2B5EF4-FFF2-40B4-BE49-F238E27FC236}">
+                <a16:creationId xmlns:a16="http://schemas.microsoft.com/office/drawing/2014/main" id="{9AA7EB69-44EC-437A-B9FC-4FF312237C3C}"/>
+              </a:ext>
+            </a:extLst>
+          </p:cNvPr>
+          <p:cNvCxnSpPr>
+            <a:cxnSpLocks/>
+          </p:cNvCxnSpPr>
+          <p:nvPr/>
+        </p:nvCxnSpPr>
+        <p:spPr>
+          <a:xfrm>
+            <a:off x="5607483" y="2921306"/>
+            <a:ext cx="527077" cy="0"/>
+          </a:xfrm>
+          <a:prstGeom prst="straightConnector1">
+            <a:avLst/>
+          </a:prstGeom>
+          <a:ln w="19050">
+            <a:solidFill>
+              <a:srgbClr val="1269B2"/>
+            </a:solidFill>
+            <a:prstDash val="sysDash"/>
+            <a:tailEnd type="triangle"/>
+          </a:ln>
+        </p:spPr>
+        <p:style>
+          <a:lnRef idx="1">
+            <a:schemeClr val="accent1"/>
+          </a:lnRef>
+          <a:fillRef idx="0">
+            <a:schemeClr val="accent1"/>
+          </a:fillRef>
+          <a:effectRef idx="0">
+            <a:schemeClr val="accent1"/>
+          </a:effectRef>
+          <a:fontRef idx="minor">
+            <a:schemeClr val="tx1"/>
+          </a:fontRef>
+        </p:style>
+      </p:cxnSp>
+      <p:sp>
+        <p:nvSpPr>
+          <p:cNvPr id="56" name="CuadroTexto 55">
+            <a:extLst>
+              <a:ext uri="{FF2B5EF4-FFF2-40B4-BE49-F238E27FC236}">
+                <a16:creationId xmlns:a16="http://schemas.microsoft.com/office/drawing/2014/main" id="{3C97B68F-69EB-4523-8A93-A312CDA5E9B0}"/>
+              </a:ext>
+            </a:extLst>
+          </p:cNvPr>
+          <p:cNvSpPr txBox="1"/>
+          <p:nvPr/>
+        </p:nvSpPr>
+        <p:spPr>
+          <a:xfrm>
+            <a:off x="177747" y="4572785"/>
+            <a:ext cx="8629650" cy="461665"/>
+          </a:xfrm>
+          <a:prstGeom prst="rect">
+            <a:avLst/>
+          </a:prstGeom>
+          <a:noFill/>
+        </p:spPr>
+        <p:txBody>
+          <a:bodyPr wrap="square">
+            <a:spAutoFit/>
+          </a:bodyPr>
+          <a:lstStyle/>
+          <a:p>
+            <a:r>
+              <a:rPr lang="es-MX" sz="1200" dirty="0">
+                <a:hlinkClick r:id="rId4"/>
+              </a:rPr>
+              <a:t>https://docs.oracle.com/en/cloud/paas/digital-assistant/use-chatbot/intents1.html#GUID-DF5E3ED9-8EAE-4A3D-BE32-588E7C2E7E86</a:t>
+            </a:r>
+            <a:r>
+              <a:rPr lang="es-MX" sz="1200" dirty="0"/>
+              <a:t> </a:t>
+            </a:r>
+          </a:p>
+        </p:txBody>
+      </p:sp>
+      <p:sp>
+        <p:nvSpPr>
+          <p:cNvPr id="57" name="Bocadillo: rectángulo con esquinas redondeadas 56">
+            <a:extLst>
+              <a:ext uri="{FF2B5EF4-FFF2-40B4-BE49-F238E27FC236}">
+                <a16:creationId xmlns:a16="http://schemas.microsoft.com/office/drawing/2014/main" id="{95E96FC9-4560-43B0-9F9C-E7E5F676DCA2}"/>
+              </a:ext>
+            </a:extLst>
+          </p:cNvPr>
+          <p:cNvSpPr/>
+          <p:nvPr/>
+        </p:nvSpPr>
+        <p:spPr>
+          <a:xfrm>
+            <a:off x="828201" y="1092834"/>
+            <a:ext cx="2070968" cy="372202"/>
+          </a:xfrm>
+          <a:prstGeom prst="wedgeRoundRectCallout">
+            <a:avLst>
+              <a:gd name="adj1" fmla="val -25388"/>
+              <a:gd name="adj2" fmla="val 91027"/>
+              <a:gd name="adj3" fmla="val 16667"/>
+            </a:avLst>
+          </a:prstGeom>
+          <a:solidFill>
+            <a:srgbClr val="1269B2"/>
+          </a:solidFill>
+          <a:ln>
+            <a:noFill/>
+          </a:ln>
+        </p:spPr>
+        <p:style>
+          <a:lnRef idx="2">
+            <a:schemeClr val="accent1">
+              <a:shade val="50000"/>
+            </a:schemeClr>
+          </a:lnRef>
+          <a:fillRef idx="1">
+            <a:schemeClr val="accent1"/>
+          </a:fillRef>
+          <a:effectRef idx="0">
+            <a:schemeClr val="accent1"/>
+          </a:effectRef>
+          <a:fontRef idx="minor">
+            <a:schemeClr val="lt1"/>
+          </a:fontRef>
+        </p:style>
+        <p:txBody>
+          <a:bodyPr rtlCol="0" anchor="ctr"/>
+          <a:lstStyle/>
+          <a:p>
+            <a:pPr algn="ctr"/>
+            <a:r>
+              <a:rPr lang="es-MX" sz="1200" dirty="0"/>
+              <a:t>Hola</a:t>
+            </a:r>
+          </a:p>
+        </p:txBody>
+      </p:sp>
+      <p:pic>
+        <p:nvPicPr>
+          <p:cNvPr id="58" name="Imagen 57" descr="Icono&#10;&#10;Descripción generada automáticamente">
+            <a:extLst>
+              <a:ext uri="{FF2B5EF4-FFF2-40B4-BE49-F238E27FC236}">
+                <a16:creationId xmlns:a16="http://schemas.microsoft.com/office/drawing/2014/main" id="{D36F0CF2-B0AA-43D0-B90F-F57462A94688}"/>
+              </a:ext>
+            </a:extLst>
+          </p:cNvPr>
+          <p:cNvPicPr>
+            <a:picLocks noChangeAspect="1"/>
+          </p:cNvPicPr>
+          <p:nvPr/>
+        </p:nvPicPr>
+        <p:blipFill>
+          <a:blip r:embed="rId3"/>
+          <a:stretch>
+            <a:fillRect/>
+          </a:stretch>
+        </p:blipFill>
+        <p:spPr>
+          <a:xfrm>
+            <a:off x="989801" y="1583490"/>
+            <a:ext cx="256693" cy="256693"/>
           </a:xfrm>
           <a:prstGeom prst="rect">
             <a:avLst/>
@@ -4443,7 +4406,7 @@
     </p:spTree>
     <p:extLst>
       <p:ext uri="{BB962C8B-B14F-4D97-AF65-F5344CB8AC3E}">
-        <p14:creationId xmlns:p14="http://schemas.microsoft.com/office/powerpoint/2010/main" val="3362072675"/>
+        <p14:creationId xmlns:p14="http://schemas.microsoft.com/office/powerpoint/2010/main" val="2829715590"/>
       </p:ext>
     </p:extLst>
   </p:cSld>
@@ -4472,263 +4435,33 @@
       </p:grpSpPr>
       <p:sp>
         <p:nvSpPr>
-          <p:cNvPr id="4" name="TextBox 1">
-            <a:extLst>
-              <a:ext uri="{FF2B5EF4-FFF2-40B4-BE49-F238E27FC236}">
-                <a16:creationId xmlns:a16="http://schemas.microsoft.com/office/drawing/2014/main" id="{B0064C64-35ED-4A28-9E95-8BEA778DBE93}"/>
-              </a:ext>
-            </a:extLst>
-          </p:cNvPr>
-          <p:cNvSpPr txBox="1"/>
-          <p:nvPr/>
-        </p:nvSpPr>
-        <p:spPr>
-          <a:xfrm>
-            <a:off x="101601" y="384196"/>
-            <a:ext cx="4054209" cy="584775"/>
-          </a:xfrm>
-          <a:prstGeom prst="rect">
+          <p:cNvPr id="25" name="Diagrama de flujo: operación manual 24">
+            <a:extLst>
+              <a:ext uri="{FF2B5EF4-FFF2-40B4-BE49-F238E27FC236}">
+                <a16:creationId xmlns:a16="http://schemas.microsoft.com/office/drawing/2014/main" id="{DE33C046-22D9-4DFA-8778-EF9C71E2E7DC}"/>
+              </a:ext>
+            </a:extLst>
+          </p:cNvPr>
+          <p:cNvSpPr/>
+          <p:nvPr/>
+        </p:nvSpPr>
+        <p:spPr>
+          <a:xfrm rot="16200000">
+            <a:off x="792250" y="-157084"/>
+            <a:ext cx="4143138" cy="5933377"/>
+          </a:xfrm>
+          <a:prstGeom prst="flowChartManualOperation">
             <a:avLst/>
           </a:prstGeom>
-          <a:noFill/>
-        </p:spPr>
-        <p:txBody>
-          <a:bodyPr wrap="square" rtlCol="0">
-            <a:spAutoFit/>
-          </a:bodyPr>
-          <a:lstStyle/>
-          <a:p>
-            <a:pPr lvl="1"/>
-            <a:r>
-              <a:rPr lang="es-MX" sz="3200" dirty="0" err="1">
-                <a:solidFill>
-                  <a:schemeClr val="accent6"/>
-                </a:solidFill>
-                <a:latin typeface="+mj-lt"/>
-              </a:rPr>
-              <a:t>Intents</a:t>
-            </a:r>
-            <a:r>
-              <a:rPr lang="es-MX" sz="3200" dirty="0">
-                <a:solidFill>
-                  <a:schemeClr val="accent6"/>
-                </a:solidFill>
-                <a:latin typeface="+mj-lt"/>
-              </a:rPr>
-              <a:t> y </a:t>
-            </a:r>
-            <a:r>
-              <a:rPr lang="es-MX" sz="3200" dirty="0" err="1">
-                <a:solidFill>
-                  <a:schemeClr val="accent6"/>
-                </a:solidFill>
-                <a:latin typeface="+mj-lt"/>
-              </a:rPr>
-              <a:t>entities</a:t>
-            </a:r>
-            <a:endParaRPr lang="es-MX" sz="3200" dirty="0">
-              <a:solidFill>
-                <a:schemeClr val="accent6"/>
-              </a:solidFill>
-              <a:latin typeface="+mj-lt"/>
-            </a:endParaRPr>
-          </a:p>
-        </p:txBody>
-      </p:sp>
-      <p:sp>
-        <p:nvSpPr>
-          <p:cNvPr id="25" name="TextBox 2">
-            <a:extLst>
-              <a:ext uri="{FF2B5EF4-FFF2-40B4-BE49-F238E27FC236}">
-                <a16:creationId xmlns:a16="http://schemas.microsoft.com/office/drawing/2014/main" id="{F01CCB26-1A1D-42AD-ADB1-8359C5D0CDF5}"/>
-              </a:ext>
-            </a:extLst>
-          </p:cNvPr>
-          <p:cNvSpPr txBox="1"/>
-          <p:nvPr/>
-        </p:nvSpPr>
-        <p:spPr>
-          <a:xfrm>
-            <a:off x="599811" y="2783080"/>
-            <a:ext cx="3481330" cy="1323439"/>
-          </a:xfrm>
-          <a:prstGeom prst="rect">
-            <a:avLst/>
-          </a:prstGeom>
-          <a:noFill/>
-        </p:spPr>
-        <p:txBody>
-          <a:bodyPr wrap="square" lIns="91440" tIns="45720" rIns="91440" bIns="45720" rtlCol="0" anchor="t">
-            <a:spAutoFit/>
-          </a:bodyPr>
-          <a:lstStyle/>
-          <a:p>
-            <a:r>
-              <a:rPr lang="es-MX" sz="1600" dirty="0" err="1">
-                <a:solidFill>
-                  <a:schemeClr val="accent5"/>
-                </a:solidFill>
-              </a:rPr>
-              <a:t>Entities</a:t>
-            </a:r>
-            <a:r>
-              <a:rPr lang="es-MX" sz="1600" b="0" i="0" dirty="0">
-                <a:effectLst/>
-              </a:rPr>
-              <a:t>: Mientras que las intenciones asignan palabras y frases a una acción específica, las </a:t>
-            </a:r>
-            <a:r>
-              <a:rPr lang="es-MX" sz="1600" b="0" i="0" dirty="0" err="1">
-                <a:effectLst/>
-              </a:rPr>
-              <a:t>entities</a:t>
-            </a:r>
-            <a:r>
-              <a:rPr lang="es-MX" sz="1600" b="0" i="0" dirty="0">
-                <a:effectLst/>
-              </a:rPr>
-              <a:t> agregan </a:t>
-            </a:r>
-            <a:r>
-              <a:rPr lang="es-MX" sz="1600" b="0" i="0" dirty="0">
-                <a:solidFill>
-                  <a:schemeClr val="tx2"/>
-                </a:solidFill>
-                <a:effectLst/>
-              </a:rPr>
-              <a:t>contexto</a:t>
-            </a:r>
-            <a:r>
-              <a:rPr lang="es-MX" sz="1600" b="0" i="0" dirty="0">
-                <a:effectLst/>
-              </a:rPr>
-              <a:t> al </a:t>
-            </a:r>
-            <a:r>
-              <a:rPr lang="es-MX" sz="1600" b="0" i="0" dirty="0" err="1">
-                <a:effectLst/>
-              </a:rPr>
-              <a:t>intent</a:t>
-            </a:r>
-            <a:r>
-              <a:rPr lang="es-MX" sz="1600" b="0" i="0" dirty="0">
-                <a:effectLst/>
-              </a:rPr>
-              <a:t> en sí.</a:t>
-            </a:r>
-          </a:p>
-        </p:txBody>
-      </p:sp>
-      <p:sp>
-        <p:nvSpPr>
-          <p:cNvPr id="26" name="TextBox 2">
-            <a:extLst>
-              <a:ext uri="{FF2B5EF4-FFF2-40B4-BE49-F238E27FC236}">
-                <a16:creationId xmlns:a16="http://schemas.microsoft.com/office/drawing/2014/main" id="{13434476-88E5-4141-8E59-B2FABF3E8137}"/>
-              </a:ext>
-            </a:extLst>
-          </p:cNvPr>
-          <p:cNvSpPr txBox="1"/>
-          <p:nvPr/>
-        </p:nvSpPr>
-        <p:spPr>
-          <a:xfrm>
-            <a:off x="599811" y="1491600"/>
-            <a:ext cx="3394006" cy="830997"/>
-          </a:xfrm>
-          <a:prstGeom prst="rect">
-            <a:avLst/>
-          </a:prstGeom>
-          <a:noFill/>
-        </p:spPr>
-        <p:txBody>
-          <a:bodyPr wrap="square" lIns="91440" tIns="45720" rIns="91440" bIns="45720" rtlCol="0" anchor="t">
-            <a:spAutoFit/>
-          </a:bodyPr>
-          <a:lstStyle/>
-          <a:p>
-            <a:r>
-              <a:rPr lang="es-MX" sz="1600" b="0" i="0" dirty="0" err="1">
-                <a:solidFill>
-                  <a:schemeClr val="accent5"/>
-                </a:solidFill>
-                <a:effectLst/>
-              </a:rPr>
-              <a:t>Intens</a:t>
-            </a:r>
-            <a:r>
-              <a:rPr lang="es-MX" sz="1600" b="0" i="0" dirty="0">
-                <a:effectLst/>
-              </a:rPr>
-              <a:t>: </a:t>
-            </a:r>
-            <a:r>
-              <a:rPr lang="es-MX" sz="1600" b="0" dirty="0"/>
-              <a:t>S</a:t>
-            </a:r>
-            <a:r>
-              <a:rPr lang="es-MX" sz="1600" dirty="0"/>
-              <a:t>on l</a:t>
-            </a:r>
-            <a:r>
-              <a:rPr lang="es-MX" sz="1600" i="0" dirty="0">
-                <a:effectLst/>
-              </a:rPr>
-              <a:t>as intenciones que permiten a la </a:t>
-            </a:r>
-            <a:r>
-              <a:rPr lang="es-MX" sz="1600" dirty="0" err="1">
-                <a:solidFill>
-                  <a:schemeClr val="tx2"/>
-                </a:solidFill>
-              </a:rPr>
-              <a:t>Skill</a:t>
-            </a:r>
-            <a:r>
-              <a:rPr lang="es-MX" sz="1600" dirty="0"/>
-              <a:t> comprender</a:t>
-            </a:r>
-            <a:r>
-              <a:rPr lang="es-MX" sz="1600" i="0" dirty="0">
-                <a:effectLst/>
-              </a:rPr>
-              <a:t> lo que el usuario quiere hacer.</a:t>
-            </a:r>
-            <a:endParaRPr lang="es-MX" sz="1600" b="0" i="0" dirty="0">
-              <a:effectLst/>
-            </a:endParaRPr>
-          </a:p>
-        </p:txBody>
-      </p:sp>
-      <p:sp>
-        <p:nvSpPr>
-          <p:cNvPr id="11" name="Bocadillo: rectángulo con esquinas redondeadas 10">
-            <a:extLst>
-              <a:ext uri="{FF2B5EF4-FFF2-40B4-BE49-F238E27FC236}">
-                <a16:creationId xmlns:a16="http://schemas.microsoft.com/office/drawing/2014/main" id="{18F76BDC-32EC-4277-BCE1-1EA337B93E43}"/>
-              </a:ext>
-            </a:extLst>
-          </p:cNvPr>
-          <p:cNvSpPr/>
-          <p:nvPr/>
-        </p:nvSpPr>
-        <p:spPr>
-          <a:xfrm>
-            <a:off x="4461831" y="2353720"/>
-            <a:ext cx="2511644" cy="429360"/>
-          </a:xfrm>
-          <a:prstGeom prst="wedgeRoundRectCallout">
-            <a:avLst>
-              <a:gd name="adj1" fmla="val -28048"/>
-              <a:gd name="adj2" fmla="val 96947"/>
-              <a:gd name="adj3" fmla="val 16667"/>
-            </a:avLst>
-          </a:prstGeom>
           <a:solidFill>
-            <a:srgbClr val="1269B2"/>
+            <a:srgbClr val="DCEBF7"/>
           </a:solidFill>
           <a:ln>
-            <a:noFill/>
+            <a:solidFill>
+              <a:schemeClr val="bg1">
+                <a:lumMod val="85000"/>
+              </a:schemeClr>
+            </a:solidFill>
           </a:ln>
         </p:spPr>
         <p:style>
@@ -4752,43 +4485,298 @@
           <a:lstStyle/>
           <a:p>
             <a:pPr algn="ctr"/>
-            <a:r>
-              <a:rPr lang="es-MX" sz="1200" dirty="0"/>
-              <a:t>¿Cómo va a estar el clima </a:t>
-            </a:r>
-            <a:r>
-              <a:rPr lang="es-MX" sz="1200" dirty="0">
+            <a:endParaRPr lang="es-MX"/>
+          </a:p>
+        </p:txBody>
+      </p:sp>
+      <p:sp>
+        <p:nvSpPr>
+          <p:cNvPr id="4" name="TextBox 1">
+            <a:extLst>
+              <a:ext uri="{FF2B5EF4-FFF2-40B4-BE49-F238E27FC236}">
+                <a16:creationId xmlns:a16="http://schemas.microsoft.com/office/drawing/2014/main" id="{B0064C64-35ED-4A28-9E95-8BEA778DBE93}"/>
+              </a:ext>
+            </a:extLst>
+          </p:cNvPr>
+          <p:cNvSpPr txBox="1"/>
+          <p:nvPr/>
+        </p:nvSpPr>
+        <p:spPr>
+          <a:xfrm>
+            <a:off x="597267" y="174218"/>
+            <a:ext cx="7403230" cy="584775"/>
+          </a:xfrm>
+          <a:prstGeom prst="rect">
+            <a:avLst/>
+          </a:prstGeom>
+          <a:noFill/>
+        </p:spPr>
+        <p:txBody>
+          <a:bodyPr wrap="square" rtlCol="0">
+            <a:spAutoFit/>
+          </a:bodyPr>
+          <a:lstStyle/>
+          <a:p>
+            <a:r>
+              <a:rPr lang="es-MX" sz="3200" dirty="0" err="1">
                 <a:solidFill>
-                  <a:schemeClr val="accent4"/>
+                  <a:schemeClr val="accent6"/>
                 </a:solidFill>
-              </a:rPr>
-              <a:t>mañana</a:t>
-            </a:r>
-            <a:r>
-              <a:rPr lang="es-MX" sz="1200" dirty="0"/>
-              <a:t> en </a:t>
-            </a:r>
-            <a:r>
-              <a:rPr lang="es-MX" sz="1200" dirty="0">
-                <a:solidFill>
-                  <a:schemeClr val="accent4"/>
-                </a:solidFill>
-              </a:rPr>
-              <a:t>London</a:t>
-            </a:r>
-            <a:r>
-              <a:rPr lang="es-MX" sz="1200" dirty="0"/>
-              <a:t>?</a:t>
+                <a:latin typeface="+mj-lt"/>
+              </a:rPr>
+              <a:t>Intents</a:t>
+            </a:r>
+            <a:endParaRPr lang="es-MX" sz="3200" dirty="0">
+              <a:solidFill>
+                <a:schemeClr val="accent6"/>
+              </a:solidFill>
+              <a:latin typeface="+mj-lt"/>
+            </a:endParaRPr>
+          </a:p>
+        </p:txBody>
+      </p:sp>
+      <p:sp>
+        <p:nvSpPr>
+          <p:cNvPr id="2" name="Bocadillo: rectángulo con esquinas redondeadas 1">
+            <a:extLst>
+              <a:ext uri="{FF2B5EF4-FFF2-40B4-BE49-F238E27FC236}">
+                <a16:creationId xmlns:a16="http://schemas.microsoft.com/office/drawing/2014/main" id="{559104D0-DD63-48F1-9737-D3A8B91CD682}"/>
+              </a:ext>
+            </a:extLst>
+          </p:cNvPr>
+          <p:cNvSpPr/>
+          <p:nvPr/>
+        </p:nvSpPr>
+        <p:spPr>
+          <a:xfrm>
+            <a:off x="1079653" y="1214833"/>
+            <a:ext cx="1795748" cy="584775"/>
+          </a:xfrm>
+          <a:prstGeom prst="wedgeRoundRectCallout">
+            <a:avLst>
+              <a:gd name="adj1" fmla="val -28580"/>
+              <a:gd name="adj2" fmla="val 85107"/>
+              <a:gd name="adj3" fmla="val 16667"/>
+            </a:avLst>
+          </a:prstGeom>
+          <a:solidFill>
+            <a:srgbClr val="1269B2"/>
+          </a:solidFill>
+          <a:ln>
+            <a:noFill/>
+          </a:ln>
+        </p:spPr>
+        <p:style>
+          <a:lnRef idx="2">
+            <a:schemeClr val="accent1">
+              <a:shade val="50000"/>
+            </a:schemeClr>
+          </a:lnRef>
+          <a:fillRef idx="1">
+            <a:schemeClr val="accent1"/>
+          </a:fillRef>
+          <a:effectRef idx="0">
+            <a:schemeClr val="accent1"/>
+          </a:effectRef>
+          <a:fontRef idx="minor">
+            <a:schemeClr val="lt1"/>
+          </a:fontRef>
+        </p:style>
+        <p:txBody>
+          <a:bodyPr rtlCol="0" anchor="ctr"/>
+          <a:lstStyle/>
+          <a:p>
+            <a:pPr algn="ctr"/>
+            <a:r>
+              <a:rPr lang="es-MX" dirty="0"/>
+              <a:t>Hola</a:t>
+            </a:r>
+          </a:p>
+        </p:txBody>
+      </p:sp>
+      <p:sp>
+        <p:nvSpPr>
+          <p:cNvPr id="5" name="Bocadillo: rectángulo con esquinas redondeadas 4">
+            <a:extLst>
+              <a:ext uri="{FF2B5EF4-FFF2-40B4-BE49-F238E27FC236}">
+                <a16:creationId xmlns:a16="http://schemas.microsoft.com/office/drawing/2014/main" id="{39370F5C-8F40-4121-AA58-6EA621034CD3}"/>
+              </a:ext>
+            </a:extLst>
+          </p:cNvPr>
+          <p:cNvSpPr/>
+          <p:nvPr/>
+        </p:nvSpPr>
+        <p:spPr>
+          <a:xfrm>
+            <a:off x="1977527" y="2081900"/>
+            <a:ext cx="1795749" cy="584775"/>
+          </a:xfrm>
+          <a:prstGeom prst="wedgeRoundRectCallout">
+            <a:avLst>
+              <a:gd name="adj1" fmla="val -28580"/>
+              <a:gd name="adj2" fmla="val 85107"/>
+              <a:gd name="adj3" fmla="val 16667"/>
+            </a:avLst>
+          </a:prstGeom>
+          <a:solidFill>
+            <a:srgbClr val="1269B2"/>
+          </a:solidFill>
+          <a:ln>
+            <a:noFill/>
+          </a:ln>
+        </p:spPr>
+        <p:style>
+          <a:lnRef idx="2">
+            <a:schemeClr val="accent1">
+              <a:shade val="50000"/>
+            </a:schemeClr>
+          </a:lnRef>
+          <a:fillRef idx="1">
+            <a:schemeClr val="accent1"/>
+          </a:fillRef>
+          <a:effectRef idx="0">
+            <a:schemeClr val="accent1"/>
+          </a:effectRef>
+          <a:fontRef idx="minor">
+            <a:schemeClr val="lt1"/>
+          </a:fontRef>
+        </p:style>
+        <p:txBody>
+          <a:bodyPr rtlCol="0" anchor="ctr"/>
+          <a:lstStyle/>
+          <a:p>
+            <a:pPr algn="ctr"/>
+            <a:r>
+              <a:rPr lang="es-MX" dirty="0"/>
+              <a:t>¿Qué tal?</a:t>
+            </a:r>
+          </a:p>
+        </p:txBody>
+      </p:sp>
+      <p:sp>
+        <p:nvSpPr>
+          <p:cNvPr id="6" name="Bocadillo: rectángulo con esquinas redondeadas 5">
+            <a:extLst>
+              <a:ext uri="{FF2B5EF4-FFF2-40B4-BE49-F238E27FC236}">
+                <a16:creationId xmlns:a16="http://schemas.microsoft.com/office/drawing/2014/main" id="{ADBA71ED-957D-498C-8D35-5057A0A591D8}"/>
+              </a:ext>
+            </a:extLst>
+          </p:cNvPr>
+          <p:cNvSpPr/>
+          <p:nvPr/>
+        </p:nvSpPr>
+        <p:spPr>
+          <a:xfrm>
+            <a:off x="2776251" y="3161540"/>
+            <a:ext cx="1795749" cy="584775"/>
+          </a:xfrm>
+          <a:prstGeom prst="wedgeRoundRectCallout">
+            <a:avLst>
+              <a:gd name="adj1" fmla="val -28580"/>
+              <a:gd name="adj2" fmla="val 85107"/>
+              <a:gd name="adj3" fmla="val 16667"/>
+            </a:avLst>
+          </a:prstGeom>
+          <a:solidFill>
+            <a:srgbClr val="1269B2"/>
+          </a:solidFill>
+          <a:ln>
+            <a:noFill/>
+          </a:ln>
+        </p:spPr>
+        <p:style>
+          <a:lnRef idx="2">
+            <a:schemeClr val="accent1">
+              <a:shade val="50000"/>
+            </a:schemeClr>
+          </a:lnRef>
+          <a:fillRef idx="1">
+            <a:schemeClr val="accent1"/>
+          </a:fillRef>
+          <a:effectRef idx="0">
+            <a:schemeClr val="accent1"/>
+          </a:effectRef>
+          <a:fontRef idx="minor">
+            <a:schemeClr val="lt1"/>
+          </a:fontRef>
+        </p:style>
+        <p:txBody>
+          <a:bodyPr rtlCol="0" anchor="ctr"/>
+          <a:lstStyle/>
+          <a:p>
+            <a:pPr algn="ctr"/>
+            <a:r>
+              <a:rPr lang="es-MX" dirty="0"/>
+              <a:t>Buenas tardes</a:t>
+            </a:r>
+          </a:p>
+        </p:txBody>
+      </p:sp>
+      <p:sp>
+        <p:nvSpPr>
+          <p:cNvPr id="7" name="Bocadillo: rectángulo con esquinas redondeadas 6">
+            <a:extLst>
+              <a:ext uri="{FF2B5EF4-FFF2-40B4-BE49-F238E27FC236}">
+                <a16:creationId xmlns:a16="http://schemas.microsoft.com/office/drawing/2014/main" id="{51E25602-F8BD-4F18-93C9-BD3BAD9E0C9A}"/>
+              </a:ext>
+            </a:extLst>
+          </p:cNvPr>
+          <p:cNvSpPr/>
+          <p:nvPr/>
+        </p:nvSpPr>
+        <p:spPr>
+          <a:xfrm>
+            <a:off x="597267" y="3525278"/>
+            <a:ext cx="1795749" cy="584775"/>
+          </a:xfrm>
+          <a:prstGeom prst="wedgeRoundRectCallout">
+            <a:avLst>
+              <a:gd name="adj1" fmla="val -28580"/>
+              <a:gd name="adj2" fmla="val 85107"/>
+              <a:gd name="adj3" fmla="val 16667"/>
+            </a:avLst>
+          </a:prstGeom>
+          <a:solidFill>
+            <a:srgbClr val="1269B2"/>
+          </a:solidFill>
+          <a:ln>
+            <a:noFill/>
+          </a:ln>
+        </p:spPr>
+        <p:style>
+          <a:lnRef idx="2">
+            <a:schemeClr val="accent1">
+              <a:shade val="50000"/>
+            </a:schemeClr>
+          </a:lnRef>
+          <a:fillRef idx="1">
+            <a:schemeClr val="accent1"/>
+          </a:fillRef>
+          <a:effectRef idx="0">
+            <a:schemeClr val="accent1"/>
+          </a:effectRef>
+          <a:fontRef idx="minor">
+            <a:schemeClr val="lt1"/>
+          </a:fontRef>
+        </p:style>
+        <p:txBody>
+          <a:bodyPr rtlCol="0" anchor="ctr"/>
+          <a:lstStyle/>
+          <a:p>
+            <a:pPr algn="ctr"/>
+            <a:r>
+              <a:rPr lang="es-MX" dirty="0"/>
+              <a:t>Que onda!</a:t>
             </a:r>
           </a:p>
         </p:txBody>
       </p:sp>
       <p:pic>
         <p:nvPicPr>
-          <p:cNvPr id="12" name="Imagen 11" descr="Icono&#10;&#10;Descripción generada automáticamente">
-            <a:extLst>
-              <a:ext uri="{FF2B5EF4-FFF2-40B4-BE49-F238E27FC236}">
-                <a16:creationId xmlns:a16="http://schemas.microsoft.com/office/drawing/2014/main" id="{D3856CD1-2B6D-4627-A595-732FA2F6900F}"/>
+          <p:cNvPr id="9" name="Imagen 8" descr="Icono&#10;&#10;Descripción generada automáticamente">
+            <a:extLst>
+              <a:ext uri="{FF2B5EF4-FFF2-40B4-BE49-F238E27FC236}">
+                <a16:creationId xmlns:a16="http://schemas.microsoft.com/office/drawing/2014/main" id="{A26AA7E1-AFBF-44F1-B2A6-10FBF98A64BF}"/>
               </a:ext>
             </a:extLst>
           </p:cNvPr>
@@ -4805,20 +4793,110 @@
         </p:blipFill>
         <p:spPr>
           <a:xfrm>
-            <a:off x="4594034" y="2920835"/>
-            <a:ext cx="363355" cy="363355"/>
+            <a:off x="1014706" y="1893852"/>
+            <a:ext cx="480436" cy="480436"/>
           </a:xfrm>
           <a:prstGeom prst="rect">
             <a:avLst/>
           </a:prstGeom>
         </p:spPr>
       </p:pic>
-      <p:sp>
-        <p:nvSpPr>
-          <p:cNvPr id="2" name="Abrir llave 1">
-            <a:extLst>
-              <a:ext uri="{FF2B5EF4-FFF2-40B4-BE49-F238E27FC236}">
-                <a16:creationId xmlns:a16="http://schemas.microsoft.com/office/drawing/2014/main" id="{E38FD4F6-8472-48C9-B314-C6B1B54B21AF}"/>
+      <p:pic>
+        <p:nvPicPr>
+          <p:cNvPr id="10" name="Imagen 9" descr="Icono&#10;&#10;Descripción generada automáticamente">
+            <a:extLst>
+              <a:ext uri="{FF2B5EF4-FFF2-40B4-BE49-F238E27FC236}">
+                <a16:creationId xmlns:a16="http://schemas.microsoft.com/office/drawing/2014/main" id="{6F8A76CA-3799-40F6-AEF7-40BC406267C7}"/>
+              </a:ext>
+            </a:extLst>
+          </p:cNvPr>
+          <p:cNvPicPr>
+            <a:picLocks noChangeAspect="1"/>
+          </p:cNvPicPr>
+          <p:nvPr/>
+        </p:nvPicPr>
+        <p:blipFill>
+          <a:blip r:embed="rId2"/>
+          <a:stretch>
+            <a:fillRect/>
+          </a:stretch>
+        </p:blipFill>
+        <p:spPr>
+          <a:xfrm>
+            <a:off x="1976427" y="2809606"/>
+            <a:ext cx="480436" cy="480436"/>
+          </a:xfrm>
+          <a:prstGeom prst="rect">
+            <a:avLst/>
+          </a:prstGeom>
+        </p:spPr>
+      </p:pic>
+      <p:pic>
+        <p:nvPicPr>
+          <p:cNvPr id="11" name="Imagen 10" descr="Icono&#10;&#10;Descripción generada automáticamente">
+            <a:extLst>
+              <a:ext uri="{FF2B5EF4-FFF2-40B4-BE49-F238E27FC236}">
+                <a16:creationId xmlns:a16="http://schemas.microsoft.com/office/drawing/2014/main" id="{CE0529D3-0EB4-407B-A82A-DA995E894934}"/>
+              </a:ext>
+            </a:extLst>
+          </p:cNvPr>
+          <p:cNvPicPr>
+            <a:picLocks noChangeAspect="1"/>
+          </p:cNvPicPr>
+          <p:nvPr/>
+        </p:nvPicPr>
+        <p:blipFill>
+          <a:blip r:embed="rId2"/>
+          <a:stretch>
+            <a:fillRect/>
+          </a:stretch>
+        </p:blipFill>
+        <p:spPr>
+          <a:xfrm>
+            <a:off x="597267" y="4311041"/>
+            <a:ext cx="480436" cy="480436"/>
+          </a:xfrm>
+          <a:prstGeom prst="rect">
+            <a:avLst/>
+          </a:prstGeom>
+        </p:spPr>
+      </p:pic>
+      <p:pic>
+        <p:nvPicPr>
+          <p:cNvPr id="12" name="Imagen 11" descr="Icono&#10;&#10;Descripción generada automáticamente">
+            <a:extLst>
+              <a:ext uri="{FF2B5EF4-FFF2-40B4-BE49-F238E27FC236}">
+                <a16:creationId xmlns:a16="http://schemas.microsoft.com/office/drawing/2014/main" id="{5559A776-972F-4656-93C0-172A3342ED22}"/>
+              </a:ext>
+            </a:extLst>
+          </p:cNvPr>
+          <p:cNvPicPr>
+            <a:picLocks noChangeAspect="1"/>
+          </p:cNvPicPr>
+          <p:nvPr/>
+        </p:nvPicPr>
+        <p:blipFill>
+          <a:blip r:embed="rId2"/>
+          <a:stretch>
+            <a:fillRect/>
+          </a:stretch>
+        </p:blipFill>
+        <p:spPr>
+          <a:xfrm>
+            <a:off x="2776251" y="3869835"/>
+            <a:ext cx="480436" cy="480436"/>
+          </a:xfrm>
+          <a:prstGeom prst="rect">
+            <a:avLst/>
+          </a:prstGeom>
+        </p:spPr>
+      </p:pic>
+      <p:sp>
+        <p:nvSpPr>
+          <p:cNvPr id="13" name="Rectángulo: esquinas redondeadas 12">
+            <a:extLst>
+              <a:ext uri="{FF2B5EF4-FFF2-40B4-BE49-F238E27FC236}">
+                <a16:creationId xmlns:a16="http://schemas.microsoft.com/office/drawing/2014/main" id="{91099E18-BED3-420E-B0D8-856CF43B982D}"/>
               </a:ext>
             </a:extLst>
           </p:cNvPr>
@@ -4827,220 +4905,142 @@
         </p:nvSpPr>
         <p:spPr>
           <a:xfrm>
-            <a:off x="7050390" y="2050498"/>
-            <a:ext cx="363355" cy="970051"/>
-          </a:xfrm>
-          <a:prstGeom prst="leftBrace">
-            <a:avLst>
-              <a:gd name="adj1" fmla="val 44717"/>
-              <a:gd name="adj2" fmla="val 50000"/>
-            </a:avLst>
-          </a:prstGeom>
-          <a:ln w="19050">
+            <a:off x="5409282" y="407365"/>
+            <a:ext cx="859319" cy="4328769"/>
+          </a:xfrm>
+          <a:prstGeom prst="roundRect">
+            <a:avLst/>
+          </a:prstGeom>
+          <a:solidFill>
+            <a:srgbClr val="1269B2"/>
+          </a:solidFill>
+          <a:ln>
             <a:solidFill>
-              <a:srgbClr val="1269B2"/>
+              <a:schemeClr val="bg1"/>
             </a:solidFill>
           </a:ln>
         </p:spPr>
         <p:style>
-          <a:lnRef idx="1">
-            <a:schemeClr val="accent1"/>
+          <a:lnRef idx="2">
+            <a:schemeClr val="accent1">
+              <a:shade val="50000"/>
+            </a:schemeClr>
           </a:lnRef>
-          <a:fillRef idx="0">
+          <a:fillRef idx="1">
             <a:schemeClr val="accent1"/>
           </a:fillRef>
           <a:effectRef idx="0">
             <a:schemeClr val="accent1"/>
           </a:effectRef>
           <a:fontRef idx="minor">
-            <a:schemeClr val="tx1"/>
+            <a:schemeClr val="lt1"/>
           </a:fontRef>
         </p:style>
         <p:txBody>
+          <a:bodyPr vert="wordArtVert" rtlCol="0" anchor="ctr"/>
+          <a:lstStyle/>
+          <a:p>
+            <a:pPr algn="ctr"/>
+            <a:r>
+              <a:rPr lang="es-MX" dirty="0"/>
+              <a:t>BIENVENIDA</a:t>
+            </a:r>
+          </a:p>
+        </p:txBody>
+      </p:sp>
+      <p:sp>
+        <p:nvSpPr>
+          <p:cNvPr id="26" name="Bocadillo: rectángulo con esquinas redondeadas 25">
+            <a:extLst>
+              <a:ext uri="{FF2B5EF4-FFF2-40B4-BE49-F238E27FC236}">
+                <a16:creationId xmlns:a16="http://schemas.microsoft.com/office/drawing/2014/main" id="{D78DDC43-119E-45BD-BE1F-07B534659471}"/>
+              </a:ext>
+            </a:extLst>
+          </p:cNvPr>
+          <p:cNvSpPr/>
+          <p:nvPr/>
+        </p:nvSpPr>
+        <p:spPr>
+          <a:xfrm>
+            <a:off x="6417608" y="2255966"/>
+            <a:ext cx="2539616" cy="584775"/>
+          </a:xfrm>
+          <a:prstGeom prst="wedgeRoundRectCallout">
+            <a:avLst>
+              <a:gd name="adj1" fmla="val 24919"/>
+              <a:gd name="adj2" fmla="val 85106"/>
+              <a:gd name="adj3" fmla="val 16667"/>
+            </a:avLst>
+          </a:prstGeom>
+          <a:solidFill>
+            <a:srgbClr val="1269B2"/>
+          </a:solidFill>
+          <a:ln>
+            <a:noFill/>
+          </a:ln>
+        </p:spPr>
+        <p:style>
+          <a:lnRef idx="2">
+            <a:schemeClr val="accent1">
+              <a:shade val="50000"/>
+            </a:schemeClr>
+          </a:lnRef>
+          <a:fillRef idx="1">
+            <a:schemeClr val="accent1"/>
+          </a:fillRef>
+          <a:effectRef idx="0">
+            <a:schemeClr val="accent1"/>
+          </a:effectRef>
+          <a:fontRef idx="minor">
+            <a:schemeClr val="lt1"/>
+          </a:fontRef>
+        </p:style>
+        <p:txBody>
           <a:bodyPr rtlCol="0" anchor="ctr"/>
           <a:lstStyle/>
           <a:p>
             <a:pPr algn="ctr"/>
-            <a:endParaRPr lang="es-MX"/>
-          </a:p>
-        </p:txBody>
-      </p:sp>
-      <p:sp>
-        <p:nvSpPr>
-          <p:cNvPr id="14" name="TextBox 2">
-            <a:extLst>
-              <a:ext uri="{FF2B5EF4-FFF2-40B4-BE49-F238E27FC236}">
-                <a16:creationId xmlns:a16="http://schemas.microsoft.com/office/drawing/2014/main" id="{0DB4EE0B-7361-4B11-8274-9BE6250C0F81}"/>
-              </a:ext>
-            </a:extLst>
-          </p:cNvPr>
-          <p:cNvSpPr txBox="1"/>
-          <p:nvPr/>
-        </p:nvSpPr>
-        <p:spPr>
-          <a:xfrm>
-            <a:off x="7281035" y="2178396"/>
-            <a:ext cx="1785441" cy="276999"/>
+            <a:r>
+              <a:rPr lang="es-MX" dirty="0"/>
+              <a:t>Hola, ¿Cómo podemos ayudarte?</a:t>
+            </a:r>
+          </a:p>
+        </p:txBody>
+      </p:sp>
+      <p:pic>
+        <p:nvPicPr>
+          <p:cNvPr id="28" name="Imagen 27" descr="Icono&#10;&#10;Descripción generada automáticamente">
+            <a:extLst>
+              <a:ext uri="{FF2B5EF4-FFF2-40B4-BE49-F238E27FC236}">
+                <a16:creationId xmlns:a16="http://schemas.microsoft.com/office/drawing/2014/main" id="{73CE978A-8564-4ED2-860C-E26670AC2234}"/>
+              </a:ext>
+            </a:extLst>
+          </p:cNvPr>
+          <p:cNvPicPr>
+            <a:picLocks noChangeAspect="1"/>
+          </p:cNvPicPr>
+          <p:nvPr/>
+        </p:nvPicPr>
+        <p:blipFill>
+          <a:blip r:embed="rId3"/>
+          <a:stretch>
+            <a:fillRect/>
+          </a:stretch>
+        </p:blipFill>
+        <p:spPr>
+          <a:xfrm>
+            <a:off x="8200390" y="3001565"/>
+            <a:ext cx="571500" cy="571500"/>
           </a:xfrm>
           <a:prstGeom prst="rect">
             <a:avLst/>
           </a:prstGeom>
-          <a:noFill/>
-        </p:spPr>
-        <p:txBody>
-          <a:bodyPr wrap="square" lIns="91440" tIns="45720" rIns="91440" bIns="45720" rtlCol="0" anchor="t">
-            <a:spAutoFit/>
-          </a:bodyPr>
-          <a:lstStyle/>
-          <a:p>
-            <a:r>
-              <a:rPr lang="es-MX" sz="1200" dirty="0" err="1">
-                <a:solidFill>
-                  <a:schemeClr val="accent5"/>
-                </a:solidFill>
-              </a:rPr>
-              <a:t>Intent</a:t>
-            </a:r>
-            <a:r>
-              <a:rPr lang="es-MX" sz="1200" b="0" i="0" dirty="0">
-                <a:effectLst/>
-              </a:rPr>
-              <a:t>: PRONOSTICO</a:t>
-            </a:r>
-          </a:p>
-        </p:txBody>
-      </p:sp>
-      <p:sp>
-        <p:nvSpPr>
-          <p:cNvPr id="15" name="TextBox 2">
-            <a:extLst>
-              <a:ext uri="{FF2B5EF4-FFF2-40B4-BE49-F238E27FC236}">
-                <a16:creationId xmlns:a16="http://schemas.microsoft.com/office/drawing/2014/main" id="{84AE9C21-65D0-42E2-A2E1-1A05FFB41B53}"/>
-              </a:ext>
-            </a:extLst>
-          </p:cNvPr>
-          <p:cNvSpPr txBox="1"/>
-          <p:nvPr/>
-        </p:nvSpPr>
-        <p:spPr>
-          <a:xfrm>
-            <a:off x="7297610" y="2542906"/>
-            <a:ext cx="1752289" cy="276999"/>
-          </a:xfrm>
-          <a:prstGeom prst="rect">
-            <a:avLst/>
-          </a:prstGeom>
-          <a:noFill/>
-        </p:spPr>
-        <p:txBody>
-          <a:bodyPr wrap="square" lIns="91440" tIns="45720" rIns="91440" bIns="45720" rtlCol="0" anchor="t">
-            <a:spAutoFit/>
-          </a:bodyPr>
-          <a:lstStyle/>
-          <a:p>
-            <a:r>
-              <a:rPr lang="es-MX" sz="1200" dirty="0" err="1">
-                <a:solidFill>
-                  <a:schemeClr val="accent5"/>
-                </a:solidFill>
-              </a:rPr>
-              <a:t>Entities</a:t>
-            </a:r>
-            <a:r>
-              <a:rPr lang="es-MX" sz="1200" b="0" i="0" dirty="0">
-                <a:effectLst/>
-              </a:rPr>
-              <a:t>: DIA, CIUDAD</a:t>
-            </a:r>
-          </a:p>
-        </p:txBody>
-      </p:sp>
-      <p:cxnSp>
-        <p:nvCxnSpPr>
-          <p:cNvPr id="5" name="Conector recto 4">
-            <a:extLst>
-              <a:ext uri="{FF2B5EF4-FFF2-40B4-BE49-F238E27FC236}">
-                <a16:creationId xmlns:a16="http://schemas.microsoft.com/office/drawing/2014/main" id="{BF5F4032-3CC9-47AE-A8E4-DC1BD1F714E7}"/>
-              </a:ext>
-            </a:extLst>
-          </p:cNvPr>
-          <p:cNvCxnSpPr/>
-          <p:nvPr/>
-        </p:nvCxnSpPr>
-        <p:spPr>
-          <a:xfrm>
-            <a:off x="4230480" y="991105"/>
-            <a:ext cx="0" cy="3657600"/>
-          </a:xfrm>
-          <a:prstGeom prst="line">
-            <a:avLst/>
-          </a:prstGeom>
-          <a:ln w="19050">
-            <a:solidFill>
-              <a:srgbClr val="1269B2"/>
-            </a:solidFill>
-          </a:ln>
-        </p:spPr>
-        <p:style>
-          <a:lnRef idx="1">
-            <a:schemeClr val="accent1"/>
-          </a:lnRef>
-          <a:fillRef idx="0">
-            <a:schemeClr val="accent1"/>
-          </a:fillRef>
-          <a:effectRef idx="0">
-            <a:schemeClr val="accent1"/>
-          </a:effectRef>
-          <a:fontRef idx="minor">
-            <a:schemeClr val="tx1"/>
-          </a:fontRef>
-        </p:style>
-      </p:cxnSp>
-      <p:sp>
-        <p:nvSpPr>
-          <p:cNvPr id="18" name="CuadroTexto 17">
-            <a:extLst>
-              <a:ext uri="{FF2B5EF4-FFF2-40B4-BE49-F238E27FC236}">
-                <a16:creationId xmlns:a16="http://schemas.microsoft.com/office/drawing/2014/main" id="{32C4A212-7E68-47D0-91F5-9903D590D18C}"/>
-              </a:ext>
-            </a:extLst>
-          </p:cNvPr>
-          <p:cNvSpPr txBox="1"/>
-          <p:nvPr/>
-        </p:nvSpPr>
-        <p:spPr>
-          <a:xfrm>
-            <a:off x="223516" y="4648705"/>
-            <a:ext cx="7715250" cy="276999"/>
-          </a:xfrm>
-          <a:prstGeom prst="rect">
-            <a:avLst/>
-          </a:prstGeom>
-          <a:noFill/>
-        </p:spPr>
-        <p:txBody>
-          <a:bodyPr wrap="square">
-            <a:spAutoFit/>
-          </a:bodyPr>
-          <a:lstStyle/>
-          <a:p>
-            <a:r>
-              <a:rPr lang="es-MX" sz="1200" dirty="0">
-                <a:hlinkClick r:id="rId3"/>
-              </a:rPr>
-              <a:t>https://docs.oracle.com/en-us/iaas/digital-assistant/doc/entities1.html</a:t>
-            </a:r>
-            <a:r>
-              <a:rPr lang="es-MX" sz="1200" dirty="0"/>
-              <a:t> </a:t>
-            </a:r>
-          </a:p>
-        </p:txBody>
-      </p:sp>
+        </p:spPr>
+      </p:pic>
     </p:spTree>
     <p:extLst>
       <p:ext uri="{BB962C8B-B14F-4D97-AF65-F5344CB8AC3E}">
-        <p14:creationId xmlns:p14="http://schemas.microsoft.com/office/powerpoint/2010/main" val="1052534764"/>
+        <p14:creationId xmlns:p14="http://schemas.microsoft.com/office/powerpoint/2010/main" val="3362072675"/>
       </p:ext>
     </p:extLst>
   </p:cSld>
@@ -13608,18 +13608,18 @@
 </file>
 
 <file path=customXml/item1.xml><?xml version="1.0" encoding="utf-8"?>
+<p:properties xmlns:p="http://schemas.microsoft.com/office/2006/metadata/properties" xmlns:xsi="http://www.w3.org/2001/XMLSchema-instance" xmlns:pc="http://schemas.microsoft.com/office/infopath/2007/PartnerControls">
+  <documentManagement/>
+</p:properties>
+</file>
+
+<file path=customXml/item2.xml><?xml version="1.0" encoding="utf-8"?>
 <?mso-contentType ?>
 <FormTemplates xmlns="http://schemas.microsoft.com/sharepoint/v3/contenttype/forms">
   <Display>DocumentLibraryForm</Display>
   <Edit>DocumentLibraryForm</Edit>
   <New>DocumentLibraryForm</New>
 </FormTemplates>
-</file>
-
-<file path=customXml/item2.xml><?xml version="1.0" encoding="utf-8"?>
-<p:properties xmlns:p="http://schemas.microsoft.com/office/2006/metadata/properties" xmlns:xsi="http://www.w3.org/2001/XMLSchema-instance" xmlns:pc="http://schemas.microsoft.com/office/infopath/2007/PartnerControls">
-  <documentManagement/>
-</p:properties>
 </file>
 
 <file path=customXml/item3.xml><?xml version="1.0" encoding="utf-8"?>
@@ -13828,14 +13828,6 @@
 </file>
 
 <file path=customXml/itemProps1.xml><?xml version="1.0" encoding="utf-8"?>
-<ds:datastoreItem xmlns:ds="http://schemas.openxmlformats.org/officeDocument/2006/customXml" ds:itemID="{87D2A1B0-FF3E-4009-940D-AED0EB70AA20}">
-  <ds:schemaRefs>
-    <ds:schemaRef ds:uri="http://schemas.microsoft.com/sharepoint/v3/contenttype/forms"/>
-  </ds:schemaRefs>
-</ds:datastoreItem>
-</file>
-
-<file path=customXml/itemProps2.xml><?xml version="1.0" encoding="utf-8"?>
 <ds:datastoreItem xmlns:ds="http://schemas.openxmlformats.org/officeDocument/2006/customXml" ds:itemID="{7B6F2769-7194-4217-93D3-3AF3A4742282}">
   <ds:schemaRefs>
     <ds:schemaRef ds:uri="http://schemas.microsoft.com/office/infopath/2007/PartnerControls"/>
@@ -13848,6 +13840,14 @@
     <ds:schemaRef ds:uri="http://schemas.openxmlformats.org/package/2006/metadata/core-properties"/>
     <ds:schemaRef ds:uri="http://www.w3.org/XML/1998/namespace"/>
     <ds:schemaRef ds:uri="http://purl.org/dc/dcmitype/"/>
+  </ds:schemaRefs>
+</ds:datastoreItem>
+</file>
+
+<file path=customXml/itemProps2.xml><?xml version="1.0" encoding="utf-8"?>
+<ds:datastoreItem xmlns:ds="http://schemas.openxmlformats.org/officeDocument/2006/customXml" ds:itemID="{87D2A1B0-FF3E-4009-940D-AED0EB70AA20}">
+  <ds:schemaRefs>
+    <ds:schemaRef ds:uri="http://schemas.microsoft.com/sharepoint/v3/contenttype/forms"/>
   </ds:schemaRefs>
 </ds:datastoreItem>
 </file>
